--- a/Efficient and Progressive GST Search.pptx
+++ b/Efficient and Progressive GST Search.pptx
@@ -10249,6 +10249,2092 @@
           <a:chExt cx="0" cy="0"/>
         </a:xfrm>
       </p:grpSpPr>
+      <p:grpSp>
+        <p:nvGrpSpPr>
+          <p:cNvPr id="2" name="组合 1"/>
+          <p:cNvGrpSpPr/>
+          <p:nvPr/>
+        </p:nvGrpSpPr>
+        <p:grpSpPr>
+          <a:xfrm>
+            <a:off x="7787915" y="161908"/>
+            <a:ext cx="4074459" cy="3403587"/>
+            <a:chOff x="7893423" y="642554"/>
+            <a:chExt cx="4074459" cy="3403587"/>
+          </a:xfrm>
+        </p:grpSpPr>
+        <p:sp>
+          <p:nvSpPr>
+            <p:cNvPr id="3" name="椭圆 2"/>
+            <p:cNvSpPr/>
+            <p:nvPr/>
+          </p:nvSpPr>
+          <p:spPr>
+            <a:xfrm>
+              <a:off x="8908859" y="1674343"/>
+              <a:ext cx="157002" cy="157002"/>
+            </a:xfrm>
+            <a:prstGeom prst="ellipse">
+              <a:avLst/>
+            </a:prstGeom>
+            <a:solidFill>
+              <a:schemeClr val="accent1"/>
+            </a:solidFill>
+          </p:spPr>
+          <p:style>
+            <a:lnRef idx="2">
+              <a:schemeClr val="accent1">
+                <a:shade val="50000"/>
+              </a:schemeClr>
+            </a:lnRef>
+            <a:fillRef idx="1">
+              <a:schemeClr val="accent1"/>
+            </a:fillRef>
+            <a:effectRef idx="0">
+              <a:schemeClr val="accent1"/>
+            </a:effectRef>
+            <a:fontRef idx="minor">
+              <a:schemeClr val="lt1"/>
+            </a:fontRef>
+          </p:style>
+          <p:txBody>
+            <a:bodyPr rtlCol="0" anchor="ctr"/>
+            <a:lstStyle/>
+            <a:p>
+              <a:pPr algn="ctr"/>
+              <a:endParaRPr lang="zh-CN" altLang="en-US" spc="-300"/>
+            </a:p>
+          </p:txBody>
+        </p:sp>
+        <p:sp>
+          <p:nvSpPr>
+            <p:cNvPr id="4" name="椭圆 3"/>
+            <p:cNvSpPr/>
+            <p:nvPr/>
+          </p:nvSpPr>
+          <p:spPr>
+            <a:xfrm>
+              <a:off x="8906315" y="2763916"/>
+              <a:ext cx="157002" cy="157002"/>
+            </a:xfrm>
+            <a:prstGeom prst="ellipse">
+              <a:avLst/>
+            </a:prstGeom>
+            <a:solidFill>
+              <a:schemeClr val="accent1"/>
+            </a:solidFill>
+          </p:spPr>
+          <p:style>
+            <a:lnRef idx="2">
+              <a:schemeClr val="accent1">
+                <a:shade val="50000"/>
+              </a:schemeClr>
+            </a:lnRef>
+            <a:fillRef idx="1">
+              <a:schemeClr val="accent1"/>
+            </a:fillRef>
+            <a:effectRef idx="0">
+              <a:schemeClr val="accent1"/>
+            </a:effectRef>
+            <a:fontRef idx="minor">
+              <a:schemeClr val="lt1"/>
+            </a:fontRef>
+          </p:style>
+          <p:txBody>
+            <a:bodyPr rtlCol="0" anchor="ctr"/>
+            <a:lstStyle/>
+            <a:p>
+              <a:pPr algn="ctr"/>
+              <a:endParaRPr lang="zh-CN" altLang="en-US" spc="-300"/>
+            </a:p>
+          </p:txBody>
+        </p:sp>
+        <p:sp>
+          <p:nvSpPr>
+            <p:cNvPr id="5" name="椭圆 4"/>
+            <p:cNvSpPr/>
+            <p:nvPr/>
+          </p:nvSpPr>
+          <p:spPr>
+            <a:xfrm>
+              <a:off x="10995698" y="2763916"/>
+              <a:ext cx="157002" cy="157002"/>
+            </a:xfrm>
+            <a:prstGeom prst="ellipse">
+              <a:avLst/>
+            </a:prstGeom>
+            <a:solidFill>
+              <a:schemeClr val="accent1"/>
+            </a:solidFill>
+          </p:spPr>
+          <p:style>
+            <a:lnRef idx="2">
+              <a:schemeClr val="accent1">
+                <a:shade val="50000"/>
+              </a:schemeClr>
+            </a:lnRef>
+            <a:fillRef idx="1">
+              <a:schemeClr val="accent1"/>
+            </a:fillRef>
+            <a:effectRef idx="0">
+              <a:schemeClr val="accent1"/>
+            </a:effectRef>
+            <a:fontRef idx="minor">
+              <a:schemeClr val="lt1"/>
+            </a:fontRef>
+          </p:style>
+          <p:txBody>
+            <a:bodyPr rtlCol="0" anchor="ctr"/>
+            <a:lstStyle/>
+            <a:p>
+              <a:pPr algn="ctr"/>
+              <a:endParaRPr lang="zh-CN" altLang="en-US" spc="-300"/>
+            </a:p>
+          </p:txBody>
+        </p:sp>
+        <p:sp>
+          <p:nvSpPr>
+            <p:cNvPr id="6" name="椭圆 5"/>
+            <p:cNvSpPr/>
+            <p:nvPr/>
+          </p:nvSpPr>
+          <p:spPr>
+            <a:xfrm>
+              <a:off x="9425663" y="3524948"/>
+              <a:ext cx="157002" cy="157002"/>
+            </a:xfrm>
+            <a:prstGeom prst="ellipse">
+              <a:avLst/>
+            </a:prstGeom>
+            <a:solidFill>
+              <a:schemeClr val="accent1"/>
+            </a:solidFill>
+          </p:spPr>
+          <p:style>
+            <a:lnRef idx="2">
+              <a:schemeClr val="accent1">
+                <a:shade val="50000"/>
+              </a:schemeClr>
+            </a:lnRef>
+            <a:fillRef idx="1">
+              <a:schemeClr val="accent1"/>
+            </a:fillRef>
+            <a:effectRef idx="0">
+              <a:schemeClr val="accent1"/>
+            </a:effectRef>
+            <a:fontRef idx="minor">
+              <a:schemeClr val="lt1"/>
+            </a:fontRef>
+          </p:style>
+          <p:txBody>
+            <a:bodyPr rtlCol="0" anchor="ctr"/>
+            <a:lstStyle/>
+            <a:p>
+              <a:pPr algn="ctr"/>
+              <a:endParaRPr lang="zh-CN" altLang="en-US" spc="-300"/>
+            </a:p>
+          </p:txBody>
+        </p:sp>
+        <p:sp>
+          <p:nvSpPr>
+            <p:cNvPr id="7" name="椭圆 6"/>
+            <p:cNvSpPr/>
+            <p:nvPr/>
+          </p:nvSpPr>
+          <p:spPr>
+            <a:xfrm>
+              <a:off x="10967349" y="1674343"/>
+              <a:ext cx="157002" cy="157002"/>
+            </a:xfrm>
+            <a:prstGeom prst="ellipse">
+              <a:avLst/>
+            </a:prstGeom>
+            <a:solidFill>
+              <a:schemeClr val="accent1"/>
+            </a:solidFill>
+          </p:spPr>
+          <p:style>
+            <a:lnRef idx="2">
+              <a:schemeClr val="accent1">
+                <a:shade val="50000"/>
+              </a:schemeClr>
+            </a:lnRef>
+            <a:fillRef idx="1">
+              <a:schemeClr val="accent1"/>
+            </a:fillRef>
+            <a:effectRef idx="0">
+              <a:schemeClr val="accent1"/>
+            </a:effectRef>
+            <a:fontRef idx="minor">
+              <a:schemeClr val="lt1"/>
+            </a:fontRef>
+          </p:style>
+          <p:txBody>
+            <a:bodyPr rtlCol="0" anchor="ctr"/>
+            <a:lstStyle/>
+            <a:p>
+              <a:pPr algn="ctr"/>
+              <a:endParaRPr lang="zh-CN" altLang="en-US" spc="-300"/>
+            </a:p>
+          </p:txBody>
+        </p:sp>
+        <p:sp>
+          <p:nvSpPr>
+            <p:cNvPr id="8" name="椭圆 7"/>
+            <p:cNvSpPr/>
+            <p:nvPr/>
+          </p:nvSpPr>
+          <p:spPr>
+            <a:xfrm>
+              <a:off x="10408024" y="3524948"/>
+              <a:ext cx="157002" cy="157002"/>
+            </a:xfrm>
+            <a:prstGeom prst="ellipse">
+              <a:avLst/>
+            </a:prstGeom>
+            <a:solidFill>
+              <a:schemeClr val="accent1"/>
+            </a:solidFill>
+          </p:spPr>
+          <p:style>
+            <a:lnRef idx="2">
+              <a:schemeClr val="accent1">
+                <a:shade val="50000"/>
+              </a:schemeClr>
+            </a:lnRef>
+            <a:fillRef idx="1">
+              <a:schemeClr val="accent1"/>
+            </a:fillRef>
+            <a:effectRef idx="0">
+              <a:schemeClr val="accent1"/>
+            </a:effectRef>
+            <a:fontRef idx="minor">
+              <a:schemeClr val="lt1"/>
+            </a:fontRef>
+          </p:style>
+          <p:txBody>
+            <a:bodyPr rtlCol="0" anchor="ctr"/>
+            <a:lstStyle/>
+            <a:p>
+              <a:pPr algn="ctr"/>
+              <a:endParaRPr lang="zh-CN" altLang="en-US" spc="300"/>
+            </a:p>
+          </p:txBody>
+        </p:sp>
+        <p:sp>
+          <p:nvSpPr>
+            <p:cNvPr id="9" name="椭圆 8"/>
+            <p:cNvSpPr/>
+            <p:nvPr/>
+          </p:nvSpPr>
+          <p:spPr>
+            <a:xfrm>
+              <a:off x="9954461" y="642554"/>
+              <a:ext cx="157002" cy="157002"/>
+            </a:xfrm>
+            <a:prstGeom prst="ellipse">
+              <a:avLst/>
+            </a:prstGeom>
+            <a:solidFill>
+              <a:schemeClr val="accent1"/>
+            </a:solidFill>
+          </p:spPr>
+          <p:style>
+            <a:lnRef idx="2">
+              <a:schemeClr val="accent1">
+                <a:shade val="50000"/>
+              </a:schemeClr>
+            </a:lnRef>
+            <a:fillRef idx="1">
+              <a:schemeClr val="accent1"/>
+            </a:fillRef>
+            <a:effectRef idx="0">
+              <a:schemeClr val="accent1"/>
+            </a:effectRef>
+            <a:fontRef idx="minor">
+              <a:schemeClr val="lt1"/>
+            </a:fontRef>
+          </p:style>
+          <p:txBody>
+            <a:bodyPr rtlCol="0" anchor="ctr"/>
+            <a:lstStyle/>
+            <a:p>
+              <a:pPr algn="ctr"/>
+              <a:endParaRPr lang="zh-CN" altLang="en-US" spc="-300"/>
+            </a:p>
+          </p:txBody>
+        </p:sp>
+        <p:sp>
+          <p:nvSpPr>
+            <p:cNvPr id="10" name="椭圆 9"/>
+            <p:cNvSpPr/>
+            <p:nvPr/>
+          </p:nvSpPr>
+          <p:spPr>
+            <a:xfrm>
+              <a:off x="8297200" y="3524948"/>
+              <a:ext cx="157002" cy="157002"/>
+            </a:xfrm>
+            <a:prstGeom prst="ellipse">
+              <a:avLst/>
+            </a:prstGeom>
+            <a:solidFill>
+              <a:schemeClr val="accent1"/>
+            </a:solidFill>
+          </p:spPr>
+          <p:style>
+            <a:lnRef idx="2">
+              <a:schemeClr val="accent1">
+                <a:shade val="50000"/>
+              </a:schemeClr>
+            </a:lnRef>
+            <a:fillRef idx="1">
+              <a:schemeClr val="accent1"/>
+            </a:fillRef>
+            <a:effectRef idx="0">
+              <a:schemeClr val="accent1"/>
+            </a:effectRef>
+            <a:fontRef idx="minor">
+              <a:schemeClr val="lt1"/>
+            </a:fontRef>
+          </p:style>
+          <p:txBody>
+            <a:bodyPr rtlCol="0" anchor="ctr"/>
+            <a:lstStyle/>
+            <a:p>
+              <a:pPr algn="ctr"/>
+              <a:endParaRPr lang="zh-CN" altLang="en-US" spc="300" dirty="0"/>
+            </a:p>
+          </p:txBody>
+        </p:sp>
+        <p:cxnSp>
+          <p:nvCxnSpPr>
+            <p:cNvPr id="11" name="直接连接符 10"/>
+            <p:cNvCxnSpPr>
+              <a:stCxn id="9" idx="4"/>
+              <a:endCxn id="3" idx="0"/>
+            </p:cNvCxnSpPr>
+            <p:nvPr/>
+          </p:nvCxnSpPr>
+          <p:spPr>
+            <a:xfrm flipH="1">
+              <a:off x="8987360" y="799556"/>
+              <a:ext cx="1045602" cy="874787"/>
+            </a:xfrm>
+            <a:prstGeom prst="line">
+              <a:avLst/>
+            </a:prstGeom>
+            <a:ln w="22225">
+              <a:tailEnd type="none" w="med" len="sm"/>
+            </a:ln>
+          </p:spPr>
+          <p:style>
+            <a:lnRef idx="3">
+              <a:schemeClr val="dk1"/>
+            </a:lnRef>
+            <a:fillRef idx="0">
+              <a:schemeClr val="dk1"/>
+            </a:fillRef>
+            <a:effectRef idx="2">
+              <a:schemeClr val="dk1"/>
+            </a:effectRef>
+            <a:fontRef idx="minor">
+              <a:schemeClr val="tx1"/>
+            </a:fontRef>
+          </p:style>
+        </p:cxnSp>
+        <p:cxnSp>
+          <p:nvCxnSpPr>
+            <p:cNvPr id="12" name="直接连接符 11"/>
+            <p:cNvCxnSpPr>
+              <a:stCxn id="9" idx="4"/>
+              <a:endCxn id="7" idx="0"/>
+            </p:cNvCxnSpPr>
+            <p:nvPr/>
+          </p:nvCxnSpPr>
+          <p:spPr>
+            <a:xfrm>
+              <a:off x="10032962" y="799556"/>
+              <a:ext cx="1012888" cy="874787"/>
+            </a:xfrm>
+            <a:prstGeom prst="line">
+              <a:avLst/>
+            </a:prstGeom>
+            <a:ln w="22225">
+              <a:tailEnd type="none" w="med" len="sm"/>
+            </a:ln>
+          </p:spPr>
+          <p:style>
+            <a:lnRef idx="3">
+              <a:schemeClr val="dk1"/>
+            </a:lnRef>
+            <a:fillRef idx="0">
+              <a:schemeClr val="dk1"/>
+            </a:fillRef>
+            <a:effectRef idx="2">
+              <a:schemeClr val="dk1"/>
+            </a:effectRef>
+            <a:fontRef idx="minor">
+              <a:schemeClr val="tx1"/>
+            </a:fontRef>
+          </p:style>
+        </p:cxnSp>
+        <p:sp>
+          <p:nvSpPr>
+            <p:cNvPr id="13" name="椭圆 12"/>
+            <p:cNvSpPr/>
+            <p:nvPr/>
+          </p:nvSpPr>
+          <p:spPr>
+            <a:xfrm>
+              <a:off x="11483789" y="3524948"/>
+              <a:ext cx="157002" cy="157002"/>
+            </a:xfrm>
+            <a:prstGeom prst="ellipse">
+              <a:avLst/>
+            </a:prstGeom>
+            <a:solidFill>
+              <a:schemeClr val="accent1"/>
+            </a:solidFill>
+          </p:spPr>
+          <p:style>
+            <a:lnRef idx="2">
+              <a:schemeClr val="accent1">
+                <a:shade val="50000"/>
+              </a:schemeClr>
+            </a:lnRef>
+            <a:fillRef idx="1">
+              <a:schemeClr val="accent1"/>
+            </a:fillRef>
+            <a:effectRef idx="0">
+              <a:schemeClr val="accent1"/>
+            </a:effectRef>
+            <a:fontRef idx="minor">
+              <a:schemeClr val="lt1"/>
+            </a:fontRef>
+          </p:style>
+          <p:txBody>
+            <a:bodyPr rtlCol="0" anchor="ctr"/>
+            <a:lstStyle/>
+            <a:p>
+              <a:pPr algn="ctr"/>
+              <a:endParaRPr lang="zh-CN" altLang="en-US" spc="300"/>
+            </a:p>
+          </p:txBody>
+        </p:sp>
+        <p:cxnSp>
+          <p:nvCxnSpPr>
+            <p:cNvPr id="14" name="直接连接符 13"/>
+            <p:cNvCxnSpPr>
+              <a:stCxn id="3" idx="4"/>
+              <a:endCxn id="4" idx="0"/>
+            </p:cNvCxnSpPr>
+            <p:nvPr/>
+          </p:nvCxnSpPr>
+          <p:spPr>
+            <a:xfrm flipH="1">
+              <a:off x="8984816" y="1831345"/>
+              <a:ext cx="2544" cy="932571"/>
+            </a:xfrm>
+            <a:prstGeom prst="line">
+              <a:avLst/>
+            </a:prstGeom>
+            <a:ln w="25400">
+              <a:tailEnd type="none" w="med" len="sm"/>
+            </a:ln>
+          </p:spPr>
+          <p:style>
+            <a:lnRef idx="3">
+              <a:schemeClr val="dk1"/>
+            </a:lnRef>
+            <a:fillRef idx="0">
+              <a:schemeClr val="dk1"/>
+            </a:fillRef>
+            <a:effectRef idx="2">
+              <a:schemeClr val="dk1"/>
+            </a:effectRef>
+            <a:fontRef idx="minor">
+              <a:schemeClr val="tx1"/>
+            </a:fontRef>
+          </p:style>
+        </p:cxnSp>
+        <p:cxnSp>
+          <p:nvCxnSpPr>
+            <p:cNvPr id="15" name="直接连接符 14"/>
+            <p:cNvCxnSpPr>
+              <a:stCxn id="4" idx="4"/>
+              <a:endCxn id="10" idx="7"/>
+            </p:cNvCxnSpPr>
+            <p:nvPr/>
+          </p:nvCxnSpPr>
+          <p:spPr>
+            <a:xfrm flipH="1">
+              <a:off x="8431210" y="2920918"/>
+              <a:ext cx="553606" cy="627022"/>
+            </a:xfrm>
+            <a:prstGeom prst="line">
+              <a:avLst/>
+            </a:prstGeom>
+            <a:ln w="22225">
+              <a:tailEnd type="none" w="med" len="sm"/>
+            </a:ln>
+          </p:spPr>
+          <p:style>
+            <a:lnRef idx="3">
+              <a:schemeClr val="dk1"/>
+            </a:lnRef>
+            <a:fillRef idx="0">
+              <a:schemeClr val="dk1"/>
+            </a:fillRef>
+            <a:effectRef idx="2">
+              <a:schemeClr val="dk1"/>
+            </a:effectRef>
+            <a:fontRef idx="minor">
+              <a:schemeClr val="tx1"/>
+            </a:fontRef>
+          </p:style>
+        </p:cxnSp>
+        <p:cxnSp>
+          <p:nvCxnSpPr>
+            <p:cNvPr id="16" name="直接连接符 15"/>
+            <p:cNvCxnSpPr>
+              <a:stCxn id="4" idx="4"/>
+              <a:endCxn id="6" idx="1"/>
+            </p:cNvCxnSpPr>
+            <p:nvPr/>
+          </p:nvCxnSpPr>
+          <p:spPr>
+            <a:xfrm>
+              <a:off x="8984816" y="2920918"/>
+              <a:ext cx="463839" cy="627022"/>
+            </a:xfrm>
+            <a:prstGeom prst="line">
+              <a:avLst/>
+            </a:prstGeom>
+            <a:ln w="22225">
+              <a:tailEnd type="none" w="med" len="sm"/>
+            </a:ln>
+          </p:spPr>
+          <p:style>
+            <a:lnRef idx="3">
+              <a:schemeClr val="dk1"/>
+            </a:lnRef>
+            <a:fillRef idx="0">
+              <a:schemeClr val="dk1"/>
+            </a:fillRef>
+            <a:effectRef idx="2">
+              <a:schemeClr val="dk1"/>
+            </a:effectRef>
+            <a:fontRef idx="minor">
+              <a:schemeClr val="tx1"/>
+            </a:fontRef>
+          </p:style>
+        </p:cxnSp>
+        <p:cxnSp>
+          <p:nvCxnSpPr>
+            <p:cNvPr id="17" name="直接连接符 16"/>
+            <p:cNvCxnSpPr>
+              <a:stCxn id="7" idx="4"/>
+              <a:endCxn id="5" idx="0"/>
+            </p:cNvCxnSpPr>
+            <p:nvPr/>
+          </p:nvCxnSpPr>
+          <p:spPr>
+            <a:xfrm>
+              <a:off x="11045850" y="1831345"/>
+              <a:ext cx="28349" cy="932571"/>
+            </a:xfrm>
+            <a:prstGeom prst="line">
+              <a:avLst/>
+            </a:prstGeom>
+            <a:ln w="22225">
+              <a:tailEnd type="none" w="med" len="sm"/>
+            </a:ln>
+          </p:spPr>
+          <p:style>
+            <a:lnRef idx="3">
+              <a:schemeClr val="dk1"/>
+            </a:lnRef>
+            <a:fillRef idx="0">
+              <a:schemeClr val="dk1"/>
+            </a:fillRef>
+            <a:effectRef idx="2">
+              <a:schemeClr val="dk1"/>
+            </a:effectRef>
+            <a:fontRef idx="minor">
+              <a:schemeClr val="tx1"/>
+            </a:fontRef>
+          </p:style>
+        </p:cxnSp>
+        <p:cxnSp>
+          <p:nvCxnSpPr>
+            <p:cNvPr id="18" name="直接连接符 17"/>
+            <p:cNvCxnSpPr>
+              <a:stCxn id="5" idx="3"/>
+              <a:endCxn id="8" idx="7"/>
+            </p:cNvCxnSpPr>
+            <p:nvPr/>
+          </p:nvCxnSpPr>
+          <p:spPr>
+            <a:xfrm flipH="1">
+              <a:off x="10542034" y="2897926"/>
+              <a:ext cx="476656" cy="650014"/>
+            </a:xfrm>
+            <a:prstGeom prst="line">
+              <a:avLst/>
+            </a:prstGeom>
+            <a:ln w="22225">
+              <a:tailEnd type="none" w="med" len="sm"/>
+            </a:ln>
+          </p:spPr>
+          <p:style>
+            <a:lnRef idx="3">
+              <a:schemeClr val="dk1"/>
+            </a:lnRef>
+            <a:fillRef idx="0">
+              <a:schemeClr val="dk1"/>
+            </a:fillRef>
+            <a:effectRef idx="2">
+              <a:schemeClr val="dk1"/>
+            </a:effectRef>
+            <a:fontRef idx="minor">
+              <a:schemeClr val="tx1"/>
+            </a:fontRef>
+          </p:style>
+        </p:cxnSp>
+        <p:cxnSp>
+          <p:nvCxnSpPr>
+            <p:cNvPr id="19" name="直接连接符 18"/>
+            <p:cNvCxnSpPr>
+              <a:stCxn id="5" idx="5"/>
+              <a:endCxn id="13" idx="1"/>
+            </p:cNvCxnSpPr>
+            <p:nvPr/>
+          </p:nvCxnSpPr>
+          <p:spPr>
+            <a:xfrm>
+              <a:off x="11129708" y="2897926"/>
+              <a:ext cx="377073" cy="650014"/>
+            </a:xfrm>
+            <a:prstGeom prst="line">
+              <a:avLst/>
+            </a:prstGeom>
+            <a:ln w="22225">
+              <a:tailEnd type="none" w="med" len="sm"/>
+            </a:ln>
+          </p:spPr>
+          <p:style>
+            <a:lnRef idx="3">
+              <a:schemeClr val="dk1"/>
+            </a:lnRef>
+            <a:fillRef idx="0">
+              <a:schemeClr val="dk1"/>
+            </a:fillRef>
+            <a:effectRef idx="2">
+              <a:schemeClr val="dk1"/>
+            </a:effectRef>
+            <a:fontRef idx="minor">
+              <a:schemeClr val="tx1"/>
+            </a:fontRef>
+          </p:style>
+        </p:cxnSp>
+        <p:cxnSp>
+          <p:nvCxnSpPr>
+            <p:cNvPr id="20" name="直接连接符 43"/>
+            <p:cNvCxnSpPr>
+              <a:stCxn id="3" idx="2"/>
+              <a:endCxn id="10" idx="1"/>
+            </p:cNvCxnSpPr>
+            <p:nvPr/>
+          </p:nvCxnSpPr>
+          <p:spPr>
+            <a:xfrm rot="10800000" flipV="1">
+              <a:off x="8320193" y="1752844"/>
+              <a:ext cx="588667" cy="1795096"/>
+            </a:xfrm>
+            <a:prstGeom prst="curvedConnector2">
+              <a:avLst/>
+            </a:prstGeom>
+            <a:ln w="22225">
+              <a:tailEnd type="none" w="med" len="sm"/>
+            </a:ln>
+          </p:spPr>
+          <p:style>
+            <a:lnRef idx="3">
+              <a:schemeClr val="dk1"/>
+            </a:lnRef>
+            <a:fillRef idx="0">
+              <a:schemeClr val="dk1"/>
+            </a:fillRef>
+            <a:effectRef idx="2">
+              <a:schemeClr val="dk1"/>
+            </a:effectRef>
+            <a:fontRef idx="minor">
+              <a:schemeClr val="tx1"/>
+            </a:fontRef>
+          </p:style>
+        </p:cxnSp>
+        <p:cxnSp>
+          <p:nvCxnSpPr>
+            <p:cNvPr id="21" name="直接连接符 49"/>
+            <p:cNvCxnSpPr>
+              <a:stCxn id="3" idx="6"/>
+              <a:endCxn id="6" idx="7"/>
+            </p:cNvCxnSpPr>
+            <p:nvPr/>
+          </p:nvCxnSpPr>
+          <p:spPr>
+            <a:xfrm>
+              <a:off x="9065861" y="1752844"/>
+              <a:ext cx="493812" cy="1795096"/>
+            </a:xfrm>
+            <a:prstGeom prst="curvedConnector2">
+              <a:avLst/>
+            </a:prstGeom>
+            <a:ln w="22225">
+              <a:tailEnd type="none" w="med" len="sm"/>
+            </a:ln>
+          </p:spPr>
+          <p:style>
+            <a:lnRef idx="3">
+              <a:schemeClr val="dk1"/>
+            </a:lnRef>
+            <a:fillRef idx="0">
+              <a:schemeClr val="dk1"/>
+            </a:fillRef>
+            <a:effectRef idx="2">
+              <a:schemeClr val="dk1"/>
+            </a:effectRef>
+            <a:fontRef idx="minor">
+              <a:schemeClr val="tx1"/>
+            </a:fontRef>
+          </p:style>
+        </p:cxnSp>
+        <p:cxnSp>
+          <p:nvCxnSpPr>
+            <p:cNvPr id="22" name="直接连接符 58"/>
+            <p:cNvCxnSpPr>
+              <a:stCxn id="7" idx="2"/>
+              <a:endCxn id="8" idx="1"/>
+            </p:cNvCxnSpPr>
+            <p:nvPr/>
+          </p:nvCxnSpPr>
+          <p:spPr>
+            <a:xfrm rot="10800000" flipV="1">
+              <a:off x="10431017" y="1752844"/>
+              <a:ext cx="536333" cy="1795096"/>
+            </a:xfrm>
+            <a:prstGeom prst="curvedConnector2">
+              <a:avLst/>
+            </a:prstGeom>
+            <a:ln w="22225">
+              <a:tailEnd type="none" w="med" len="sm"/>
+            </a:ln>
+          </p:spPr>
+          <p:style>
+            <a:lnRef idx="3">
+              <a:schemeClr val="dk1"/>
+            </a:lnRef>
+            <a:fillRef idx="0">
+              <a:schemeClr val="dk1"/>
+            </a:fillRef>
+            <a:effectRef idx="2">
+              <a:schemeClr val="dk1"/>
+            </a:effectRef>
+            <a:fontRef idx="minor">
+              <a:schemeClr val="tx1"/>
+            </a:fontRef>
+          </p:style>
+        </p:cxnSp>
+        <p:cxnSp>
+          <p:nvCxnSpPr>
+            <p:cNvPr id="23" name="直接连接符 61"/>
+            <p:cNvCxnSpPr>
+              <a:stCxn id="7" idx="6"/>
+              <a:endCxn id="13" idx="7"/>
+            </p:cNvCxnSpPr>
+            <p:nvPr/>
+          </p:nvCxnSpPr>
+          <p:spPr>
+            <a:xfrm>
+              <a:off x="11124351" y="1752844"/>
+              <a:ext cx="493448" cy="1795096"/>
+            </a:xfrm>
+            <a:prstGeom prst="curvedConnector2">
+              <a:avLst/>
+            </a:prstGeom>
+            <a:ln w="22225">
+              <a:tailEnd type="none" w="med" len="sm"/>
+            </a:ln>
+          </p:spPr>
+          <p:style>
+            <a:lnRef idx="3">
+              <a:schemeClr val="dk1"/>
+            </a:lnRef>
+            <a:fillRef idx="0">
+              <a:schemeClr val="dk1"/>
+            </a:fillRef>
+            <a:effectRef idx="2">
+              <a:schemeClr val="dk1"/>
+            </a:effectRef>
+            <a:fontRef idx="minor">
+              <a:schemeClr val="tx1"/>
+            </a:fontRef>
+          </p:style>
+        </p:cxnSp>
+        <p:sp>
+          <p:nvSpPr>
+            <p:cNvPr id="24" name="文本框 23"/>
+            <p:cNvSpPr txBox="1"/>
+            <p:nvPr/>
+          </p:nvSpPr>
+          <p:spPr>
+            <a:xfrm>
+              <a:off x="8088086" y="3676809"/>
+              <a:ext cx="591670" cy="369332"/>
+            </a:xfrm>
+            <a:prstGeom prst="rect">
+              <a:avLst/>
+            </a:prstGeom>
+            <a:noFill/>
+          </p:spPr>
+          <p:txBody>
+            <a:bodyPr wrap="square" rtlCol="0">
+              <a:spAutoFit/>
+            </a:bodyPr>
+            <a:lstStyle/>
+            <a:p>
+              <a:pPr algn="ctr"/>
+              <a:r>
+                <a:rPr lang="en-US" altLang="zh-CN" b="1" i="1" spc="300" dirty="0" smtClean="0">
+                  <a:solidFill>
+                    <a:srgbClr val="FF0000"/>
+                  </a:solidFill>
+                </a:rPr>
+                <a:t>v1</a:t>
+              </a:r>
+              <a:endParaRPr lang="zh-CN" altLang="en-US" b="1" i="1" spc="300" dirty="0">
+                <a:solidFill>
+                  <a:srgbClr val="FF0000"/>
+                </a:solidFill>
+              </a:endParaRPr>
+            </a:p>
+          </p:txBody>
+        </p:sp>
+        <p:sp>
+          <p:nvSpPr>
+            <p:cNvPr id="25" name="文本框 24"/>
+            <p:cNvSpPr txBox="1"/>
+            <p:nvPr/>
+          </p:nvSpPr>
+          <p:spPr>
+            <a:xfrm>
+              <a:off x="9225323" y="3676809"/>
+              <a:ext cx="591670" cy="369332"/>
+            </a:xfrm>
+            <a:prstGeom prst="rect">
+              <a:avLst/>
+            </a:prstGeom>
+            <a:noFill/>
+          </p:spPr>
+          <p:txBody>
+            <a:bodyPr wrap="square" rtlCol="0">
+              <a:spAutoFit/>
+            </a:bodyPr>
+            <a:lstStyle/>
+            <a:p>
+              <a:pPr algn="ctr"/>
+              <a:r>
+                <a:rPr lang="en-US" altLang="zh-CN" b="1" i="1" spc="300" dirty="0" smtClean="0">
+                  <a:solidFill>
+                    <a:srgbClr val="FF0000"/>
+                  </a:solidFill>
+                </a:rPr>
+                <a:t>v2</a:t>
+              </a:r>
+              <a:endParaRPr lang="zh-CN" altLang="en-US" b="1" i="1" spc="300" dirty="0">
+                <a:solidFill>
+                  <a:srgbClr val="FF0000"/>
+                </a:solidFill>
+              </a:endParaRPr>
+            </a:p>
+          </p:txBody>
+        </p:sp>
+        <p:sp>
+          <p:nvSpPr>
+            <p:cNvPr id="26" name="文本框 25"/>
+            <p:cNvSpPr txBox="1"/>
+            <p:nvPr/>
+          </p:nvSpPr>
+          <p:spPr>
+            <a:xfrm>
+              <a:off x="10260747" y="3676809"/>
+              <a:ext cx="591670" cy="369332"/>
+            </a:xfrm>
+            <a:prstGeom prst="rect">
+              <a:avLst/>
+            </a:prstGeom>
+            <a:noFill/>
+          </p:spPr>
+          <p:txBody>
+            <a:bodyPr wrap="square" rtlCol="0">
+              <a:spAutoFit/>
+            </a:bodyPr>
+            <a:lstStyle/>
+            <a:p>
+              <a:pPr algn="ctr"/>
+              <a:r>
+                <a:rPr lang="en-US" altLang="zh-CN" b="1" i="1" spc="300" dirty="0" smtClean="0">
+                  <a:solidFill>
+                    <a:srgbClr val="FF0000"/>
+                  </a:solidFill>
+                </a:rPr>
+                <a:t>v3</a:t>
+              </a:r>
+              <a:endParaRPr lang="zh-CN" altLang="en-US" b="1" i="1" spc="300" dirty="0">
+                <a:solidFill>
+                  <a:srgbClr val="FF0000"/>
+                </a:solidFill>
+              </a:endParaRPr>
+            </a:p>
+          </p:txBody>
+        </p:sp>
+        <p:sp>
+          <p:nvSpPr>
+            <p:cNvPr id="27" name="文本框 26"/>
+            <p:cNvSpPr txBox="1"/>
+            <p:nvPr/>
+          </p:nvSpPr>
+          <p:spPr>
+            <a:xfrm>
+              <a:off x="11309617" y="3676809"/>
+              <a:ext cx="591670" cy="369332"/>
+            </a:xfrm>
+            <a:prstGeom prst="rect">
+              <a:avLst/>
+            </a:prstGeom>
+            <a:noFill/>
+          </p:spPr>
+          <p:txBody>
+            <a:bodyPr wrap="square" rtlCol="0">
+              <a:spAutoFit/>
+            </a:bodyPr>
+            <a:lstStyle/>
+            <a:p>
+              <a:pPr algn="ctr"/>
+              <a:r>
+                <a:rPr lang="en-US" altLang="zh-CN" b="1" i="1" spc="300" dirty="0" smtClean="0">
+                  <a:solidFill>
+                    <a:srgbClr val="FF0000"/>
+                  </a:solidFill>
+                </a:rPr>
+                <a:t>v4</a:t>
+              </a:r>
+              <a:endParaRPr lang="zh-CN" altLang="en-US" b="1" i="1" spc="300" dirty="0">
+                <a:solidFill>
+                  <a:srgbClr val="FF0000"/>
+                </a:solidFill>
+              </a:endParaRPr>
+            </a:p>
+          </p:txBody>
+        </p:sp>
+        <p:sp>
+          <p:nvSpPr>
+            <p:cNvPr id="28" name="文本框 27"/>
+            <p:cNvSpPr txBox="1"/>
+            <p:nvPr/>
+          </p:nvSpPr>
+          <p:spPr>
+            <a:xfrm rot="19148785">
+              <a:off x="9063318" y="900954"/>
+              <a:ext cx="591670" cy="369332"/>
+            </a:xfrm>
+            <a:prstGeom prst="rect">
+              <a:avLst/>
+            </a:prstGeom>
+            <a:noFill/>
+          </p:spPr>
+          <p:txBody>
+            <a:bodyPr wrap="square" rtlCol="0">
+              <a:spAutoFit/>
+            </a:bodyPr>
+            <a:lstStyle/>
+            <a:p>
+              <a:pPr algn="ctr"/>
+              <a:r>
+                <a:rPr lang="en-US" altLang="zh-CN" b="1" i="1" spc="300" dirty="0" smtClean="0"/>
+                <a:t>1</a:t>
+              </a:r>
+              <a:endParaRPr lang="zh-CN" altLang="en-US" b="1" i="1" spc="300" dirty="0"/>
+            </a:p>
+          </p:txBody>
+        </p:sp>
+        <p:sp>
+          <p:nvSpPr>
+            <p:cNvPr id="29" name="文本框 28"/>
+            <p:cNvSpPr txBox="1"/>
+            <p:nvPr/>
+          </p:nvSpPr>
+          <p:spPr>
+            <a:xfrm rot="2485824">
+              <a:off x="10354235" y="847166"/>
+              <a:ext cx="591670" cy="369332"/>
+            </a:xfrm>
+            <a:prstGeom prst="rect">
+              <a:avLst/>
+            </a:prstGeom>
+            <a:noFill/>
+          </p:spPr>
+          <p:txBody>
+            <a:bodyPr wrap="square" rtlCol="0">
+              <a:spAutoFit/>
+            </a:bodyPr>
+            <a:lstStyle/>
+            <a:p>
+              <a:pPr algn="ctr"/>
+              <a:r>
+                <a:rPr lang="en-US" altLang="zh-CN" b="1" i="1" spc="300" dirty="0" smtClean="0"/>
+                <a:t>1</a:t>
+              </a:r>
+              <a:endParaRPr lang="zh-CN" altLang="en-US" b="1" i="1" spc="300" dirty="0"/>
+            </a:p>
+          </p:txBody>
+        </p:sp>
+        <p:sp>
+          <p:nvSpPr>
+            <p:cNvPr id="30" name="文本框 29"/>
+            <p:cNvSpPr txBox="1"/>
+            <p:nvPr/>
+          </p:nvSpPr>
+          <p:spPr>
+            <a:xfrm>
+              <a:off x="7893423" y="2218763"/>
+              <a:ext cx="591670" cy="369332"/>
+            </a:xfrm>
+            <a:prstGeom prst="rect">
+              <a:avLst/>
+            </a:prstGeom>
+            <a:noFill/>
+          </p:spPr>
+          <p:txBody>
+            <a:bodyPr wrap="square" rtlCol="0">
+              <a:spAutoFit/>
+            </a:bodyPr>
+            <a:lstStyle/>
+            <a:p>
+              <a:pPr algn="ctr"/>
+              <a:r>
+                <a:rPr lang="en-US" altLang="zh-CN" b="1" i="1" spc="300" dirty="0" smtClean="0"/>
+                <a:t>4</a:t>
+              </a:r>
+              <a:endParaRPr lang="zh-CN" altLang="en-US" b="1" i="1" spc="300" dirty="0"/>
+            </a:p>
+          </p:txBody>
+        </p:sp>
+        <p:sp>
+          <p:nvSpPr>
+            <p:cNvPr id="31" name="文本框 30"/>
+            <p:cNvSpPr txBox="1"/>
+            <p:nvPr/>
+          </p:nvSpPr>
+          <p:spPr>
+            <a:xfrm>
+              <a:off x="8796789" y="2113255"/>
+              <a:ext cx="591670" cy="369332"/>
+            </a:xfrm>
+            <a:prstGeom prst="rect">
+              <a:avLst/>
+            </a:prstGeom>
+            <a:noFill/>
+          </p:spPr>
+          <p:txBody>
+            <a:bodyPr wrap="square" rtlCol="0">
+              <a:spAutoFit/>
+            </a:bodyPr>
+            <a:lstStyle/>
+            <a:p>
+              <a:pPr algn="ctr"/>
+              <a:r>
+                <a:rPr lang="en-US" altLang="zh-CN" b="1" i="1" spc="300" dirty="0" smtClean="0"/>
+                <a:t>4</a:t>
+              </a:r>
+              <a:endParaRPr lang="zh-CN" altLang="en-US" b="1" i="1" spc="300" dirty="0"/>
+            </a:p>
+          </p:txBody>
+        </p:sp>
+        <p:sp>
+          <p:nvSpPr>
+            <p:cNvPr id="32" name="文本框 31"/>
+            <p:cNvSpPr txBox="1"/>
+            <p:nvPr/>
+          </p:nvSpPr>
+          <p:spPr>
+            <a:xfrm>
+              <a:off x="9305365" y="2218763"/>
+              <a:ext cx="591670" cy="369332"/>
+            </a:xfrm>
+            <a:prstGeom prst="rect">
+              <a:avLst/>
+            </a:prstGeom>
+            <a:noFill/>
+          </p:spPr>
+          <p:txBody>
+            <a:bodyPr wrap="square" rtlCol="0">
+              <a:spAutoFit/>
+            </a:bodyPr>
+            <a:lstStyle/>
+            <a:p>
+              <a:pPr algn="ctr"/>
+              <a:r>
+                <a:rPr lang="en-US" altLang="zh-CN" b="1" i="1" spc="300" dirty="0" smtClean="0"/>
+                <a:t>4</a:t>
+              </a:r>
+              <a:endParaRPr lang="zh-CN" altLang="en-US" b="1" i="1" spc="300" dirty="0"/>
+            </a:p>
+          </p:txBody>
+        </p:sp>
+        <p:sp>
+          <p:nvSpPr>
+            <p:cNvPr id="33" name="文本框 32"/>
+            <p:cNvSpPr txBox="1"/>
+            <p:nvPr/>
+          </p:nvSpPr>
+          <p:spPr>
+            <a:xfrm>
+              <a:off x="10125635" y="2218763"/>
+              <a:ext cx="591670" cy="369332"/>
+            </a:xfrm>
+            <a:prstGeom prst="rect">
+              <a:avLst/>
+            </a:prstGeom>
+            <a:noFill/>
+          </p:spPr>
+          <p:txBody>
+            <a:bodyPr wrap="square" rtlCol="0">
+              <a:spAutoFit/>
+            </a:bodyPr>
+            <a:lstStyle/>
+            <a:p>
+              <a:pPr algn="ctr"/>
+              <a:r>
+                <a:rPr lang="en-US" altLang="zh-CN" b="1" i="1" spc="300" dirty="0" smtClean="0"/>
+                <a:t>4</a:t>
+              </a:r>
+              <a:endParaRPr lang="zh-CN" altLang="en-US" b="1" i="1" spc="300" dirty="0"/>
+            </a:p>
+          </p:txBody>
+        </p:sp>
+        <p:sp>
+          <p:nvSpPr>
+            <p:cNvPr id="34" name="文本框 33"/>
+            <p:cNvSpPr txBox="1"/>
+            <p:nvPr/>
+          </p:nvSpPr>
+          <p:spPr>
+            <a:xfrm>
+              <a:off x="10623176" y="2218763"/>
+              <a:ext cx="591670" cy="369332"/>
+            </a:xfrm>
+            <a:prstGeom prst="rect">
+              <a:avLst/>
+            </a:prstGeom>
+            <a:noFill/>
+          </p:spPr>
+          <p:txBody>
+            <a:bodyPr wrap="square" rtlCol="0">
+              <a:spAutoFit/>
+            </a:bodyPr>
+            <a:lstStyle/>
+            <a:p>
+              <a:pPr algn="ctr"/>
+              <a:r>
+                <a:rPr lang="en-US" altLang="zh-CN" b="1" i="1" spc="300" dirty="0" smtClean="0"/>
+                <a:t>4</a:t>
+              </a:r>
+              <a:endParaRPr lang="zh-CN" altLang="en-US" b="1" i="1" spc="300" dirty="0"/>
+            </a:p>
+          </p:txBody>
+        </p:sp>
+        <p:sp>
+          <p:nvSpPr>
+            <p:cNvPr id="35" name="文本框 34"/>
+            <p:cNvSpPr txBox="1"/>
+            <p:nvPr/>
+          </p:nvSpPr>
+          <p:spPr>
+            <a:xfrm>
+              <a:off x="11376212" y="2218763"/>
+              <a:ext cx="591670" cy="369332"/>
+            </a:xfrm>
+            <a:prstGeom prst="rect">
+              <a:avLst/>
+            </a:prstGeom>
+            <a:noFill/>
+          </p:spPr>
+          <p:txBody>
+            <a:bodyPr wrap="square" rtlCol="0">
+              <a:spAutoFit/>
+            </a:bodyPr>
+            <a:lstStyle/>
+            <a:p>
+              <a:pPr algn="ctr"/>
+              <a:r>
+                <a:rPr lang="en-US" altLang="zh-CN" b="1" i="1" spc="300" dirty="0" smtClean="0"/>
+                <a:t>4</a:t>
+              </a:r>
+              <a:endParaRPr lang="zh-CN" altLang="en-US" b="1" i="1" spc="300" dirty="0"/>
+            </a:p>
+          </p:txBody>
+        </p:sp>
+        <p:sp>
+          <p:nvSpPr>
+            <p:cNvPr id="36" name="文本框 35"/>
+            <p:cNvSpPr txBox="1"/>
+            <p:nvPr/>
+          </p:nvSpPr>
+          <p:spPr>
+            <a:xfrm>
+              <a:off x="8296835" y="2877669"/>
+              <a:ext cx="591670" cy="369332"/>
+            </a:xfrm>
+            <a:prstGeom prst="rect">
+              <a:avLst/>
+            </a:prstGeom>
+            <a:noFill/>
+          </p:spPr>
+          <p:txBody>
+            <a:bodyPr wrap="square" rtlCol="0">
+              <a:spAutoFit/>
+            </a:bodyPr>
+            <a:lstStyle/>
+            <a:p>
+              <a:pPr algn="ctr"/>
+              <a:r>
+                <a:rPr lang="en-US" altLang="zh-CN" b="1" i="1" spc="300" dirty="0" smtClean="0"/>
+                <a:t>1</a:t>
+              </a:r>
+              <a:endParaRPr lang="zh-CN" altLang="en-US" b="1" i="1" spc="300" dirty="0"/>
+            </a:p>
+          </p:txBody>
+        </p:sp>
+        <p:sp>
+          <p:nvSpPr>
+            <p:cNvPr id="37" name="文本框 36"/>
+            <p:cNvSpPr txBox="1"/>
+            <p:nvPr/>
+          </p:nvSpPr>
+          <p:spPr>
+            <a:xfrm>
+              <a:off x="9049871" y="2877669"/>
+              <a:ext cx="591670" cy="369332"/>
+            </a:xfrm>
+            <a:prstGeom prst="rect">
+              <a:avLst/>
+            </a:prstGeom>
+            <a:noFill/>
+          </p:spPr>
+          <p:txBody>
+            <a:bodyPr wrap="square" rtlCol="0">
+              <a:spAutoFit/>
+            </a:bodyPr>
+            <a:lstStyle/>
+            <a:p>
+              <a:pPr algn="ctr"/>
+              <a:r>
+                <a:rPr lang="en-US" altLang="zh-CN" b="1" i="1" spc="300" dirty="0" smtClean="0"/>
+                <a:t>1</a:t>
+              </a:r>
+              <a:endParaRPr lang="zh-CN" altLang="en-US" b="1" i="1" spc="300" dirty="0"/>
+            </a:p>
+          </p:txBody>
+        </p:sp>
+        <p:sp>
+          <p:nvSpPr>
+            <p:cNvPr id="38" name="文本框 37"/>
+            <p:cNvSpPr txBox="1"/>
+            <p:nvPr/>
+          </p:nvSpPr>
+          <p:spPr>
+            <a:xfrm>
+              <a:off x="10448365" y="2877669"/>
+              <a:ext cx="591670" cy="369332"/>
+            </a:xfrm>
+            <a:prstGeom prst="rect">
+              <a:avLst/>
+            </a:prstGeom>
+            <a:noFill/>
+          </p:spPr>
+          <p:txBody>
+            <a:bodyPr wrap="square" rtlCol="0">
+              <a:spAutoFit/>
+            </a:bodyPr>
+            <a:lstStyle/>
+            <a:p>
+              <a:pPr algn="ctr"/>
+              <a:r>
+                <a:rPr lang="en-US" altLang="zh-CN" b="1" i="1" spc="300" dirty="0" smtClean="0"/>
+                <a:t>1</a:t>
+              </a:r>
+              <a:endParaRPr lang="zh-CN" altLang="en-US" b="1" i="1" spc="300" dirty="0"/>
+            </a:p>
+          </p:txBody>
+        </p:sp>
+        <p:sp>
+          <p:nvSpPr>
+            <p:cNvPr id="39" name="文本框 38"/>
+            <p:cNvSpPr txBox="1"/>
+            <p:nvPr/>
+          </p:nvSpPr>
+          <p:spPr>
+            <a:xfrm>
+              <a:off x="11134165" y="2877669"/>
+              <a:ext cx="591670" cy="369332"/>
+            </a:xfrm>
+            <a:prstGeom prst="rect">
+              <a:avLst/>
+            </a:prstGeom>
+            <a:noFill/>
+          </p:spPr>
+          <p:txBody>
+            <a:bodyPr wrap="square" rtlCol="0">
+              <a:spAutoFit/>
+            </a:bodyPr>
+            <a:lstStyle/>
+            <a:p>
+              <a:pPr algn="ctr"/>
+              <a:r>
+                <a:rPr lang="en-US" altLang="zh-CN" b="1" i="1" spc="300" dirty="0" smtClean="0"/>
+                <a:t>1</a:t>
+              </a:r>
+              <a:endParaRPr lang="zh-CN" altLang="en-US" b="1" i="1" spc="300" dirty="0"/>
+            </a:p>
+          </p:txBody>
+        </p:sp>
+        <p:sp>
+          <p:nvSpPr>
+            <p:cNvPr id="57" name="文本框 56"/>
+            <p:cNvSpPr txBox="1"/>
+            <p:nvPr/>
+          </p:nvSpPr>
+          <p:spPr>
+            <a:xfrm>
+              <a:off x="8486671" y="2621732"/>
+              <a:ext cx="591670" cy="307777"/>
+            </a:xfrm>
+            <a:prstGeom prst="rect">
+              <a:avLst/>
+            </a:prstGeom>
+            <a:noFill/>
+          </p:spPr>
+          <p:txBody>
+            <a:bodyPr wrap="square" rtlCol="0">
+              <a:spAutoFit/>
+            </a:bodyPr>
+            <a:lstStyle/>
+            <a:p>
+              <a:pPr algn="ctr"/>
+              <a:r>
+                <a:rPr lang="en-US" altLang="zh-CN" sz="1400" b="1" i="1" dirty="0" smtClean="0"/>
+                <a:t>v5</a:t>
+              </a:r>
+              <a:endParaRPr lang="zh-CN" altLang="en-US" sz="1400" b="1" i="1" dirty="0"/>
+            </a:p>
+          </p:txBody>
+        </p:sp>
+        <p:sp>
+          <p:nvSpPr>
+            <p:cNvPr id="59" name="文本框 58"/>
+            <p:cNvSpPr txBox="1"/>
+            <p:nvPr/>
+          </p:nvSpPr>
+          <p:spPr>
+            <a:xfrm>
+              <a:off x="10561655" y="2633455"/>
+              <a:ext cx="591670" cy="307777"/>
+            </a:xfrm>
+            <a:prstGeom prst="rect">
+              <a:avLst/>
+            </a:prstGeom>
+            <a:noFill/>
+          </p:spPr>
+          <p:txBody>
+            <a:bodyPr wrap="square" rtlCol="0">
+              <a:spAutoFit/>
+            </a:bodyPr>
+            <a:lstStyle/>
+            <a:p>
+              <a:pPr algn="ctr"/>
+              <a:r>
+                <a:rPr lang="en-US" altLang="zh-CN" sz="1400" b="1" i="1" dirty="0" smtClean="0"/>
+                <a:t>v6</a:t>
+              </a:r>
+              <a:endParaRPr lang="zh-CN" altLang="en-US" sz="1400" b="1" i="1" dirty="0"/>
+            </a:p>
+          </p:txBody>
+        </p:sp>
+        <p:sp>
+          <p:nvSpPr>
+            <p:cNvPr id="60" name="文本框 59"/>
+            <p:cNvSpPr txBox="1"/>
+            <p:nvPr/>
+          </p:nvSpPr>
+          <p:spPr>
+            <a:xfrm>
+              <a:off x="8416332" y="1484594"/>
+              <a:ext cx="591670" cy="307777"/>
+            </a:xfrm>
+            <a:prstGeom prst="rect">
+              <a:avLst/>
+            </a:prstGeom>
+            <a:noFill/>
+          </p:spPr>
+          <p:txBody>
+            <a:bodyPr wrap="square" rtlCol="0">
+              <a:spAutoFit/>
+            </a:bodyPr>
+            <a:lstStyle/>
+            <a:p>
+              <a:pPr algn="ctr"/>
+              <a:r>
+                <a:rPr lang="en-US" altLang="zh-CN" sz="1400" b="1" i="1" dirty="0" smtClean="0"/>
+                <a:t>v7</a:t>
+              </a:r>
+              <a:endParaRPr lang="zh-CN" altLang="en-US" sz="1400" b="1" i="1" dirty="0"/>
+            </a:p>
+          </p:txBody>
+        </p:sp>
+        <p:sp>
+          <p:nvSpPr>
+            <p:cNvPr id="61" name="文本框 60"/>
+            <p:cNvSpPr txBox="1"/>
+            <p:nvPr/>
+          </p:nvSpPr>
+          <p:spPr>
+            <a:xfrm>
+              <a:off x="11018855" y="1449425"/>
+              <a:ext cx="591670" cy="307777"/>
+            </a:xfrm>
+            <a:prstGeom prst="rect">
+              <a:avLst/>
+            </a:prstGeom>
+            <a:noFill/>
+          </p:spPr>
+          <p:txBody>
+            <a:bodyPr wrap="square" rtlCol="0">
+              <a:spAutoFit/>
+            </a:bodyPr>
+            <a:lstStyle/>
+            <a:p>
+              <a:pPr algn="ctr"/>
+              <a:r>
+                <a:rPr lang="en-US" altLang="zh-CN" sz="1400" b="1" i="1" dirty="0" smtClean="0"/>
+                <a:t>v8</a:t>
+              </a:r>
+              <a:endParaRPr lang="zh-CN" altLang="en-US" sz="1400" b="1" i="1" dirty="0"/>
+            </a:p>
+          </p:txBody>
+        </p:sp>
+        <p:sp>
+          <p:nvSpPr>
+            <p:cNvPr id="62" name="文本框 61"/>
+            <p:cNvSpPr txBox="1"/>
+            <p:nvPr/>
+          </p:nvSpPr>
+          <p:spPr>
+            <a:xfrm>
+              <a:off x="9776208" y="945333"/>
+              <a:ext cx="591670" cy="307777"/>
+            </a:xfrm>
+            <a:prstGeom prst="rect">
+              <a:avLst/>
+            </a:prstGeom>
+            <a:noFill/>
+          </p:spPr>
+          <p:txBody>
+            <a:bodyPr wrap="square" rtlCol="0">
+              <a:spAutoFit/>
+            </a:bodyPr>
+            <a:lstStyle/>
+            <a:p>
+              <a:pPr algn="ctr"/>
+              <a:r>
+                <a:rPr lang="en-US" altLang="zh-CN" sz="1400" b="1" i="1" dirty="0" smtClean="0"/>
+                <a:t>v9</a:t>
+              </a:r>
+              <a:endParaRPr lang="zh-CN" altLang="en-US" sz="1400" b="1" i="1" dirty="0"/>
+            </a:p>
+          </p:txBody>
+        </p:sp>
+      </p:grpSp>
+      <p:sp>
+        <p:nvSpPr>
+          <p:cNvPr id="40" name="文本框 39"/>
+          <p:cNvSpPr txBox="1"/>
+          <p:nvPr/>
+        </p:nvSpPr>
+        <p:spPr>
+          <a:xfrm>
+            <a:off x="293076" y="480647"/>
+            <a:ext cx="2297724" cy="1200329"/>
+          </a:xfrm>
+          <a:prstGeom prst="rect">
+            <a:avLst/>
+          </a:prstGeom>
+          <a:noFill/>
+        </p:spPr>
+        <p:txBody>
+          <a:bodyPr wrap="square" rtlCol="0">
+            <a:spAutoFit/>
+          </a:bodyPr>
+          <a:lstStyle/>
+          <a:p>
+            <a:r>
+              <a:rPr lang="zh-CN" altLang="en-US" dirty="0" smtClean="0">
+                <a:latin typeface="+mj-ea"/>
+                <a:ea typeface="+mj-ea"/>
+              </a:rPr>
+              <a:t>优先队列</a:t>
+            </a:r>
+            <a:endParaRPr lang="en-US" altLang="zh-CN" dirty="0" smtClean="0">
+              <a:latin typeface="+mj-ea"/>
+              <a:ea typeface="+mj-ea"/>
+            </a:endParaRPr>
+          </a:p>
+          <a:p>
+            <a:r>
+              <a:rPr lang="zh-CN" altLang="en-US" dirty="0">
+                <a:latin typeface="+mj-ea"/>
+                <a:ea typeface="+mj-ea"/>
+              </a:rPr>
+              <a:t>按</a:t>
+            </a:r>
+            <a:r>
+              <a:rPr lang="zh-CN" altLang="en-US" dirty="0" smtClean="0">
+                <a:latin typeface="+mj-ea"/>
+                <a:ea typeface="+mj-ea"/>
+              </a:rPr>
+              <a:t>照</a:t>
+            </a:r>
+            <a:r>
+              <a:rPr lang="zh-CN" altLang="en-US" dirty="0">
+                <a:latin typeface="+mj-ea"/>
+                <a:ea typeface="+mj-ea"/>
+              </a:rPr>
+              <a:t>入</a:t>
+            </a:r>
+            <a:r>
+              <a:rPr lang="zh-CN" altLang="en-US" dirty="0" smtClean="0">
+                <a:latin typeface="+mj-ea"/>
+                <a:ea typeface="+mj-ea"/>
+              </a:rPr>
+              <a:t>队子树的权重和进行排列，权重越小，优先值越高</a:t>
+            </a:r>
+            <a:endParaRPr lang="zh-CN" altLang="en-US" dirty="0" smtClean="0">
+              <a:latin typeface="+mj-ea"/>
+              <a:ea typeface="+mj-ea"/>
+            </a:endParaRPr>
+          </a:p>
+        </p:txBody>
+      </p:sp>
+      <p:grpSp>
+        <p:nvGrpSpPr>
+          <p:cNvPr id="55" name="组合 54"/>
+          <p:cNvGrpSpPr/>
+          <p:nvPr/>
+        </p:nvGrpSpPr>
+        <p:grpSpPr>
+          <a:xfrm>
+            <a:off x="2942492" y="832339"/>
+            <a:ext cx="2825262" cy="504093"/>
+            <a:chOff x="3200400" y="1266092"/>
+            <a:chExt cx="2825262" cy="504093"/>
+          </a:xfrm>
+        </p:grpSpPr>
+        <p:cxnSp>
+          <p:nvCxnSpPr>
+            <p:cNvPr id="53" name="直接连接符 52"/>
+            <p:cNvCxnSpPr/>
+            <p:nvPr/>
+          </p:nvCxnSpPr>
+          <p:spPr>
+            <a:xfrm>
+              <a:off x="3200400" y="1266092"/>
+              <a:ext cx="2825262" cy="0"/>
+            </a:xfrm>
+            <a:prstGeom prst="line">
+              <a:avLst/>
+            </a:prstGeom>
+            <a:ln w="28575"/>
+          </p:spPr>
+          <p:style>
+            <a:lnRef idx="1">
+              <a:schemeClr val="accent1"/>
+            </a:lnRef>
+            <a:fillRef idx="0">
+              <a:schemeClr val="accent1"/>
+            </a:fillRef>
+            <a:effectRef idx="0">
+              <a:schemeClr val="accent1"/>
+            </a:effectRef>
+            <a:fontRef idx="minor">
+              <a:schemeClr val="tx1"/>
+            </a:fontRef>
+          </p:style>
+        </p:cxnSp>
+        <p:cxnSp>
+          <p:nvCxnSpPr>
+            <p:cNvPr id="54" name="直接连接符 53"/>
+            <p:cNvCxnSpPr/>
+            <p:nvPr/>
+          </p:nvCxnSpPr>
+          <p:spPr>
+            <a:xfrm>
+              <a:off x="3200400" y="1770185"/>
+              <a:ext cx="2825262" cy="0"/>
+            </a:xfrm>
+            <a:prstGeom prst="line">
+              <a:avLst/>
+            </a:prstGeom>
+            <a:ln w="28575"/>
+          </p:spPr>
+          <p:style>
+            <a:lnRef idx="1">
+              <a:schemeClr val="accent1"/>
+            </a:lnRef>
+            <a:fillRef idx="0">
+              <a:schemeClr val="accent1"/>
+            </a:fillRef>
+            <a:effectRef idx="0">
+              <a:schemeClr val="accent1"/>
+            </a:effectRef>
+            <a:fontRef idx="minor">
+              <a:schemeClr val="tx1"/>
+            </a:fontRef>
+          </p:style>
+        </p:cxnSp>
+      </p:grpSp>
+      <p:sp>
+        <p:nvSpPr>
+          <p:cNvPr id="56" name="文本框 55"/>
+          <p:cNvSpPr txBox="1"/>
+          <p:nvPr/>
+        </p:nvSpPr>
+        <p:spPr>
+          <a:xfrm>
+            <a:off x="375139" y="2192215"/>
+            <a:ext cx="2965939" cy="923330"/>
+          </a:xfrm>
+          <a:prstGeom prst="rect">
+            <a:avLst/>
+          </a:prstGeom>
+          <a:noFill/>
+        </p:spPr>
+        <p:txBody>
+          <a:bodyPr wrap="square" rtlCol="0">
+            <a:spAutoFit/>
+          </a:bodyPr>
+          <a:lstStyle/>
+          <a:p>
+            <a:r>
+              <a:rPr lang="zh-CN" altLang="en-US" dirty="0" smtClean="0"/>
+              <a:t>初始情况下将含有标签的的结点看成是一个单个结点的树，权重为 </a:t>
+            </a:r>
+            <a:r>
+              <a:rPr lang="en-US" altLang="zh-CN" dirty="0" smtClean="0"/>
+              <a:t>0 </a:t>
+            </a:r>
+            <a:endParaRPr lang="zh-CN" altLang="en-US" dirty="0" smtClean="0"/>
+          </a:p>
+        </p:txBody>
+      </p:sp>
+      <p:grpSp>
+        <p:nvGrpSpPr>
+          <p:cNvPr id="65" name="组合 64"/>
+          <p:cNvGrpSpPr/>
+          <p:nvPr/>
+        </p:nvGrpSpPr>
+        <p:grpSpPr>
+          <a:xfrm>
+            <a:off x="3598147" y="3255317"/>
+            <a:ext cx="591670" cy="537308"/>
+            <a:chOff x="3598147" y="3255317"/>
+            <a:chExt cx="591670" cy="537308"/>
+          </a:xfrm>
+        </p:grpSpPr>
+        <p:sp>
+          <p:nvSpPr>
+            <p:cNvPr id="63" name="椭圆 62"/>
+            <p:cNvSpPr/>
+            <p:nvPr/>
+          </p:nvSpPr>
+          <p:spPr>
+            <a:xfrm>
+              <a:off x="3807261" y="3255317"/>
+              <a:ext cx="157002" cy="157002"/>
+            </a:xfrm>
+            <a:prstGeom prst="ellipse">
+              <a:avLst/>
+            </a:prstGeom>
+            <a:solidFill>
+              <a:schemeClr val="accent1"/>
+            </a:solidFill>
+          </p:spPr>
+          <p:style>
+            <a:lnRef idx="2">
+              <a:schemeClr val="accent1">
+                <a:shade val="50000"/>
+              </a:schemeClr>
+            </a:lnRef>
+            <a:fillRef idx="1">
+              <a:schemeClr val="accent1"/>
+            </a:fillRef>
+            <a:effectRef idx="0">
+              <a:schemeClr val="accent1"/>
+            </a:effectRef>
+            <a:fontRef idx="minor">
+              <a:schemeClr val="lt1"/>
+            </a:fontRef>
+          </p:style>
+          <p:txBody>
+            <a:bodyPr rtlCol="0" anchor="ctr"/>
+            <a:lstStyle/>
+            <a:p>
+              <a:pPr algn="ctr"/>
+              <a:endParaRPr lang="zh-CN" altLang="en-US" spc="300" dirty="0"/>
+            </a:p>
+          </p:txBody>
+        </p:sp>
+        <p:sp>
+          <p:nvSpPr>
+            <p:cNvPr id="64" name="文本框 63"/>
+            <p:cNvSpPr txBox="1"/>
+            <p:nvPr/>
+          </p:nvSpPr>
+          <p:spPr>
+            <a:xfrm>
+              <a:off x="3598147" y="3454071"/>
+              <a:ext cx="591670" cy="338554"/>
+            </a:xfrm>
+            <a:prstGeom prst="rect">
+              <a:avLst/>
+            </a:prstGeom>
+            <a:noFill/>
+          </p:spPr>
+          <p:txBody>
+            <a:bodyPr wrap="square" rtlCol="0">
+              <a:spAutoFit/>
+            </a:bodyPr>
+            <a:lstStyle/>
+            <a:p>
+              <a:pPr algn="ctr"/>
+              <a:r>
+                <a:rPr lang="en-US" altLang="zh-CN" sz="1600" b="1" i="1" dirty="0" smtClean="0">
+                  <a:solidFill>
+                    <a:srgbClr val="FF0000"/>
+                  </a:solidFill>
+                </a:rPr>
+                <a:t>v1</a:t>
+              </a:r>
+              <a:endParaRPr lang="zh-CN" altLang="en-US" sz="1600" b="1" i="1" dirty="0">
+                <a:solidFill>
+                  <a:srgbClr val="FF0000"/>
+                </a:solidFill>
+              </a:endParaRPr>
+            </a:p>
+          </p:txBody>
+        </p:sp>
+      </p:grpSp>
+      <p:grpSp>
+        <p:nvGrpSpPr>
+          <p:cNvPr id="66" name="组合 65"/>
+          <p:cNvGrpSpPr/>
+          <p:nvPr/>
+        </p:nvGrpSpPr>
+        <p:grpSpPr>
+          <a:xfrm>
+            <a:off x="4172577" y="3255317"/>
+            <a:ext cx="591670" cy="537308"/>
+            <a:chOff x="3598147" y="3255317"/>
+            <a:chExt cx="591670" cy="537308"/>
+          </a:xfrm>
+        </p:grpSpPr>
+        <p:sp>
+          <p:nvSpPr>
+            <p:cNvPr id="67" name="椭圆 66"/>
+            <p:cNvSpPr/>
+            <p:nvPr/>
+          </p:nvSpPr>
+          <p:spPr>
+            <a:xfrm>
+              <a:off x="3807261" y="3255317"/>
+              <a:ext cx="157002" cy="157002"/>
+            </a:xfrm>
+            <a:prstGeom prst="ellipse">
+              <a:avLst/>
+            </a:prstGeom>
+            <a:solidFill>
+              <a:schemeClr val="accent1"/>
+            </a:solidFill>
+          </p:spPr>
+          <p:style>
+            <a:lnRef idx="2">
+              <a:schemeClr val="accent1">
+                <a:shade val="50000"/>
+              </a:schemeClr>
+            </a:lnRef>
+            <a:fillRef idx="1">
+              <a:schemeClr val="accent1"/>
+            </a:fillRef>
+            <a:effectRef idx="0">
+              <a:schemeClr val="accent1"/>
+            </a:effectRef>
+            <a:fontRef idx="minor">
+              <a:schemeClr val="lt1"/>
+            </a:fontRef>
+          </p:style>
+          <p:txBody>
+            <a:bodyPr rtlCol="0" anchor="ctr"/>
+            <a:lstStyle/>
+            <a:p>
+              <a:pPr algn="ctr"/>
+              <a:endParaRPr lang="zh-CN" altLang="en-US" spc="300" dirty="0"/>
+            </a:p>
+          </p:txBody>
+        </p:sp>
+        <p:sp>
+          <p:nvSpPr>
+            <p:cNvPr id="68" name="文本框 67"/>
+            <p:cNvSpPr txBox="1"/>
+            <p:nvPr/>
+          </p:nvSpPr>
+          <p:spPr>
+            <a:xfrm>
+              <a:off x="3598147" y="3454071"/>
+              <a:ext cx="591670" cy="338554"/>
+            </a:xfrm>
+            <a:prstGeom prst="rect">
+              <a:avLst/>
+            </a:prstGeom>
+            <a:noFill/>
+          </p:spPr>
+          <p:txBody>
+            <a:bodyPr wrap="square" rtlCol="0">
+              <a:spAutoFit/>
+            </a:bodyPr>
+            <a:lstStyle/>
+            <a:p>
+              <a:pPr algn="ctr"/>
+              <a:r>
+                <a:rPr lang="en-US" altLang="zh-CN" sz="1600" b="1" i="1" dirty="0" smtClean="0">
+                  <a:solidFill>
+                    <a:srgbClr val="FF0000"/>
+                  </a:solidFill>
+                </a:rPr>
+                <a:t>v2</a:t>
+              </a:r>
+              <a:endParaRPr lang="zh-CN" altLang="en-US" sz="1600" b="1" i="1" dirty="0">
+                <a:solidFill>
+                  <a:srgbClr val="FF0000"/>
+                </a:solidFill>
+              </a:endParaRPr>
+            </a:p>
+          </p:txBody>
+        </p:sp>
+      </p:grpSp>
+      <p:grpSp>
+        <p:nvGrpSpPr>
+          <p:cNvPr id="69" name="组合 68"/>
+          <p:cNvGrpSpPr/>
+          <p:nvPr/>
+        </p:nvGrpSpPr>
+        <p:grpSpPr>
+          <a:xfrm>
+            <a:off x="4770454" y="3255317"/>
+            <a:ext cx="591670" cy="537308"/>
+            <a:chOff x="3598147" y="3255317"/>
+            <a:chExt cx="591670" cy="537308"/>
+          </a:xfrm>
+        </p:grpSpPr>
+        <p:sp>
+          <p:nvSpPr>
+            <p:cNvPr id="70" name="椭圆 69"/>
+            <p:cNvSpPr/>
+            <p:nvPr/>
+          </p:nvSpPr>
+          <p:spPr>
+            <a:xfrm>
+              <a:off x="3807261" y="3255317"/>
+              <a:ext cx="157002" cy="157002"/>
+            </a:xfrm>
+            <a:prstGeom prst="ellipse">
+              <a:avLst/>
+            </a:prstGeom>
+            <a:solidFill>
+              <a:schemeClr val="accent1"/>
+            </a:solidFill>
+          </p:spPr>
+          <p:style>
+            <a:lnRef idx="2">
+              <a:schemeClr val="accent1">
+                <a:shade val="50000"/>
+              </a:schemeClr>
+            </a:lnRef>
+            <a:fillRef idx="1">
+              <a:schemeClr val="accent1"/>
+            </a:fillRef>
+            <a:effectRef idx="0">
+              <a:schemeClr val="accent1"/>
+            </a:effectRef>
+            <a:fontRef idx="minor">
+              <a:schemeClr val="lt1"/>
+            </a:fontRef>
+          </p:style>
+          <p:txBody>
+            <a:bodyPr rtlCol="0" anchor="ctr"/>
+            <a:lstStyle/>
+            <a:p>
+              <a:pPr algn="ctr"/>
+              <a:endParaRPr lang="zh-CN" altLang="en-US" spc="300" dirty="0"/>
+            </a:p>
+          </p:txBody>
+        </p:sp>
+        <p:sp>
+          <p:nvSpPr>
+            <p:cNvPr id="71" name="文本框 70"/>
+            <p:cNvSpPr txBox="1"/>
+            <p:nvPr/>
+          </p:nvSpPr>
+          <p:spPr>
+            <a:xfrm>
+              <a:off x="3598147" y="3454071"/>
+              <a:ext cx="591670" cy="338554"/>
+            </a:xfrm>
+            <a:prstGeom prst="rect">
+              <a:avLst/>
+            </a:prstGeom>
+            <a:noFill/>
+          </p:spPr>
+          <p:txBody>
+            <a:bodyPr wrap="square" rtlCol="0">
+              <a:spAutoFit/>
+            </a:bodyPr>
+            <a:lstStyle/>
+            <a:p>
+              <a:pPr algn="ctr"/>
+              <a:r>
+                <a:rPr lang="en-US" altLang="zh-CN" sz="1600" b="1" i="1" dirty="0" smtClean="0">
+                  <a:solidFill>
+                    <a:srgbClr val="FF0000"/>
+                  </a:solidFill>
+                </a:rPr>
+                <a:t>v3</a:t>
+              </a:r>
+              <a:endParaRPr lang="zh-CN" altLang="en-US" sz="1600" b="1" i="1" dirty="0">
+                <a:solidFill>
+                  <a:srgbClr val="FF0000"/>
+                </a:solidFill>
+              </a:endParaRPr>
+            </a:p>
+          </p:txBody>
+        </p:sp>
+      </p:grpSp>
+      <p:grpSp>
+        <p:nvGrpSpPr>
+          <p:cNvPr id="72" name="组合 71"/>
+          <p:cNvGrpSpPr/>
+          <p:nvPr/>
+        </p:nvGrpSpPr>
+        <p:grpSpPr>
+          <a:xfrm>
+            <a:off x="5450393" y="3255317"/>
+            <a:ext cx="591670" cy="537308"/>
+            <a:chOff x="3598147" y="3255317"/>
+            <a:chExt cx="591670" cy="537308"/>
+          </a:xfrm>
+        </p:grpSpPr>
+        <p:sp>
+          <p:nvSpPr>
+            <p:cNvPr id="73" name="椭圆 72"/>
+            <p:cNvSpPr/>
+            <p:nvPr/>
+          </p:nvSpPr>
+          <p:spPr>
+            <a:xfrm>
+              <a:off x="3807261" y="3255317"/>
+              <a:ext cx="157002" cy="157002"/>
+            </a:xfrm>
+            <a:prstGeom prst="ellipse">
+              <a:avLst/>
+            </a:prstGeom>
+            <a:solidFill>
+              <a:schemeClr val="accent1"/>
+            </a:solidFill>
+          </p:spPr>
+          <p:style>
+            <a:lnRef idx="2">
+              <a:schemeClr val="accent1">
+                <a:shade val="50000"/>
+              </a:schemeClr>
+            </a:lnRef>
+            <a:fillRef idx="1">
+              <a:schemeClr val="accent1"/>
+            </a:fillRef>
+            <a:effectRef idx="0">
+              <a:schemeClr val="accent1"/>
+            </a:effectRef>
+            <a:fontRef idx="minor">
+              <a:schemeClr val="lt1"/>
+            </a:fontRef>
+          </p:style>
+          <p:txBody>
+            <a:bodyPr rtlCol="0" anchor="ctr"/>
+            <a:lstStyle/>
+            <a:p>
+              <a:pPr algn="ctr"/>
+              <a:endParaRPr lang="zh-CN" altLang="en-US" spc="300" dirty="0"/>
+            </a:p>
+          </p:txBody>
+        </p:sp>
+        <p:sp>
+          <p:nvSpPr>
+            <p:cNvPr id="74" name="文本框 73"/>
+            <p:cNvSpPr txBox="1"/>
+            <p:nvPr/>
+          </p:nvSpPr>
+          <p:spPr>
+            <a:xfrm>
+              <a:off x="3598147" y="3454071"/>
+              <a:ext cx="591670" cy="338554"/>
+            </a:xfrm>
+            <a:prstGeom prst="rect">
+              <a:avLst/>
+            </a:prstGeom>
+            <a:noFill/>
+          </p:spPr>
+          <p:txBody>
+            <a:bodyPr wrap="square" rtlCol="0">
+              <a:spAutoFit/>
+            </a:bodyPr>
+            <a:lstStyle/>
+            <a:p>
+              <a:pPr algn="ctr"/>
+              <a:r>
+                <a:rPr lang="en-US" altLang="zh-CN" sz="1600" b="1" i="1" smtClean="0">
+                  <a:solidFill>
+                    <a:srgbClr val="FF0000"/>
+                  </a:solidFill>
+                </a:rPr>
+                <a:t>v4</a:t>
+              </a:r>
+              <a:endParaRPr lang="zh-CN" altLang="en-US" sz="1600" b="1" i="1" dirty="0">
+                <a:solidFill>
+                  <a:srgbClr val="FF0000"/>
+                </a:solidFill>
+              </a:endParaRPr>
+            </a:p>
+          </p:txBody>
+        </p:sp>
+      </p:grpSp>
     </p:spTree>
     <p:extLst>
       <p:ext uri="{BB962C8B-B14F-4D97-AF65-F5344CB8AC3E}">

--- a/Efficient and Progressive GST Search.pptx
+++ b/Efficient and Progressive GST Search.pptx
@@ -11245,7 +11245,7 @@
             <p:nvPr/>
           </p:nvSpPr>
           <p:spPr>
-            <a:xfrm rot="19148785">
+            <a:xfrm>
               <a:off x="9063318" y="900954"/>
               <a:ext cx="591670" cy="369332"/>
             </a:xfrm>
@@ -11276,7 +11276,7 @@
             <p:nvPr/>
           </p:nvSpPr>
           <p:spPr>
-            <a:xfrm rot="2485824">
+            <a:xfrm>
               <a:off x="10354235" y="847166"/>
               <a:ext cx="591670" cy="369332"/>
             </a:xfrm>
@@ -11937,7 +11937,7 @@
           <a:p>
             <a:r>
               <a:rPr lang="zh-CN" altLang="en-US" dirty="0" smtClean="0"/>
-              <a:t>初始情况下将含有标签的的结点看成是一个单个结点的树，权重为 </a:t>
+              <a:t>初始情况下将含有标签的结点看成是一个单个结点的树，权重为 </a:t>
             </a:r>
             <a:r>
               <a:rPr lang="en-US" altLang="zh-CN" dirty="0" smtClean="0"/>
@@ -11949,207 +11949,13 @@
       </p:sp>
       <p:grpSp>
         <p:nvGrpSpPr>
-          <p:cNvPr id="65" name="组合 64"/>
-          <p:cNvGrpSpPr/>
-          <p:nvPr/>
-        </p:nvGrpSpPr>
-        <p:grpSpPr>
-          <a:xfrm>
-            <a:off x="3598147" y="3255317"/>
-            <a:ext cx="591670" cy="537308"/>
-            <a:chOff x="3598147" y="3255317"/>
-            <a:chExt cx="591670" cy="537308"/>
-          </a:xfrm>
-        </p:grpSpPr>
-        <p:sp>
-          <p:nvSpPr>
-            <p:cNvPr id="63" name="椭圆 62"/>
-            <p:cNvSpPr/>
-            <p:nvPr/>
-          </p:nvSpPr>
-          <p:spPr>
-            <a:xfrm>
-              <a:off x="3807261" y="3255317"/>
-              <a:ext cx="157002" cy="157002"/>
-            </a:xfrm>
-            <a:prstGeom prst="ellipse">
-              <a:avLst/>
-            </a:prstGeom>
-            <a:solidFill>
-              <a:schemeClr val="accent1"/>
-            </a:solidFill>
-          </p:spPr>
-          <p:style>
-            <a:lnRef idx="2">
-              <a:schemeClr val="accent1">
-                <a:shade val="50000"/>
-              </a:schemeClr>
-            </a:lnRef>
-            <a:fillRef idx="1">
-              <a:schemeClr val="accent1"/>
-            </a:fillRef>
-            <a:effectRef idx="0">
-              <a:schemeClr val="accent1"/>
-            </a:effectRef>
-            <a:fontRef idx="minor">
-              <a:schemeClr val="lt1"/>
-            </a:fontRef>
-          </p:style>
-          <p:txBody>
-            <a:bodyPr rtlCol="0" anchor="ctr"/>
-            <a:lstStyle/>
-            <a:p>
-              <a:pPr algn="ctr"/>
-              <a:endParaRPr lang="zh-CN" altLang="en-US" spc="300" dirty="0"/>
-            </a:p>
-          </p:txBody>
-        </p:sp>
-        <p:sp>
-          <p:nvSpPr>
-            <p:cNvPr id="64" name="文本框 63"/>
-            <p:cNvSpPr txBox="1"/>
-            <p:nvPr/>
-          </p:nvSpPr>
-          <p:spPr>
-            <a:xfrm>
-              <a:off x="3598147" y="3454071"/>
-              <a:ext cx="591670" cy="338554"/>
-            </a:xfrm>
-            <a:prstGeom prst="rect">
-              <a:avLst/>
-            </a:prstGeom>
-            <a:noFill/>
-          </p:spPr>
-          <p:txBody>
-            <a:bodyPr wrap="square" rtlCol="0">
-              <a:spAutoFit/>
-            </a:bodyPr>
-            <a:lstStyle/>
-            <a:p>
-              <a:pPr algn="ctr"/>
-              <a:r>
-                <a:rPr lang="en-US" altLang="zh-CN" sz="1600" b="1" i="1" dirty="0" smtClean="0">
-                  <a:solidFill>
-                    <a:srgbClr val="FF0000"/>
-                  </a:solidFill>
-                </a:rPr>
-                <a:t>v1</a:t>
-              </a:r>
-              <a:endParaRPr lang="zh-CN" altLang="en-US" sz="1600" b="1" i="1" dirty="0">
-                <a:solidFill>
-                  <a:srgbClr val="FF0000"/>
-                </a:solidFill>
-              </a:endParaRPr>
-            </a:p>
-          </p:txBody>
-        </p:sp>
-      </p:grpSp>
-      <p:grpSp>
-        <p:nvGrpSpPr>
-          <p:cNvPr id="66" name="组合 65"/>
-          <p:cNvGrpSpPr/>
-          <p:nvPr/>
-        </p:nvGrpSpPr>
-        <p:grpSpPr>
-          <a:xfrm>
-            <a:off x="4172577" y="3255317"/>
-            <a:ext cx="591670" cy="537308"/>
-            <a:chOff x="3598147" y="3255317"/>
-            <a:chExt cx="591670" cy="537308"/>
-          </a:xfrm>
-        </p:grpSpPr>
-        <p:sp>
-          <p:nvSpPr>
-            <p:cNvPr id="67" name="椭圆 66"/>
-            <p:cNvSpPr/>
-            <p:nvPr/>
-          </p:nvSpPr>
-          <p:spPr>
-            <a:xfrm>
-              <a:off x="3807261" y="3255317"/>
-              <a:ext cx="157002" cy="157002"/>
-            </a:xfrm>
-            <a:prstGeom prst="ellipse">
-              <a:avLst/>
-            </a:prstGeom>
-            <a:solidFill>
-              <a:schemeClr val="accent1"/>
-            </a:solidFill>
-          </p:spPr>
-          <p:style>
-            <a:lnRef idx="2">
-              <a:schemeClr val="accent1">
-                <a:shade val="50000"/>
-              </a:schemeClr>
-            </a:lnRef>
-            <a:fillRef idx="1">
-              <a:schemeClr val="accent1"/>
-            </a:fillRef>
-            <a:effectRef idx="0">
-              <a:schemeClr val="accent1"/>
-            </a:effectRef>
-            <a:fontRef idx="minor">
-              <a:schemeClr val="lt1"/>
-            </a:fontRef>
-          </p:style>
-          <p:txBody>
-            <a:bodyPr rtlCol="0" anchor="ctr"/>
-            <a:lstStyle/>
-            <a:p>
-              <a:pPr algn="ctr"/>
-              <a:endParaRPr lang="zh-CN" altLang="en-US" spc="300" dirty="0"/>
-            </a:p>
-          </p:txBody>
-        </p:sp>
-        <p:sp>
-          <p:nvSpPr>
-            <p:cNvPr id="68" name="文本框 67"/>
-            <p:cNvSpPr txBox="1"/>
-            <p:nvPr/>
-          </p:nvSpPr>
-          <p:spPr>
-            <a:xfrm>
-              <a:off x="3598147" y="3454071"/>
-              <a:ext cx="591670" cy="338554"/>
-            </a:xfrm>
-            <a:prstGeom prst="rect">
-              <a:avLst/>
-            </a:prstGeom>
-            <a:noFill/>
-          </p:spPr>
-          <p:txBody>
-            <a:bodyPr wrap="square" rtlCol="0">
-              <a:spAutoFit/>
-            </a:bodyPr>
-            <a:lstStyle/>
-            <a:p>
-              <a:pPr algn="ctr"/>
-              <a:r>
-                <a:rPr lang="en-US" altLang="zh-CN" sz="1600" b="1" i="1" dirty="0" smtClean="0">
-                  <a:solidFill>
-                    <a:srgbClr val="FF0000"/>
-                  </a:solidFill>
-                </a:rPr>
-                <a:t>v2</a:t>
-              </a:r>
-              <a:endParaRPr lang="zh-CN" altLang="en-US" sz="1600" b="1" i="1" dirty="0">
-                <a:solidFill>
-                  <a:srgbClr val="FF0000"/>
-                </a:solidFill>
-              </a:endParaRPr>
-            </a:p>
-          </p:txBody>
-        </p:sp>
-      </p:grpSp>
-      <p:grpSp>
-        <p:nvGrpSpPr>
           <p:cNvPr id="69" name="组合 68"/>
           <p:cNvGrpSpPr/>
           <p:nvPr/>
         </p:nvGrpSpPr>
         <p:grpSpPr>
           <a:xfrm>
-            <a:off x="4770454" y="3255317"/>
+            <a:off x="4254638" y="2680886"/>
             <a:ext cx="591670" cy="537308"/>
             <a:chOff x="3598147" y="3255317"/>
             <a:chExt cx="591670" cy="537308"/>
@@ -12246,7 +12052,7 @@
         </p:nvGrpSpPr>
         <p:grpSpPr>
           <a:xfrm>
-            <a:off x="5450393" y="3255317"/>
+            <a:off x="4934577" y="2680886"/>
             <a:ext cx="591670" cy="537308"/>
             <a:chOff x="3598147" y="3255317"/>
             <a:chExt cx="591670" cy="537308"/>
@@ -12319,7 +12125,7 @@
             <a:p>
               <a:pPr algn="ctr"/>
               <a:r>
-                <a:rPr lang="en-US" altLang="zh-CN" sz="1600" b="1" i="1" smtClean="0">
+                <a:rPr lang="en-US" altLang="zh-CN" sz="1600" b="1" i="1" dirty="0" smtClean="0">
                   <a:solidFill>
                     <a:srgbClr val="FF0000"/>
                   </a:solidFill>
@@ -12335,6 +12141,3019 @@
           </p:txBody>
         </p:sp>
       </p:grpSp>
+      <p:grpSp>
+        <p:nvGrpSpPr>
+          <p:cNvPr id="75" name="组合 74"/>
+          <p:cNvGrpSpPr/>
+          <p:nvPr/>
+        </p:nvGrpSpPr>
+        <p:grpSpPr>
+          <a:xfrm>
+            <a:off x="3094055" y="1121717"/>
+            <a:ext cx="591670" cy="537308"/>
+            <a:chOff x="3598147" y="3255317"/>
+            <a:chExt cx="591670" cy="537308"/>
+          </a:xfrm>
+        </p:grpSpPr>
+        <p:sp>
+          <p:nvSpPr>
+            <p:cNvPr id="76" name="椭圆 75"/>
+            <p:cNvSpPr/>
+            <p:nvPr/>
+          </p:nvSpPr>
+          <p:spPr>
+            <a:xfrm>
+              <a:off x="3807261" y="3255317"/>
+              <a:ext cx="157002" cy="157002"/>
+            </a:xfrm>
+            <a:prstGeom prst="ellipse">
+              <a:avLst/>
+            </a:prstGeom>
+            <a:solidFill>
+              <a:schemeClr val="accent1"/>
+            </a:solidFill>
+          </p:spPr>
+          <p:style>
+            <a:lnRef idx="2">
+              <a:schemeClr val="accent1">
+                <a:shade val="50000"/>
+              </a:schemeClr>
+            </a:lnRef>
+            <a:fillRef idx="1">
+              <a:schemeClr val="accent1"/>
+            </a:fillRef>
+            <a:effectRef idx="0">
+              <a:schemeClr val="accent1"/>
+            </a:effectRef>
+            <a:fontRef idx="minor">
+              <a:schemeClr val="lt1"/>
+            </a:fontRef>
+          </p:style>
+          <p:txBody>
+            <a:bodyPr rtlCol="0" anchor="ctr"/>
+            <a:lstStyle/>
+            <a:p>
+              <a:pPr algn="ctr"/>
+              <a:endParaRPr lang="zh-CN" altLang="en-US" spc="300" dirty="0"/>
+            </a:p>
+          </p:txBody>
+        </p:sp>
+        <p:sp>
+          <p:nvSpPr>
+            <p:cNvPr id="77" name="文本框 76"/>
+            <p:cNvSpPr txBox="1"/>
+            <p:nvPr/>
+          </p:nvSpPr>
+          <p:spPr>
+            <a:xfrm>
+              <a:off x="3598147" y="3454071"/>
+              <a:ext cx="591670" cy="338554"/>
+            </a:xfrm>
+            <a:prstGeom prst="rect">
+              <a:avLst/>
+            </a:prstGeom>
+            <a:noFill/>
+          </p:spPr>
+          <p:txBody>
+            <a:bodyPr wrap="square" rtlCol="0">
+              <a:spAutoFit/>
+            </a:bodyPr>
+            <a:lstStyle/>
+            <a:p>
+              <a:pPr algn="ctr"/>
+              <a:r>
+                <a:rPr lang="en-US" altLang="zh-CN" sz="1600" b="1" i="1" dirty="0" smtClean="0">
+                  <a:solidFill>
+                    <a:srgbClr val="FF0000"/>
+                  </a:solidFill>
+                </a:rPr>
+                <a:t>v1</a:t>
+              </a:r>
+              <a:endParaRPr lang="zh-CN" altLang="en-US" sz="1600" b="1" i="1" dirty="0">
+                <a:solidFill>
+                  <a:srgbClr val="FF0000"/>
+                </a:solidFill>
+              </a:endParaRPr>
+            </a:p>
+          </p:txBody>
+        </p:sp>
+      </p:grpSp>
+      <p:grpSp>
+        <p:nvGrpSpPr>
+          <p:cNvPr id="78" name="组合 77"/>
+          <p:cNvGrpSpPr/>
+          <p:nvPr/>
+        </p:nvGrpSpPr>
+        <p:grpSpPr>
+          <a:xfrm>
+            <a:off x="3668485" y="1121717"/>
+            <a:ext cx="591670" cy="537308"/>
+            <a:chOff x="3598147" y="3255317"/>
+            <a:chExt cx="591670" cy="537308"/>
+          </a:xfrm>
+        </p:grpSpPr>
+        <p:sp>
+          <p:nvSpPr>
+            <p:cNvPr id="79" name="椭圆 78"/>
+            <p:cNvSpPr/>
+            <p:nvPr/>
+          </p:nvSpPr>
+          <p:spPr>
+            <a:xfrm>
+              <a:off x="3807261" y="3255317"/>
+              <a:ext cx="157002" cy="157002"/>
+            </a:xfrm>
+            <a:prstGeom prst="ellipse">
+              <a:avLst/>
+            </a:prstGeom>
+            <a:solidFill>
+              <a:schemeClr val="accent1"/>
+            </a:solidFill>
+          </p:spPr>
+          <p:style>
+            <a:lnRef idx="2">
+              <a:schemeClr val="accent1">
+                <a:shade val="50000"/>
+              </a:schemeClr>
+            </a:lnRef>
+            <a:fillRef idx="1">
+              <a:schemeClr val="accent1"/>
+            </a:fillRef>
+            <a:effectRef idx="0">
+              <a:schemeClr val="accent1"/>
+            </a:effectRef>
+            <a:fontRef idx="minor">
+              <a:schemeClr val="lt1"/>
+            </a:fontRef>
+          </p:style>
+          <p:txBody>
+            <a:bodyPr rtlCol="0" anchor="ctr"/>
+            <a:lstStyle/>
+            <a:p>
+              <a:pPr algn="ctr"/>
+              <a:endParaRPr lang="zh-CN" altLang="en-US" spc="300" dirty="0"/>
+            </a:p>
+          </p:txBody>
+        </p:sp>
+        <p:sp>
+          <p:nvSpPr>
+            <p:cNvPr id="80" name="文本框 79"/>
+            <p:cNvSpPr txBox="1"/>
+            <p:nvPr/>
+          </p:nvSpPr>
+          <p:spPr>
+            <a:xfrm>
+              <a:off x="3598147" y="3454071"/>
+              <a:ext cx="591670" cy="338554"/>
+            </a:xfrm>
+            <a:prstGeom prst="rect">
+              <a:avLst/>
+            </a:prstGeom>
+            <a:noFill/>
+          </p:spPr>
+          <p:txBody>
+            <a:bodyPr wrap="square" rtlCol="0">
+              <a:spAutoFit/>
+            </a:bodyPr>
+            <a:lstStyle/>
+            <a:p>
+              <a:pPr algn="ctr"/>
+              <a:r>
+                <a:rPr lang="en-US" altLang="zh-CN" sz="1600" b="1" i="1" dirty="0" smtClean="0">
+                  <a:solidFill>
+                    <a:srgbClr val="FF0000"/>
+                  </a:solidFill>
+                </a:rPr>
+                <a:t>v2</a:t>
+              </a:r>
+              <a:endParaRPr lang="zh-CN" altLang="en-US" sz="1600" b="1" i="1" dirty="0">
+                <a:solidFill>
+                  <a:srgbClr val="FF0000"/>
+                </a:solidFill>
+              </a:endParaRPr>
+            </a:p>
+          </p:txBody>
+        </p:sp>
+      </p:grpSp>
+      <p:grpSp>
+        <p:nvGrpSpPr>
+          <p:cNvPr id="81" name="组合 80"/>
+          <p:cNvGrpSpPr/>
+          <p:nvPr/>
+        </p:nvGrpSpPr>
+        <p:grpSpPr>
+          <a:xfrm>
+            <a:off x="4266362" y="1121717"/>
+            <a:ext cx="591670" cy="537308"/>
+            <a:chOff x="3598147" y="3255317"/>
+            <a:chExt cx="591670" cy="537308"/>
+          </a:xfrm>
+        </p:grpSpPr>
+        <p:sp>
+          <p:nvSpPr>
+            <p:cNvPr id="82" name="椭圆 81"/>
+            <p:cNvSpPr/>
+            <p:nvPr/>
+          </p:nvSpPr>
+          <p:spPr>
+            <a:xfrm>
+              <a:off x="3807261" y="3255317"/>
+              <a:ext cx="157002" cy="157002"/>
+            </a:xfrm>
+            <a:prstGeom prst="ellipse">
+              <a:avLst/>
+            </a:prstGeom>
+            <a:solidFill>
+              <a:schemeClr val="accent1"/>
+            </a:solidFill>
+          </p:spPr>
+          <p:style>
+            <a:lnRef idx="2">
+              <a:schemeClr val="accent1">
+                <a:shade val="50000"/>
+              </a:schemeClr>
+            </a:lnRef>
+            <a:fillRef idx="1">
+              <a:schemeClr val="accent1"/>
+            </a:fillRef>
+            <a:effectRef idx="0">
+              <a:schemeClr val="accent1"/>
+            </a:effectRef>
+            <a:fontRef idx="minor">
+              <a:schemeClr val="lt1"/>
+            </a:fontRef>
+          </p:style>
+          <p:txBody>
+            <a:bodyPr rtlCol="0" anchor="ctr"/>
+            <a:lstStyle/>
+            <a:p>
+              <a:pPr algn="ctr"/>
+              <a:endParaRPr lang="zh-CN" altLang="en-US" spc="300" dirty="0"/>
+            </a:p>
+          </p:txBody>
+        </p:sp>
+        <p:sp>
+          <p:nvSpPr>
+            <p:cNvPr id="83" name="文本框 82"/>
+            <p:cNvSpPr txBox="1"/>
+            <p:nvPr/>
+          </p:nvSpPr>
+          <p:spPr>
+            <a:xfrm>
+              <a:off x="3598147" y="3454071"/>
+              <a:ext cx="591670" cy="338554"/>
+            </a:xfrm>
+            <a:prstGeom prst="rect">
+              <a:avLst/>
+            </a:prstGeom>
+            <a:noFill/>
+          </p:spPr>
+          <p:txBody>
+            <a:bodyPr wrap="square" rtlCol="0">
+              <a:spAutoFit/>
+            </a:bodyPr>
+            <a:lstStyle/>
+            <a:p>
+              <a:pPr algn="ctr"/>
+              <a:r>
+                <a:rPr lang="en-US" altLang="zh-CN" sz="1600" b="1" i="1" dirty="0" smtClean="0">
+                  <a:solidFill>
+                    <a:srgbClr val="FF0000"/>
+                  </a:solidFill>
+                </a:rPr>
+                <a:t>v3</a:t>
+              </a:r>
+              <a:endParaRPr lang="zh-CN" altLang="en-US" sz="1600" b="1" i="1" dirty="0">
+                <a:solidFill>
+                  <a:srgbClr val="FF0000"/>
+                </a:solidFill>
+              </a:endParaRPr>
+            </a:p>
+          </p:txBody>
+        </p:sp>
+      </p:grpSp>
+      <p:grpSp>
+        <p:nvGrpSpPr>
+          <p:cNvPr id="84" name="组合 83"/>
+          <p:cNvGrpSpPr/>
+          <p:nvPr/>
+        </p:nvGrpSpPr>
+        <p:grpSpPr>
+          <a:xfrm>
+            <a:off x="4946301" y="1121717"/>
+            <a:ext cx="591670" cy="537308"/>
+            <a:chOff x="3598147" y="3255317"/>
+            <a:chExt cx="591670" cy="537308"/>
+          </a:xfrm>
+        </p:grpSpPr>
+        <p:sp>
+          <p:nvSpPr>
+            <p:cNvPr id="85" name="椭圆 84"/>
+            <p:cNvSpPr/>
+            <p:nvPr/>
+          </p:nvSpPr>
+          <p:spPr>
+            <a:xfrm>
+              <a:off x="3807261" y="3255317"/>
+              <a:ext cx="157002" cy="157002"/>
+            </a:xfrm>
+            <a:prstGeom prst="ellipse">
+              <a:avLst/>
+            </a:prstGeom>
+            <a:solidFill>
+              <a:schemeClr val="accent1"/>
+            </a:solidFill>
+          </p:spPr>
+          <p:style>
+            <a:lnRef idx="2">
+              <a:schemeClr val="accent1">
+                <a:shade val="50000"/>
+              </a:schemeClr>
+            </a:lnRef>
+            <a:fillRef idx="1">
+              <a:schemeClr val="accent1"/>
+            </a:fillRef>
+            <a:effectRef idx="0">
+              <a:schemeClr val="accent1"/>
+            </a:effectRef>
+            <a:fontRef idx="minor">
+              <a:schemeClr val="lt1"/>
+            </a:fontRef>
+          </p:style>
+          <p:txBody>
+            <a:bodyPr rtlCol="0" anchor="ctr"/>
+            <a:lstStyle/>
+            <a:p>
+              <a:pPr algn="ctr"/>
+              <a:endParaRPr lang="zh-CN" altLang="en-US" spc="300" dirty="0"/>
+            </a:p>
+          </p:txBody>
+        </p:sp>
+        <p:sp>
+          <p:nvSpPr>
+            <p:cNvPr id="86" name="文本框 85"/>
+            <p:cNvSpPr txBox="1"/>
+            <p:nvPr/>
+          </p:nvSpPr>
+          <p:spPr>
+            <a:xfrm>
+              <a:off x="3598147" y="3454071"/>
+              <a:ext cx="591670" cy="338554"/>
+            </a:xfrm>
+            <a:prstGeom prst="rect">
+              <a:avLst/>
+            </a:prstGeom>
+            <a:noFill/>
+          </p:spPr>
+          <p:txBody>
+            <a:bodyPr wrap="square" rtlCol="0">
+              <a:spAutoFit/>
+            </a:bodyPr>
+            <a:lstStyle/>
+            <a:p>
+              <a:pPr algn="ctr"/>
+              <a:r>
+                <a:rPr lang="en-US" altLang="zh-CN" sz="1600" b="1" i="1" dirty="0" smtClean="0">
+                  <a:solidFill>
+                    <a:srgbClr val="FF0000"/>
+                  </a:solidFill>
+                </a:rPr>
+                <a:t>v4</a:t>
+              </a:r>
+              <a:endParaRPr lang="zh-CN" altLang="en-US" sz="1600" b="1" i="1" dirty="0">
+                <a:solidFill>
+                  <a:srgbClr val="FF0000"/>
+                </a:solidFill>
+              </a:endParaRPr>
+            </a:p>
+          </p:txBody>
+        </p:sp>
+      </p:grpSp>
+      <p:grpSp>
+        <p:nvGrpSpPr>
+          <p:cNvPr id="131" name="组合 130"/>
+          <p:cNvGrpSpPr/>
+          <p:nvPr/>
+        </p:nvGrpSpPr>
+        <p:grpSpPr>
+          <a:xfrm>
+            <a:off x="4125684" y="3665086"/>
+            <a:ext cx="717810" cy="1299847"/>
+            <a:chOff x="1417653" y="3817485"/>
+            <a:chExt cx="717810" cy="1299847"/>
+          </a:xfrm>
+        </p:grpSpPr>
+        <p:grpSp>
+          <p:nvGrpSpPr>
+            <p:cNvPr id="108" name="组合 107"/>
+            <p:cNvGrpSpPr/>
+            <p:nvPr/>
+          </p:nvGrpSpPr>
+          <p:grpSpPr>
+            <a:xfrm>
+              <a:off x="1417653" y="4778778"/>
+              <a:ext cx="717809" cy="338554"/>
+              <a:chOff x="3246454" y="3196163"/>
+              <a:chExt cx="717809" cy="338554"/>
+            </a:xfrm>
+          </p:grpSpPr>
+          <p:sp>
+            <p:nvSpPr>
+              <p:cNvPr id="109" name="椭圆 108"/>
+              <p:cNvSpPr/>
+              <p:nvPr/>
+            </p:nvSpPr>
+            <p:spPr>
+              <a:xfrm>
+                <a:off x="3807261" y="3255317"/>
+                <a:ext cx="157002" cy="157002"/>
+              </a:xfrm>
+              <a:prstGeom prst="ellipse">
+                <a:avLst/>
+              </a:prstGeom>
+              <a:solidFill>
+                <a:schemeClr val="accent1"/>
+              </a:solidFill>
+            </p:spPr>
+            <p:style>
+              <a:lnRef idx="2">
+                <a:schemeClr val="accent1">
+                  <a:shade val="50000"/>
+                </a:schemeClr>
+              </a:lnRef>
+              <a:fillRef idx="1">
+                <a:schemeClr val="accent1"/>
+              </a:fillRef>
+              <a:effectRef idx="0">
+                <a:schemeClr val="accent1"/>
+              </a:effectRef>
+              <a:fontRef idx="minor">
+                <a:schemeClr val="lt1"/>
+              </a:fontRef>
+            </p:style>
+            <p:txBody>
+              <a:bodyPr rtlCol="0" anchor="ctr"/>
+              <a:lstStyle/>
+              <a:p>
+                <a:pPr algn="ctr"/>
+                <a:endParaRPr lang="zh-CN" altLang="en-US" spc="300" dirty="0"/>
+              </a:p>
+            </p:txBody>
+          </p:sp>
+          <p:sp>
+            <p:nvSpPr>
+              <p:cNvPr id="110" name="文本框 109"/>
+              <p:cNvSpPr txBox="1"/>
+              <p:nvPr/>
+            </p:nvSpPr>
+            <p:spPr>
+              <a:xfrm>
+                <a:off x="3246454" y="3196163"/>
+                <a:ext cx="591670" cy="338554"/>
+              </a:xfrm>
+              <a:prstGeom prst="rect">
+                <a:avLst/>
+              </a:prstGeom>
+              <a:noFill/>
+            </p:spPr>
+            <p:txBody>
+              <a:bodyPr wrap="square" rtlCol="0">
+                <a:spAutoFit/>
+              </a:bodyPr>
+              <a:lstStyle/>
+              <a:p>
+                <a:pPr algn="ctr"/>
+                <a:r>
+                  <a:rPr lang="en-US" altLang="zh-CN" sz="1600" b="1" i="1" dirty="0" smtClean="0">
+                    <a:solidFill>
+                      <a:srgbClr val="FF0000"/>
+                    </a:solidFill>
+                  </a:rPr>
+                  <a:t>v1</a:t>
+                </a:r>
+                <a:endParaRPr lang="zh-CN" altLang="en-US" sz="1600" b="1" i="1" dirty="0">
+                  <a:solidFill>
+                    <a:srgbClr val="FF0000"/>
+                  </a:solidFill>
+                </a:endParaRPr>
+              </a:p>
+            </p:txBody>
+          </p:sp>
+        </p:grpSp>
+        <p:grpSp>
+          <p:nvGrpSpPr>
+            <p:cNvPr id="111" name="组合 110"/>
+            <p:cNvGrpSpPr/>
+            <p:nvPr/>
+          </p:nvGrpSpPr>
+          <p:grpSpPr>
+            <a:xfrm>
+              <a:off x="1429378" y="3817485"/>
+              <a:ext cx="706085" cy="338554"/>
+              <a:chOff x="3258178" y="3172717"/>
+              <a:chExt cx="706085" cy="338554"/>
+            </a:xfrm>
+          </p:grpSpPr>
+          <p:sp>
+            <p:nvSpPr>
+              <p:cNvPr id="112" name="椭圆 111"/>
+              <p:cNvSpPr/>
+              <p:nvPr/>
+            </p:nvSpPr>
+            <p:spPr>
+              <a:xfrm>
+                <a:off x="3807261" y="3255317"/>
+                <a:ext cx="157002" cy="157002"/>
+              </a:xfrm>
+              <a:prstGeom prst="ellipse">
+                <a:avLst/>
+              </a:prstGeom>
+              <a:solidFill>
+                <a:schemeClr val="accent1"/>
+              </a:solidFill>
+            </p:spPr>
+            <p:style>
+              <a:lnRef idx="2">
+                <a:schemeClr val="accent1">
+                  <a:shade val="50000"/>
+                </a:schemeClr>
+              </a:lnRef>
+              <a:fillRef idx="1">
+                <a:schemeClr val="accent1"/>
+              </a:fillRef>
+              <a:effectRef idx="0">
+                <a:schemeClr val="accent1"/>
+              </a:effectRef>
+              <a:fontRef idx="minor">
+                <a:schemeClr val="lt1"/>
+              </a:fontRef>
+            </p:style>
+            <p:txBody>
+              <a:bodyPr rtlCol="0" anchor="ctr"/>
+              <a:lstStyle/>
+              <a:p>
+                <a:pPr algn="ctr"/>
+                <a:endParaRPr lang="zh-CN" altLang="en-US" spc="300" dirty="0"/>
+              </a:p>
+            </p:txBody>
+          </p:sp>
+          <p:sp>
+            <p:nvSpPr>
+              <p:cNvPr id="113" name="文本框 112"/>
+              <p:cNvSpPr txBox="1"/>
+              <p:nvPr/>
+            </p:nvSpPr>
+            <p:spPr>
+              <a:xfrm>
+                <a:off x="3258178" y="3172717"/>
+                <a:ext cx="591670" cy="338554"/>
+              </a:xfrm>
+              <a:prstGeom prst="rect">
+                <a:avLst/>
+              </a:prstGeom>
+              <a:noFill/>
+            </p:spPr>
+            <p:txBody>
+              <a:bodyPr wrap="square" rtlCol="0">
+                <a:spAutoFit/>
+              </a:bodyPr>
+              <a:lstStyle/>
+              <a:p>
+                <a:pPr algn="ctr"/>
+                <a:r>
+                  <a:rPr lang="en-US" altLang="zh-CN" sz="1600" b="1" i="1" dirty="0" smtClean="0"/>
+                  <a:t>v7</a:t>
+                </a:r>
+                <a:endParaRPr lang="zh-CN" altLang="en-US" sz="1600" b="1" i="1" dirty="0"/>
+              </a:p>
+            </p:txBody>
+          </p:sp>
+        </p:grpSp>
+        <p:cxnSp>
+          <p:nvCxnSpPr>
+            <p:cNvPr id="114" name="直接连接符 113"/>
+            <p:cNvCxnSpPr>
+              <a:stCxn id="112" idx="4"/>
+              <a:endCxn id="109" idx="0"/>
+            </p:cNvCxnSpPr>
+            <p:nvPr/>
+          </p:nvCxnSpPr>
+          <p:spPr>
+            <a:xfrm flipH="1">
+              <a:off x="2056961" y="4057087"/>
+              <a:ext cx="1" cy="780845"/>
+            </a:xfrm>
+            <a:prstGeom prst="line">
+              <a:avLst/>
+            </a:prstGeom>
+            <a:ln w="22225">
+              <a:tailEnd type="none" w="med" len="sm"/>
+            </a:ln>
+          </p:spPr>
+          <p:style>
+            <a:lnRef idx="3">
+              <a:schemeClr val="dk1"/>
+            </a:lnRef>
+            <a:fillRef idx="0">
+              <a:schemeClr val="dk1"/>
+            </a:fillRef>
+            <a:effectRef idx="2">
+              <a:schemeClr val="dk1"/>
+            </a:effectRef>
+            <a:fontRef idx="minor">
+              <a:schemeClr val="tx1"/>
+            </a:fontRef>
+          </p:style>
+        </p:cxnSp>
+        <p:sp>
+          <p:nvSpPr>
+            <p:cNvPr id="124" name="文本框 123"/>
+            <p:cNvSpPr txBox="1"/>
+            <p:nvPr/>
+          </p:nvSpPr>
+          <p:spPr>
+            <a:xfrm>
+              <a:off x="1499717" y="4321577"/>
+              <a:ext cx="591670" cy="338554"/>
+            </a:xfrm>
+            <a:prstGeom prst="rect">
+              <a:avLst/>
+            </a:prstGeom>
+            <a:noFill/>
+          </p:spPr>
+          <p:txBody>
+            <a:bodyPr wrap="square" rtlCol="0">
+              <a:spAutoFit/>
+            </a:bodyPr>
+            <a:lstStyle/>
+            <a:p>
+              <a:pPr algn="ctr"/>
+              <a:r>
+                <a:rPr lang="en-US" altLang="zh-CN" sz="1600" b="1" i="1" dirty="0" smtClean="0"/>
+                <a:t>4</a:t>
+              </a:r>
+              <a:endParaRPr lang="zh-CN" altLang="en-US" sz="1600" b="1" i="1" dirty="0"/>
+            </a:p>
+          </p:txBody>
+        </p:sp>
+      </p:grpSp>
+      <p:grpSp>
+        <p:nvGrpSpPr>
+          <p:cNvPr id="130" name="组合 129"/>
+          <p:cNvGrpSpPr/>
+          <p:nvPr/>
+        </p:nvGrpSpPr>
+        <p:grpSpPr>
+          <a:xfrm>
+            <a:off x="714268" y="3547855"/>
+            <a:ext cx="732350" cy="1299847"/>
+            <a:chOff x="2332053" y="3758870"/>
+            <a:chExt cx="732350" cy="1299847"/>
+          </a:xfrm>
+        </p:grpSpPr>
+        <p:grpSp>
+          <p:nvGrpSpPr>
+            <p:cNvPr id="65" name="组合 64"/>
+            <p:cNvGrpSpPr/>
+            <p:nvPr/>
+          </p:nvGrpSpPr>
+          <p:grpSpPr>
+            <a:xfrm>
+              <a:off x="2332053" y="4720163"/>
+              <a:ext cx="717809" cy="338554"/>
+              <a:chOff x="3246454" y="3196163"/>
+              <a:chExt cx="717809" cy="338554"/>
+            </a:xfrm>
+          </p:grpSpPr>
+          <p:sp>
+            <p:nvSpPr>
+              <p:cNvPr id="63" name="椭圆 62"/>
+              <p:cNvSpPr/>
+              <p:nvPr/>
+            </p:nvSpPr>
+            <p:spPr>
+              <a:xfrm>
+                <a:off x="3807261" y="3255317"/>
+                <a:ext cx="157002" cy="157002"/>
+              </a:xfrm>
+              <a:prstGeom prst="ellipse">
+                <a:avLst/>
+              </a:prstGeom>
+              <a:solidFill>
+                <a:schemeClr val="accent1"/>
+              </a:solidFill>
+            </p:spPr>
+            <p:style>
+              <a:lnRef idx="2">
+                <a:schemeClr val="accent1">
+                  <a:shade val="50000"/>
+                </a:schemeClr>
+              </a:lnRef>
+              <a:fillRef idx="1">
+                <a:schemeClr val="accent1"/>
+              </a:fillRef>
+              <a:effectRef idx="0">
+                <a:schemeClr val="accent1"/>
+              </a:effectRef>
+              <a:fontRef idx="minor">
+                <a:schemeClr val="lt1"/>
+              </a:fontRef>
+            </p:style>
+            <p:txBody>
+              <a:bodyPr rtlCol="0" anchor="ctr"/>
+              <a:lstStyle/>
+              <a:p>
+                <a:pPr algn="ctr"/>
+                <a:endParaRPr lang="zh-CN" altLang="en-US" spc="300" dirty="0"/>
+              </a:p>
+            </p:txBody>
+          </p:sp>
+          <p:sp>
+            <p:nvSpPr>
+              <p:cNvPr id="64" name="文本框 63"/>
+              <p:cNvSpPr txBox="1"/>
+              <p:nvPr/>
+            </p:nvSpPr>
+            <p:spPr>
+              <a:xfrm>
+                <a:off x="3246454" y="3196163"/>
+                <a:ext cx="591670" cy="338554"/>
+              </a:xfrm>
+              <a:prstGeom prst="rect">
+                <a:avLst/>
+              </a:prstGeom>
+              <a:noFill/>
+            </p:spPr>
+            <p:txBody>
+              <a:bodyPr wrap="square" rtlCol="0">
+                <a:spAutoFit/>
+              </a:bodyPr>
+              <a:lstStyle/>
+              <a:p>
+                <a:pPr algn="ctr"/>
+                <a:r>
+                  <a:rPr lang="en-US" altLang="zh-CN" sz="1600" b="1" i="1" dirty="0" smtClean="0">
+                    <a:solidFill>
+                      <a:srgbClr val="FF0000"/>
+                    </a:solidFill>
+                  </a:rPr>
+                  <a:t>v1</a:t>
+                </a:r>
+                <a:endParaRPr lang="zh-CN" altLang="en-US" sz="1600" b="1" i="1" dirty="0">
+                  <a:solidFill>
+                    <a:srgbClr val="FF0000"/>
+                  </a:solidFill>
+                </a:endParaRPr>
+              </a:p>
+            </p:txBody>
+          </p:sp>
+        </p:grpSp>
+        <p:grpSp>
+          <p:nvGrpSpPr>
+            <p:cNvPr id="87" name="组合 86"/>
+            <p:cNvGrpSpPr/>
+            <p:nvPr/>
+          </p:nvGrpSpPr>
+          <p:grpSpPr>
+            <a:xfrm>
+              <a:off x="2343778" y="3758870"/>
+              <a:ext cx="706085" cy="338554"/>
+              <a:chOff x="3258178" y="3172717"/>
+              <a:chExt cx="706085" cy="338554"/>
+            </a:xfrm>
+          </p:grpSpPr>
+          <p:sp>
+            <p:nvSpPr>
+              <p:cNvPr id="88" name="椭圆 87"/>
+              <p:cNvSpPr/>
+              <p:nvPr/>
+            </p:nvSpPr>
+            <p:spPr>
+              <a:xfrm>
+                <a:off x="3807261" y="3255317"/>
+                <a:ext cx="157002" cy="157002"/>
+              </a:xfrm>
+              <a:prstGeom prst="ellipse">
+                <a:avLst/>
+              </a:prstGeom>
+              <a:solidFill>
+                <a:schemeClr val="accent1"/>
+              </a:solidFill>
+            </p:spPr>
+            <p:style>
+              <a:lnRef idx="2">
+                <a:schemeClr val="accent1">
+                  <a:shade val="50000"/>
+                </a:schemeClr>
+              </a:lnRef>
+              <a:fillRef idx="1">
+                <a:schemeClr val="accent1"/>
+              </a:fillRef>
+              <a:effectRef idx="0">
+                <a:schemeClr val="accent1"/>
+              </a:effectRef>
+              <a:fontRef idx="minor">
+                <a:schemeClr val="lt1"/>
+              </a:fontRef>
+            </p:style>
+            <p:txBody>
+              <a:bodyPr rtlCol="0" anchor="ctr"/>
+              <a:lstStyle/>
+              <a:p>
+                <a:pPr algn="ctr"/>
+                <a:endParaRPr lang="zh-CN" altLang="en-US" spc="300" dirty="0"/>
+              </a:p>
+            </p:txBody>
+          </p:sp>
+          <p:sp>
+            <p:nvSpPr>
+              <p:cNvPr id="89" name="文本框 88"/>
+              <p:cNvSpPr txBox="1"/>
+              <p:nvPr/>
+            </p:nvSpPr>
+            <p:spPr>
+              <a:xfrm>
+                <a:off x="3258178" y="3172717"/>
+                <a:ext cx="591670" cy="338554"/>
+              </a:xfrm>
+              <a:prstGeom prst="rect">
+                <a:avLst/>
+              </a:prstGeom>
+              <a:noFill/>
+            </p:spPr>
+            <p:txBody>
+              <a:bodyPr wrap="square" rtlCol="0">
+                <a:spAutoFit/>
+              </a:bodyPr>
+              <a:lstStyle/>
+              <a:p>
+                <a:pPr algn="ctr"/>
+                <a:r>
+                  <a:rPr lang="en-US" altLang="zh-CN" sz="1600" b="1" i="1" dirty="0" smtClean="0"/>
+                  <a:t>v5</a:t>
+                </a:r>
+                <a:endParaRPr lang="zh-CN" altLang="en-US" sz="1600" b="1" i="1" dirty="0"/>
+              </a:p>
+            </p:txBody>
+          </p:sp>
+        </p:grpSp>
+        <p:cxnSp>
+          <p:nvCxnSpPr>
+            <p:cNvPr id="102" name="直接连接符 101"/>
+            <p:cNvCxnSpPr>
+              <a:stCxn id="88" idx="4"/>
+              <a:endCxn id="63" idx="0"/>
+            </p:cNvCxnSpPr>
+            <p:nvPr/>
+          </p:nvCxnSpPr>
+          <p:spPr>
+            <a:xfrm flipH="1">
+              <a:off x="2971361" y="3998472"/>
+              <a:ext cx="1" cy="780845"/>
+            </a:xfrm>
+            <a:prstGeom prst="line">
+              <a:avLst/>
+            </a:prstGeom>
+            <a:ln w="22225">
+              <a:tailEnd type="none" w="med" len="sm"/>
+            </a:ln>
+          </p:spPr>
+          <p:style>
+            <a:lnRef idx="3">
+              <a:schemeClr val="dk1"/>
+            </a:lnRef>
+            <a:fillRef idx="0">
+              <a:schemeClr val="dk1"/>
+            </a:fillRef>
+            <a:effectRef idx="2">
+              <a:schemeClr val="dk1"/>
+            </a:effectRef>
+            <a:fontRef idx="minor">
+              <a:schemeClr val="tx1"/>
+            </a:fontRef>
+          </p:style>
+        </p:cxnSp>
+        <p:sp>
+          <p:nvSpPr>
+            <p:cNvPr id="125" name="文本框 124"/>
+            <p:cNvSpPr txBox="1"/>
+            <p:nvPr/>
+          </p:nvSpPr>
+          <p:spPr>
+            <a:xfrm>
+              <a:off x="2472733" y="4274685"/>
+              <a:ext cx="591670" cy="338554"/>
+            </a:xfrm>
+            <a:prstGeom prst="rect">
+              <a:avLst/>
+            </a:prstGeom>
+            <a:noFill/>
+          </p:spPr>
+          <p:txBody>
+            <a:bodyPr wrap="square" rtlCol="0">
+              <a:spAutoFit/>
+            </a:bodyPr>
+            <a:lstStyle/>
+            <a:p>
+              <a:pPr algn="ctr"/>
+              <a:r>
+                <a:rPr lang="en-US" altLang="zh-CN" sz="1600" b="1" i="1" dirty="0" smtClean="0"/>
+                <a:t>1</a:t>
+              </a:r>
+              <a:endParaRPr lang="zh-CN" altLang="en-US" sz="1600" b="1" i="1" dirty="0"/>
+            </a:p>
+          </p:txBody>
+        </p:sp>
+      </p:grpSp>
+      <p:grpSp>
+        <p:nvGrpSpPr>
+          <p:cNvPr id="129" name="组合 128"/>
+          <p:cNvGrpSpPr/>
+          <p:nvPr/>
+        </p:nvGrpSpPr>
+        <p:grpSpPr>
+          <a:xfrm>
+            <a:off x="1534884" y="3571302"/>
+            <a:ext cx="814411" cy="1229507"/>
+            <a:chOff x="3422299" y="3758871"/>
+            <a:chExt cx="814411" cy="1229507"/>
+          </a:xfrm>
+        </p:grpSpPr>
+        <p:grpSp>
+          <p:nvGrpSpPr>
+            <p:cNvPr id="66" name="组合 65"/>
+            <p:cNvGrpSpPr/>
+            <p:nvPr/>
+          </p:nvGrpSpPr>
+          <p:grpSpPr>
+            <a:xfrm>
+              <a:off x="3422299" y="4649824"/>
+              <a:ext cx="729532" cy="338554"/>
+              <a:chOff x="3234731" y="3160994"/>
+              <a:chExt cx="729532" cy="338554"/>
+            </a:xfrm>
+          </p:grpSpPr>
+          <p:sp>
+            <p:nvSpPr>
+              <p:cNvPr id="67" name="椭圆 66"/>
+              <p:cNvSpPr/>
+              <p:nvPr/>
+            </p:nvSpPr>
+            <p:spPr>
+              <a:xfrm>
+                <a:off x="3807261" y="3255317"/>
+                <a:ext cx="157002" cy="157002"/>
+              </a:xfrm>
+              <a:prstGeom prst="ellipse">
+                <a:avLst/>
+              </a:prstGeom>
+              <a:solidFill>
+                <a:schemeClr val="accent1"/>
+              </a:solidFill>
+            </p:spPr>
+            <p:style>
+              <a:lnRef idx="2">
+                <a:schemeClr val="accent1">
+                  <a:shade val="50000"/>
+                </a:schemeClr>
+              </a:lnRef>
+              <a:fillRef idx="1">
+                <a:schemeClr val="accent1"/>
+              </a:fillRef>
+              <a:effectRef idx="0">
+                <a:schemeClr val="accent1"/>
+              </a:effectRef>
+              <a:fontRef idx="minor">
+                <a:schemeClr val="lt1"/>
+              </a:fontRef>
+            </p:style>
+            <p:txBody>
+              <a:bodyPr rtlCol="0" anchor="ctr"/>
+              <a:lstStyle/>
+              <a:p>
+                <a:pPr algn="ctr"/>
+                <a:endParaRPr lang="zh-CN" altLang="en-US" spc="300" dirty="0"/>
+              </a:p>
+            </p:txBody>
+          </p:sp>
+          <p:sp>
+            <p:nvSpPr>
+              <p:cNvPr id="68" name="文本框 67"/>
+              <p:cNvSpPr txBox="1"/>
+              <p:nvPr/>
+            </p:nvSpPr>
+            <p:spPr>
+              <a:xfrm>
+                <a:off x="3234731" y="3160994"/>
+                <a:ext cx="591670" cy="338554"/>
+              </a:xfrm>
+              <a:prstGeom prst="rect">
+                <a:avLst/>
+              </a:prstGeom>
+              <a:noFill/>
+            </p:spPr>
+            <p:txBody>
+              <a:bodyPr wrap="square" rtlCol="0">
+                <a:spAutoFit/>
+              </a:bodyPr>
+              <a:lstStyle/>
+              <a:p>
+                <a:pPr algn="ctr"/>
+                <a:r>
+                  <a:rPr lang="en-US" altLang="zh-CN" sz="1600" b="1" i="1" dirty="0" smtClean="0">
+                    <a:solidFill>
+                      <a:srgbClr val="FF0000"/>
+                    </a:solidFill>
+                  </a:rPr>
+                  <a:t>v2</a:t>
+                </a:r>
+                <a:endParaRPr lang="zh-CN" altLang="en-US" sz="1600" b="1" i="1" dirty="0">
+                  <a:solidFill>
+                    <a:srgbClr val="FF0000"/>
+                  </a:solidFill>
+                </a:endParaRPr>
+              </a:p>
+            </p:txBody>
+          </p:sp>
+        </p:grpSp>
+        <p:grpSp>
+          <p:nvGrpSpPr>
+            <p:cNvPr id="90" name="组合 89"/>
+            <p:cNvGrpSpPr/>
+            <p:nvPr/>
+          </p:nvGrpSpPr>
+          <p:grpSpPr>
+            <a:xfrm>
+              <a:off x="3504361" y="3758871"/>
+              <a:ext cx="659193" cy="338554"/>
+              <a:chOff x="3305070" y="3160994"/>
+              <a:chExt cx="659193" cy="338554"/>
+            </a:xfrm>
+          </p:grpSpPr>
+          <p:sp>
+            <p:nvSpPr>
+              <p:cNvPr id="91" name="椭圆 90"/>
+              <p:cNvSpPr/>
+              <p:nvPr/>
+            </p:nvSpPr>
+            <p:spPr>
+              <a:xfrm>
+                <a:off x="3807261" y="3255317"/>
+                <a:ext cx="157002" cy="157002"/>
+              </a:xfrm>
+              <a:prstGeom prst="ellipse">
+                <a:avLst/>
+              </a:prstGeom>
+              <a:solidFill>
+                <a:schemeClr val="accent1"/>
+              </a:solidFill>
+            </p:spPr>
+            <p:style>
+              <a:lnRef idx="2">
+                <a:schemeClr val="accent1">
+                  <a:shade val="50000"/>
+                </a:schemeClr>
+              </a:lnRef>
+              <a:fillRef idx="1">
+                <a:schemeClr val="accent1"/>
+              </a:fillRef>
+              <a:effectRef idx="0">
+                <a:schemeClr val="accent1"/>
+              </a:effectRef>
+              <a:fontRef idx="minor">
+                <a:schemeClr val="lt1"/>
+              </a:fontRef>
+            </p:style>
+            <p:txBody>
+              <a:bodyPr rtlCol="0" anchor="ctr"/>
+              <a:lstStyle/>
+              <a:p>
+                <a:pPr algn="ctr"/>
+                <a:endParaRPr lang="zh-CN" altLang="en-US" spc="300" dirty="0"/>
+              </a:p>
+            </p:txBody>
+          </p:sp>
+          <p:sp>
+            <p:nvSpPr>
+              <p:cNvPr id="92" name="文本框 91"/>
+              <p:cNvSpPr txBox="1"/>
+              <p:nvPr/>
+            </p:nvSpPr>
+            <p:spPr>
+              <a:xfrm>
+                <a:off x="3305070" y="3160994"/>
+                <a:ext cx="591670" cy="338554"/>
+              </a:xfrm>
+              <a:prstGeom prst="rect">
+                <a:avLst/>
+              </a:prstGeom>
+              <a:noFill/>
+            </p:spPr>
+            <p:txBody>
+              <a:bodyPr wrap="square" rtlCol="0">
+                <a:spAutoFit/>
+              </a:bodyPr>
+              <a:lstStyle/>
+              <a:p>
+                <a:pPr algn="ctr"/>
+                <a:r>
+                  <a:rPr lang="en-US" altLang="zh-CN" sz="1600" b="1" i="1" dirty="0" smtClean="0"/>
+                  <a:t>v5</a:t>
+                </a:r>
+                <a:endParaRPr lang="zh-CN" altLang="en-US" sz="1600" b="1" i="1" dirty="0"/>
+              </a:p>
+            </p:txBody>
+          </p:sp>
+        </p:grpSp>
+        <p:cxnSp>
+          <p:nvCxnSpPr>
+            <p:cNvPr id="95" name="直接连接符 94"/>
+            <p:cNvCxnSpPr>
+              <a:stCxn id="91" idx="4"/>
+              <a:endCxn id="67" idx="0"/>
+            </p:cNvCxnSpPr>
+            <p:nvPr/>
+          </p:nvCxnSpPr>
+          <p:spPr>
+            <a:xfrm flipH="1">
+              <a:off x="4073330" y="4010196"/>
+              <a:ext cx="11723" cy="733951"/>
+            </a:xfrm>
+            <a:prstGeom prst="line">
+              <a:avLst/>
+            </a:prstGeom>
+            <a:ln w="22225">
+              <a:tailEnd type="none" w="med" len="sm"/>
+            </a:ln>
+          </p:spPr>
+          <p:style>
+            <a:lnRef idx="3">
+              <a:schemeClr val="dk1"/>
+            </a:lnRef>
+            <a:fillRef idx="0">
+              <a:schemeClr val="dk1"/>
+            </a:fillRef>
+            <a:effectRef idx="2">
+              <a:schemeClr val="dk1"/>
+            </a:effectRef>
+            <a:fontRef idx="minor">
+              <a:schemeClr val="tx1"/>
+            </a:fontRef>
+          </p:style>
+        </p:cxnSp>
+        <p:sp>
+          <p:nvSpPr>
+            <p:cNvPr id="126" name="文本框 125"/>
+            <p:cNvSpPr txBox="1"/>
+            <p:nvPr/>
+          </p:nvSpPr>
+          <p:spPr>
+            <a:xfrm>
+              <a:off x="3645040" y="4216070"/>
+              <a:ext cx="591670" cy="338554"/>
+            </a:xfrm>
+            <a:prstGeom prst="rect">
+              <a:avLst/>
+            </a:prstGeom>
+            <a:noFill/>
+          </p:spPr>
+          <p:txBody>
+            <a:bodyPr wrap="square" rtlCol="0">
+              <a:spAutoFit/>
+            </a:bodyPr>
+            <a:lstStyle/>
+            <a:p>
+              <a:pPr algn="ctr"/>
+              <a:r>
+                <a:rPr lang="en-US" altLang="zh-CN" sz="1600" b="1" i="1" dirty="0" smtClean="0"/>
+                <a:t>1</a:t>
+              </a:r>
+              <a:endParaRPr lang="zh-CN" altLang="en-US" sz="1600" b="1" i="1" dirty="0"/>
+            </a:p>
+          </p:txBody>
+        </p:sp>
+      </p:grpSp>
+      <p:grpSp>
+        <p:nvGrpSpPr>
+          <p:cNvPr id="128" name="组合 127"/>
+          <p:cNvGrpSpPr/>
+          <p:nvPr/>
+        </p:nvGrpSpPr>
+        <p:grpSpPr>
+          <a:xfrm>
+            <a:off x="4793897" y="3782317"/>
+            <a:ext cx="741255" cy="1229507"/>
+            <a:chOff x="4266360" y="3758871"/>
+            <a:chExt cx="741255" cy="1229507"/>
+          </a:xfrm>
+        </p:grpSpPr>
+        <p:grpSp>
+          <p:nvGrpSpPr>
+            <p:cNvPr id="115" name="组合 114"/>
+            <p:cNvGrpSpPr/>
+            <p:nvPr/>
+          </p:nvGrpSpPr>
+          <p:grpSpPr>
+            <a:xfrm>
+              <a:off x="4266360" y="4649824"/>
+              <a:ext cx="729532" cy="338554"/>
+              <a:chOff x="3234731" y="3160994"/>
+              <a:chExt cx="729532" cy="338554"/>
+            </a:xfrm>
+          </p:grpSpPr>
+          <p:sp>
+            <p:nvSpPr>
+              <p:cNvPr id="116" name="椭圆 115"/>
+              <p:cNvSpPr/>
+              <p:nvPr/>
+            </p:nvSpPr>
+            <p:spPr>
+              <a:xfrm>
+                <a:off x="3807261" y="3255317"/>
+                <a:ext cx="157002" cy="157002"/>
+              </a:xfrm>
+              <a:prstGeom prst="ellipse">
+                <a:avLst/>
+              </a:prstGeom>
+              <a:solidFill>
+                <a:schemeClr val="accent1"/>
+              </a:solidFill>
+            </p:spPr>
+            <p:style>
+              <a:lnRef idx="2">
+                <a:schemeClr val="accent1">
+                  <a:shade val="50000"/>
+                </a:schemeClr>
+              </a:lnRef>
+              <a:fillRef idx="1">
+                <a:schemeClr val="accent1"/>
+              </a:fillRef>
+              <a:effectRef idx="0">
+                <a:schemeClr val="accent1"/>
+              </a:effectRef>
+              <a:fontRef idx="minor">
+                <a:schemeClr val="lt1"/>
+              </a:fontRef>
+            </p:style>
+            <p:txBody>
+              <a:bodyPr rtlCol="0" anchor="ctr"/>
+              <a:lstStyle/>
+              <a:p>
+                <a:pPr algn="ctr"/>
+                <a:endParaRPr lang="zh-CN" altLang="en-US" spc="300" dirty="0"/>
+              </a:p>
+            </p:txBody>
+          </p:sp>
+          <p:sp>
+            <p:nvSpPr>
+              <p:cNvPr id="117" name="文本框 116"/>
+              <p:cNvSpPr txBox="1"/>
+              <p:nvPr/>
+            </p:nvSpPr>
+            <p:spPr>
+              <a:xfrm>
+                <a:off x="3234731" y="3160994"/>
+                <a:ext cx="591670" cy="338554"/>
+              </a:xfrm>
+              <a:prstGeom prst="rect">
+                <a:avLst/>
+              </a:prstGeom>
+              <a:noFill/>
+            </p:spPr>
+            <p:txBody>
+              <a:bodyPr wrap="square" rtlCol="0">
+                <a:spAutoFit/>
+              </a:bodyPr>
+              <a:lstStyle/>
+              <a:p>
+                <a:pPr algn="ctr"/>
+                <a:r>
+                  <a:rPr lang="en-US" altLang="zh-CN" sz="1600" b="1" i="1" dirty="0" smtClean="0">
+                    <a:solidFill>
+                      <a:srgbClr val="FF0000"/>
+                    </a:solidFill>
+                  </a:rPr>
+                  <a:t>v2</a:t>
+                </a:r>
+                <a:endParaRPr lang="zh-CN" altLang="en-US" sz="1600" b="1" i="1" dirty="0">
+                  <a:solidFill>
+                    <a:srgbClr val="FF0000"/>
+                  </a:solidFill>
+                </a:endParaRPr>
+              </a:p>
+            </p:txBody>
+          </p:sp>
+        </p:grpSp>
+        <p:grpSp>
+          <p:nvGrpSpPr>
+            <p:cNvPr id="118" name="组合 117"/>
+            <p:cNvGrpSpPr/>
+            <p:nvPr/>
+          </p:nvGrpSpPr>
+          <p:grpSpPr>
+            <a:xfrm>
+              <a:off x="4348422" y="3758871"/>
+              <a:ext cx="659193" cy="338554"/>
+              <a:chOff x="3305070" y="3160994"/>
+              <a:chExt cx="659193" cy="338554"/>
+            </a:xfrm>
+          </p:grpSpPr>
+          <p:sp>
+            <p:nvSpPr>
+              <p:cNvPr id="119" name="椭圆 118"/>
+              <p:cNvSpPr/>
+              <p:nvPr/>
+            </p:nvSpPr>
+            <p:spPr>
+              <a:xfrm>
+                <a:off x="3807261" y="3255317"/>
+                <a:ext cx="157002" cy="157002"/>
+              </a:xfrm>
+              <a:prstGeom prst="ellipse">
+                <a:avLst/>
+              </a:prstGeom>
+              <a:solidFill>
+                <a:schemeClr val="accent1"/>
+              </a:solidFill>
+            </p:spPr>
+            <p:style>
+              <a:lnRef idx="2">
+                <a:schemeClr val="accent1">
+                  <a:shade val="50000"/>
+                </a:schemeClr>
+              </a:lnRef>
+              <a:fillRef idx="1">
+                <a:schemeClr val="accent1"/>
+              </a:fillRef>
+              <a:effectRef idx="0">
+                <a:schemeClr val="accent1"/>
+              </a:effectRef>
+              <a:fontRef idx="minor">
+                <a:schemeClr val="lt1"/>
+              </a:fontRef>
+            </p:style>
+            <p:txBody>
+              <a:bodyPr rtlCol="0" anchor="ctr"/>
+              <a:lstStyle/>
+              <a:p>
+                <a:pPr algn="ctr"/>
+                <a:endParaRPr lang="zh-CN" altLang="en-US" spc="300" dirty="0"/>
+              </a:p>
+            </p:txBody>
+          </p:sp>
+          <p:sp>
+            <p:nvSpPr>
+              <p:cNvPr id="120" name="文本框 119"/>
+              <p:cNvSpPr txBox="1"/>
+              <p:nvPr/>
+            </p:nvSpPr>
+            <p:spPr>
+              <a:xfrm>
+                <a:off x="3305070" y="3160994"/>
+                <a:ext cx="591670" cy="338554"/>
+              </a:xfrm>
+              <a:prstGeom prst="rect">
+                <a:avLst/>
+              </a:prstGeom>
+              <a:noFill/>
+            </p:spPr>
+            <p:txBody>
+              <a:bodyPr wrap="square" rtlCol="0">
+                <a:spAutoFit/>
+              </a:bodyPr>
+              <a:lstStyle/>
+              <a:p>
+                <a:pPr algn="ctr"/>
+                <a:r>
+                  <a:rPr lang="en-US" altLang="zh-CN" sz="1600" b="1" i="1" dirty="0" smtClean="0"/>
+                  <a:t>v7</a:t>
+                </a:r>
+                <a:endParaRPr lang="zh-CN" altLang="en-US" sz="1600" b="1" i="1" dirty="0"/>
+              </a:p>
+            </p:txBody>
+          </p:sp>
+        </p:grpSp>
+        <p:cxnSp>
+          <p:nvCxnSpPr>
+            <p:cNvPr id="121" name="直接连接符 120"/>
+            <p:cNvCxnSpPr>
+              <a:stCxn id="119" idx="4"/>
+              <a:endCxn id="116" idx="0"/>
+            </p:cNvCxnSpPr>
+            <p:nvPr/>
+          </p:nvCxnSpPr>
+          <p:spPr>
+            <a:xfrm flipH="1">
+              <a:off x="4917391" y="4010196"/>
+              <a:ext cx="11723" cy="733951"/>
+            </a:xfrm>
+            <a:prstGeom prst="line">
+              <a:avLst/>
+            </a:prstGeom>
+            <a:ln w="22225">
+              <a:tailEnd type="none" w="med" len="sm"/>
+            </a:ln>
+          </p:spPr>
+          <p:style>
+            <a:lnRef idx="3">
+              <a:schemeClr val="dk1"/>
+            </a:lnRef>
+            <a:fillRef idx="0">
+              <a:schemeClr val="dk1"/>
+            </a:fillRef>
+            <a:effectRef idx="2">
+              <a:schemeClr val="dk1"/>
+            </a:effectRef>
+            <a:fontRef idx="minor">
+              <a:schemeClr val="tx1"/>
+            </a:fontRef>
+          </p:style>
+        </p:cxnSp>
+        <p:sp>
+          <p:nvSpPr>
+            <p:cNvPr id="127" name="文本框 126"/>
+            <p:cNvSpPr txBox="1"/>
+            <p:nvPr/>
+          </p:nvSpPr>
+          <p:spPr>
+            <a:xfrm>
+              <a:off x="4395317" y="4204347"/>
+              <a:ext cx="591670" cy="338554"/>
+            </a:xfrm>
+            <a:prstGeom prst="rect">
+              <a:avLst/>
+            </a:prstGeom>
+            <a:noFill/>
+          </p:spPr>
+          <p:txBody>
+            <a:bodyPr wrap="square" rtlCol="0">
+              <a:spAutoFit/>
+            </a:bodyPr>
+            <a:lstStyle/>
+            <a:p>
+              <a:pPr algn="ctr"/>
+              <a:r>
+                <a:rPr lang="en-US" altLang="zh-CN" sz="1600" b="1" i="1" dirty="0" smtClean="0"/>
+                <a:t>4</a:t>
+              </a:r>
+              <a:endParaRPr lang="zh-CN" altLang="en-US" sz="1600" b="1" i="1" dirty="0"/>
+            </a:p>
+          </p:txBody>
+        </p:sp>
+      </p:grpSp>
+      <p:grpSp>
+        <p:nvGrpSpPr>
+          <p:cNvPr id="132" name="组合 131"/>
+          <p:cNvGrpSpPr/>
+          <p:nvPr/>
+        </p:nvGrpSpPr>
+        <p:grpSpPr>
+          <a:xfrm>
+            <a:off x="2367222" y="3594748"/>
+            <a:ext cx="814411" cy="1229507"/>
+            <a:chOff x="3422299" y="3758871"/>
+            <a:chExt cx="814411" cy="1229507"/>
+          </a:xfrm>
+        </p:grpSpPr>
+        <p:grpSp>
+          <p:nvGrpSpPr>
+            <p:cNvPr id="133" name="组合 132"/>
+            <p:cNvGrpSpPr/>
+            <p:nvPr/>
+          </p:nvGrpSpPr>
+          <p:grpSpPr>
+            <a:xfrm>
+              <a:off x="3422299" y="4649824"/>
+              <a:ext cx="729532" cy="338554"/>
+              <a:chOff x="3234731" y="3160994"/>
+              <a:chExt cx="729532" cy="338554"/>
+            </a:xfrm>
+          </p:grpSpPr>
+          <p:sp>
+            <p:nvSpPr>
+              <p:cNvPr id="139" name="椭圆 138"/>
+              <p:cNvSpPr/>
+              <p:nvPr/>
+            </p:nvSpPr>
+            <p:spPr>
+              <a:xfrm>
+                <a:off x="3807261" y="3255317"/>
+                <a:ext cx="157002" cy="157002"/>
+              </a:xfrm>
+              <a:prstGeom prst="ellipse">
+                <a:avLst/>
+              </a:prstGeom>
+              <a:solidFill>
+                <a:schemeClr val="accent1"/>
+              </a:solidFill>
+            </p:spPr>
+            <p:style>
+              <a:lnRef idx="2">
+                <a:schemeClr val="accent1">
+                  <a:shade val="50000"/>
+                </a:schemeClr>
+              </a:lnRef>
+              <a:fillRef idx="1">
+                <a:schemeClr val="accent1"/>
+              </a:fillRef>
+              <a:effectRef idx="0">
+                <a:schemeClr val="accent1"/>
+              </a:effectRef>
+              <a:fontRef idx="minor">
+                <a:schemeClr val="lt1"/>
+              </a:fontRef>
+            </p:style>
+            <p:txBody>
+              <a:bodyPr rtlCol="0" anchor="ctr"/>
+              <a:lstStyle/>
+              <a:p>
+                <a:pPr algn="ctr"/>
+                <a:endParaRPr lang="zh-CN" altLang="en-US" spc="300" dirty="0"/>
+              </a:p>
+            </p:txBody>
+          </p:sp>
+          <p:sp>
+            <p:nvSpPr>
+              <p:cNvPr id="140" name="文本框 139"/>
+              <p:cNvSpPr txBox="1"/>
+              <p:nvPr/>
+            </p:nvSpPr>
+            <p:spPr>
+              <a:xfrm>
+                <a:off x="3234731" y="3160994"/>
+                <a:ext cx="591670" cy="338554"/>
+              </a:xfrm>
+              <a:prstGeom prst="rect">
+                <a:avLst/>
+              </a:prstGeom>
+              <a:noFill/>
+            </p:spPr>
+            <p:txBody>
+              <a:bodyPr wrap="square" rtlCol="0">
+                <a:spAutoFit/>
+              </a:bodyPr>
+              <a:lstStyle/>
+              <a:p>
+                <a:pPr algn="ctr"/>
+                <a:r>
+                  <a:rPr lang="en-US" altLang="zh-CN" sz="1600" b="1" i="1" dirty="0" smtClean="0">
+                    <a:solidFill>
+                      <a:srgbClr val="FF0000"/>
+                    </a:solidFill>
+                  </a:rPr>
+                  <a:t>v3</a:t>
+                </a:r>
+                <a:endParaRPr lang="zh-CN" altLang="en-US" sz="1600" b="1" i="1" dirty="0">
+                  <a:solidFill>
+                    <a:srgbClr val="FF0000"/>
+                  </a:solidFill>
+                </a:endParaRPr>
+              </a:p>
+            </p:txBody>
+          </p:sp>
+        </p:grpSp>
+        <p:grpSp>
+          <p:nvGrpSpPr>
+            <p:cNvPr id="134" name="组合 133"/>
+            <p:cNvGrpSpPr/>
+            <p:nvPr/>
+          </p:nvGrpSpPr>
+          <p:grpSpPr>
+            <a:xfrm>
+              <a:off x="3504361" y="3758871"/>
+              <a:ext cx="659193" cy="338554"/>
+              <a:chOff x="3305070" y="3160994"/>
+              <a:chExt cx="659193" cy="338554"/>
+            </a:xfrm>
+          </p:grpSpPr>
+          <p:sp>
+            <p:nvSpPr>
+              <p:cNvPr id="137" name="椭圆 136"/>
+              <p:cNvSpPr/>
+              <p:nvPr/>
+            </p:nvSpPr>
+            <p:spPr>
+              <a:xfrm>
+                <a:off x="3807261" y="3255317"/>
+                <a:ext cx="157002" cy="157002"/>
+              </a:xfrm>
+              <a:prstGeom prst="ellipse">
+                <a:avLst/>
+              </a:prstGeom>
+              <a:solidFill>
+                <a:schemeClr val="accent1"/>
+              </a:solidFill>
+            </p:spPr>
+            <p:style>
+              <a:lnRef idx="2">
+                <a:schemeClr val="accent1">
+                  <a:shade val="50000"/>
+                </a:schemeClr>
+              </a:lnRef>
+              <a:fillRef idx="1">
+                <a:schemeClr val="accent1"/>
+              </a:fillRef>
+              <a:effectRef idx="0">
+                <a:schemeClr val="accent1"/>
+              </a:effectRef>
+              <a:fontRef idx="minor">
+                <a:schemeClr val="lt1"/>
+              </a:fontRef>
+            </p:style>
+            <p:txBody>
+              <a:bodyPr rtlCol="0" anchor="ctr"/>
+              <a:lstStyle/>
+              <a:p>
+                <a:pPr algn="ctr"/>
+                <a:endParaRPr lang="zh-CN" altLang="en-US" spc="300" dirty="0"/>
+              </a:p>
+            </p:txBody>
+          </p:sp>
+          <p:sp>
+            <p:nvSpPr>
+              <p:cNvPr id="138" name="文本框 137"/>
+              <p:cNvSpPr txBox="1"/>
+              <p:nvPr/>
+            </p:nvSpPr>
+            <p:spPr>
+              <a:xfrm>
+                <a:off x="3305070" y="3160994"/>
+                <a:ext cx="591670" cy="338554"/>
+              </a:xfrm>
+              <a:prstGeom prst="rect">
+                <a:avLst/>
+              </a:prstGeom>
+              <a:noFill/>
+            </p:spPr>
+            <p:txBody>
+              <a:bodyPr wrap="square" rtlCol="0">
+                <a:spAutoFit/>
+              </a:bodyPr>
+              <a:lstStyle/>
+              <a:p>
+                <a:pPr algn="ctr"/>
+                <a:r>
+                  <a:rPr lang="en-US" altLang="zh-CN" sz="1600" b="1" i="1" dirty="0" smtClean="0"/>
+                  <a:t>v6</a:t>
+                </a:r>
+                <a:endParaRPr lang="zh-CN" altLang="en-US" sz="1600" b="1" i="1" dirty="0"/>
+              </a:p>
+            </p:txBody>
+          </p:sp>
+        </p:grpSp>
+        <p:cxnSp>
+          <p:nvCxnSpPr>
+            <p:cNvPr id="135" name="直接连接符 134"/>
+            <p:cNvCxnSpPr>
+              <a:stCxn id="137" idx="4"/>
+              <a:endCxn id="139" idx="0"/>
+            </p:cNvCxnSpPr>
+            <p:nvPr/>
+          </p:nvCxnSpPr>
+          <p:spPr>
+            <a:xfrm flipH="1">
+              <a:off x="4073330" y="4010196"/>
+              <a:ext cx="11723" cy="733951"/>
+            </a:xfrm>
+            <a:prstGeom prst="line">
+              <a:avLst/>
+            </a:prstGeom>
+            <a:ln w="22225">
+              <a:tailEnd type="none" w="med" len="sm"/>
+            </a:ln>
+          </p:spPr>
+          <p:style>
+            <a:lnRef idx="3">
+              <a:schemeClr val="dk1"/>
+            </a:lnRef>
+            <a:fillRef idx="0">
+              <a:schemeClr val="dk1"/>
+            </a:fillRef>
+            <a:effectRef idx="2">
+              <a:schemeClr val="dk1"/>
+            </a:effectRef>
+            <a:fontRef idx="minor">
+              <a:schemeClr val="tx1"/>
+            </a:fontRef>
+          </p:style>
+        </p:cxnSp>
+        <p:sp>
+          <p:nvSpPr>
+            <p:cNvPr id="136" name="文本框 135"/>
+            <p:cNvSpPr txBox="1"/>
+            <p:nvPr/>
+          </p:nvSpPr>
+          <p:spPr>
+            <a:xfrm>
+              <a:off x="3645040" y="4216070"/>
+              <a:ext cx="591670" cy="338554"/>
+            </a:xfrm>
+            <a:prstGeom prst="rect">
+              <a:avLst/>
+            </a:prstGeom>
+            <a:noFill/>
+          </p:spPr>
+          <p:txBody>
+            <a:bodyPr wrap="square" rtlCol="0">
+              <a:spAutoFit/>
+            </a:bodyPr>
+            <a:lstStyle/>
+            <a:p>
+              <a:pPr algn="ctr"/>
+              <a:r>
+                <a:rPr lang="en-US" altLang="zh-CN" sz="1600" b="1" i="1" dirty="0" smtClean="0"/>
+                <a:t>1</a:t>
+              </a:r>
+              <a:endParaRPr lang="zh-CN" altLang="en-US" sz="1600" b="1" i="1" dirty="0"/>
+            </a:p>
+          </p:txBody>
+        </p:sp>
+      </p:grpSp>
+      <p:grpSp>
+        <p:nvGrpSpPr>
+          <p:cNvPr id="141" name="组合 140"/>
+          <p:cNvGrpSpPr/>
+          <p:nvPr/>
+        </p:nvGrpSpPr>
+        <p:grpSpPr>
+          <a:xfrm>
+            <a:off x="5696577" y="3782317"/>
+            <a:ext cx="814411" cy="1229507"/>
+            <a:chOff x="3422299" y="3758871"/>
+            <a:chExt cx="814411" cy="1229507"/>
+          </a:xfrm>
+        </p:grpSpPr>
+        <p:grpSp>
+          <p:nvGrpSpPr>
+            <p:cNvPr id="142" name="组合 141"/>
+            <p:cNvGrpSpPr/>
+            <p:nvPr/>
+          </p:nvGrpSpPr>
+          <p:grpSpPr>
+            <a:xfrm>
+              <a:off x="3422299" y="4649824"/>
+              <a:ext cx="729532" cy="338554"/>
+              <a:chOff x="3234731" y="3160994"/>
+              <a:chExt cx="729532" cy="338554"/>
+            </a:xfrm>
+          </p:grpSpPr>
+          <p:sp>
+            <p:nvSpPr>
+              <p:cNvPr id="148" name="椭圆 147"/>
+              <p:cNvSpPr/>
+              <p:nvPr/>
+            </p:nvSpPr>
+            <p:spPr>
+              <a:xfrm>
+                <a:off x="3807261" y="3255317"/>
+                <a:ext cx="157002" cy="157002"/>
+              </a:xfrm>
+              <a:prstGeom prst="ellipse">
+                <a:avLst/>
+              </a:prstGeom>
+              <a:solidFill>
+                <a:schemeClr val="accent1"/>
+              </a:solidFill>
+            </p:spPr>
+            <p:style>
+              <a:lnRef idx="2">
+                <a:schemeClr val="accent1">
+                  <a:shade val="50000"/>
+                </a:schemeClr>
+              </a:lnRef>
+              <a:fillRef idx="1">
+                <a:schemeClr val="accent1"/>
+              </a:fillRef>
+              <a:effectRef idx="0">
+                <a:schemeClr val="accent1"/>
+              </a:effectRef>
+              <a:fontRef idx="minor">
+                <a:schemeClr val="lt1"/>
+              </a:fontRef>
+            </p:style>
+            <p:txBody>
+              <a:bodyPr rtlCol="0" anchor="ctr"/>
+              <a:lstStyle/>
+              <a:p>
+                <a:pPr algn="ctr"/>
+                <a:endParaRPr lang="zh-CN" altLang="en-US" spc="300" dirty="0"/>
+              </a:p>
+            </p:txBody>
+          </p:sp>
+          <p:sp>
+            <p:nvSpPr>
+              <p:cNvPr id="149" name="文本框 148"/>
+              <p:cNvSpPr txBox="1"/>
+              <p:nvPr/>
+            </p:nvSpPr>
+            <p:spPr>
+              <a:xfrm>
+                <a:off x="3234731" y="3160994"/>
+                <a:ext cx="591670" cy="338554"/>
+              </a:xfrm>
+              <a:prstGeom prst="rect">
+                <a:avLst/>
+              </a:prstGeom>
+              <a:noFill/>
+            </p:spPr>
+            <p:txBody>
+              <a:bodyPr wrap="square" rtlCol="0">
+                <a:spAutoFit/>
+              </a:bodyPr>
+              <a:lstStyle/>
+              <a:p>
+                <a:pPr algn="ctr"/>
+                <a:r>
+                  <a:rPr lang="en-US" altLang="zh-CN" sz="1600" b="1" i="1" dirty="0" smtClean="0">
+                    <a:solidFill>
+                      <a:srgbClr val="FF0000"/>
+                    </a:solidFill>
+                  </a:rPr>
+                  <a:t>v3</a:t>
+                </a:r>
+                <a:endParaRPr lang="zh-CN" altLang="en-US" sz="1600" b="1" i="1" dirty="0">
+                  <a:solidFill>
+                    <a:srgbClr val="FF0000"/>
+                  </a:solidFill>
+                </a:endParaRPr>
+              </a:p>
+            </p:txBody>
+          </p:sp>
+        </p:grpSp>
+        <p:grpSp>
+          <p:nvGrpSpPr>
+            <p:cNvPr id="143" name="组合 142"/>
+            <p:cNvGrpSpPr/>
+            <p:nvPr/>
+          </p:nvGrpSpPr>
+          <p:grpSpPr>
+            <a:xfrm>
+              <a:off x="3504361" y="3758871"/>
+              <a:ext cx="659193" cy="338554"/>
+              <a:chOff x="3305070" y="3160994"/>
+              <a:chExt cx="659193" cy="338554"/>
+            </a:xfrm>
+          </p:grpSpPr>
+          <p:sp>
+            <p:nvSpPr>
+              <p:cNvPr id="146" name="椭圆 145"/>
+              <p:cNvSpPr/>
+              <p:nvPr/>
+            </p:nvSpPr>
+            <p:spPr>
+              <a:xfrm>
+                <a:off x="3807261" y="3255317"/>
+                <a:ext cx="157002" cy="157002"/>
+              </a:xfrm>
+              <a:prstGeom prst="ellipse">
+                <a:avLst/>
+              </a:prstGeom>
+              <a:solidFill>
+                <a:schemeClr val="accent1"/>
+              </a:solidFill>
+            </p:spPr>
+            <p:style>
+              <a:lnRef idx="2">
+                <a:schemeClr val="accent1">
+                  <a:shade val="50000"/>
+                </a:schemeClr>
+              </a:lnRef>
+              <a:fillRef idx="1">
+                <a:schemeClr val="accent1"/>
+              </a:fillRef>
+              <a:effectRef idx="0">
+                <a:schemeClr val="accent1"/>
+              </a:effectRef>
+              <a:fontRef idx="minor">
+                <a:schemeClr val="lt1"/>
+              </a:fontRef>
+            </p:style>
+            <p:txBody>
+              <a:bodyPr rtlCol="0" anchor="ctr"/>
+              <a:lstStyle/>
+              <a:p>
+                <a:pPr algn="ctr"/>
+                <a:endParaRPr lang="zh-CN" altLang="en-US" spc="300" dirty="0"/>
+              </a:p>
+            </p:txBody>
+          </p:sp>
+          <p:sp>
+            <p:nvSpPr>
+              <p:cNvPr id="147" name="文本框 146"/>
+              <p:cNvSpPr txBox="1"/>
+              <p:nvPr/>
+            </p:nvSpPr>
+            <p:spPr>
+              <a:xfrm>
+                <a:off x="3305070" y="3160994"/>
+                <a:ext cx="591670" cy="338554"/>
+              </a:xfrm>
+              <a:prstGeom prst="rect">
+                <a:avLst/>
+              </a:prstGeom>
+              <a:noFill/>
+            </p:spPr>
+            <p:txBody>
+              <a:bodyPr wrap="square" rtlCol="0">
+                <a:spAutoFit/>
+              </a:bodyPr>
+              <a:lstStyle/>
+              <a:p>
+                <a:pPr algn="ctr"/>
+                <a:r>
+                  <a:rPr lang="en-US" altLang="zh-CN" sz="1600" b="1" i="1" dirty="0" smtClean="0"/>
+                  <a:t>v8</a:t>
+                </a:r>
+                <a:endParaRPr lang="zh-CN" altLang="en-US" sz="1600" b="1" i="1" dirty="0"/>
+              </a:p>
+            </p:txBody>
+          </p:sp>
+        </p:grpSp>
+        <p:cxnSp>
+          <p:nvCxnSpPr>
+            <p:cNvPr id="144" name="直接连接符 143"/>
+            <p:cNvCxnSpPr>
+              <a:stCxn id="146" idx="4"/>
+              <a:endCxn id="148" idx="0"/>
+            </p:cNvCxnSpPr>
+            <p:nvPr/>
+          </p:nvCxnSpPr>
+          <p:spPr>
+            <a:xfrm flipH="1">
+              <a:off x="4073330" y="4010196"/>
+              <a:ext cx="11723" cy="733951"/>
+            </a:xfrm>
+            <a:prstGeom prst="line">
+              <a:avLst/>
+            </a:prstGeom>
+            <a:ln w="22225">
+              <a:tailEnd type="none" w="med" len="sm"/>
+            </a:ln>
+          </p:spPr>
+          <p:style>
+            <a:lnRef idx="3">
+              <a:schemeClr val="dk1"/>
+            </a:lnRef>
+            <a:fillRef idx="0">
+              <a:schemeClr val="dk1"/>
+            </a:fillRef>
+            <a:effectRef idx="2">
+              <a:schemeClr val="dk1"/>
+            </a:effectRef>
+            <a:fontRef idx="minor">
+              <a:schemeClr val="tx1"/>
+            </a:fontRef>
+          </p:style>
+        </p:cxnSp>
+        <p:sp>
+          <p:nvSpPr>
+            <p:cNvPr id="145" name="文本框 144"/>
+            <p:cNvSpPr txBox="1"/>
+            <p:nvPr/>
+          </p:nvSpPr>
+          <p:spPr>
+            <a:xfrm>
+              <a:off x="3645040" y="4216070"/>
+              <a:ext cx="591670" cy="338554"/>
+            </a:xfrm>
+            <a:prstGeom prst="rect">
+              <a:avLst/>
+            </a:prstGeom>
+            <a:noFill/>
+          </p:spPr>
+          <p:txBody>
+            <a:bodyPr wrap="square" rtlCol="0">
+              <a:spAutoFit/>
+            </a:bodyPr>
+            <a:lstStyle/>
+            <a:p>
+              <a:pPr algn="ctr"/>
+              <a:r>
+                <a:rPr lang="en-US" altLang="zh-CN" sz="1600" b="1" i="1" dirty="0" smtClean="0"/>
+                <a:t>4</a:t>
+              </a:r>
+              <a:endParaRPr lang="zh-CN" altLang="en-US" sz="1600" b="1" i="1" dirty="0"/>
+            </a:p>
+          </p:txBody>
+        </p:sp>
+      </p:grpSp>
+      <p:grpSp>
+        <p:nvGrpSpPr>
+          <p:cNvPr id="150" name="组合 149"/>
+          <p:cNvGrpSpPr/>
+          <p:nvPr/>
+        </p:nvGrpSpPr>
+        <p:grpSpPr>
+          <a:xfrm>
+            <a:off x="3223007" y="3583025"/>
+            <a:ext cx="814411" cy="1229507"/>
+            <a:chOff x="3422299" y="3758871"/>
+            <a:chExt cx="814411" cy="1229507"/>
+          </a:xfrm>
+        </p:grpSpPr>
+        <p:grpSp>
+          <p:nvGrpSpPr>
+            <p:cNvPr id="151" name="组合 150"/>
+            <p:cNvGrpSpPr/>
+            <p:nvPr/>
+          </p:nvGrpSpPr>
+          <p:grpSpPr>
+            <a:xfrm>
+              <a:off x="3422299" y="4649824"/>
+              <a:ext cx="729532" cy="338554"/>
+              <a:chOff x="3234731" y="3160994"/>
+              <a:chExt cx="729532" cy="338554"/>
+            </a:xfrm>
+          </p:grpSpPr>
+          <p:sp>
+            <p:nvSpPr>
+              <p:cNvPr id="157" name="椭圆 156"/>
+              <p:cNvSpPr/>
+              <p:nvPr/>
+            </p:nvSpPr>
+            <p:spPr>
+              <a:xfrm>
+                <a:off x="3807261" y="3255317"/>
+                <a:ext cx="157002" cy="157002"/>
+              </a:xfrm>
+              <a:prstGeom prst="ellipse">
+                <a:avLst/>
+              </a:prstGeom>
+              <a:solidFill>
+                <a:schemeClr val="accent1"/>
+              </a:solidFill>
+            </p:spPr>
+            <p:style>
+              <a:lnRef idx="2">
+                <a:schemeClr val="accent1">
+                  <a:shade val="50000"/>
+                </a:schemeClr>
+              </a:lnRef>
+              <a:fillRef idx="1">
+                <a:schemeClr val="accent1"/>
+              </a:fillRef>
+              <a:effectRef idx="0">
+                <a:schemeClr val="accent1"/>
+              </a:effectRef>
+              <a:fontRef idx="minor">
+                <a:schemeClr val="lt1"/>
+              </a:fontRef>
+            </p:style>
+            <p:txBody>
+              <a:bodyPr rtlCol="0" anchor="ctr"/>
+              <a:lstStyle/>
+              <a:p>
+                <a:pPr algn="ctr"/>
+                <a:endParaRPr lang="zh-CN" altLang="en-US" spc="300" dirty="0"/>
+              </a:p>
+            </p:txBody>
+          </p:sp>
+          <p:sp>
+            <p:nvSpPr>
+              <p:cNvPr id="158" name="文本框 157"/>
+              <p:cNvSpPr txBox="1"/>
+              <p:nvPr/>
+            </p:nvSpPr>
+            <p:spPr>
+              <a:xfrm>
+                <a:off x="3234731" y="3160994"/>
+                <a:ext cx="591670" cy="338554"/>
+              </a:xfrm>
+              <a:prstGeom prst="rect">
+                <a:avLst/>
+              </a:prstGeom>
+              <a:noFill/>
+            </p:spPr>
+            <p:txBody>
+              <a:bodyPr wrap="square" rtlCol="0">
+                <a:spAutoFit/>
+              </a:bodyPr>
+              <a:lstStyle/>
+              <a:p>
+                <a:pPr algn="ctr"/>
+                <a:r>
+                  <a:rPr lang="en-US" altLang="zh-CN" sz="1600" b="1" i="1" dirty="0" smtClean="0">
+                    <a:solidFill>
+                      <a:srgbClr val="FF0000"/>
+                    </a:solidFill>
+                  </a:rPr>
+                  <a:t>v4</a:t>
+                </a:r>
+                <a:endParaRPr lang="zh-CN" altLang="en-US" sz="1600" b="1" i="1" dirty="0">
+                  <a:solidFill>
+                    <a:srgbClr val="FF0000"/>
+                  </a:solidFill>
+                </a:endParaRPr>
+              </a:p>
+            </p:txBody>
+          </p:sp>
+        </p:grpSp>
+        <p:grpSp>
+          <p:nvGrpSpPr>
+            <p:cNvPr id="152" name="组合 151"/>
+            <p:cNvGrpSpPr/>
+            <p:nvPr/>
+          </p:nvGrpSpPr>
+          <p:grpSpPr>
+            <a:xfrm>
+              <a:off x="3504361" y="3758871"/>
+              <a:ext cx="659193" cy="338554"/>
+              <a:chOff x="3305070" y="3160994"/>
+              <a:chExt cx="659193" cy="338554"/>
+            </a:xfrm>
+          </p:grpSpPr>
+          <p:sp>
+            <p:nvSpPr>
+              <p:cNvPr id="155" name="椭圆 154"/>
+              <p:cNvSpPr/>
+              <p:nvPr/>
+            </p:nvSpPr>
+            <p:spPr>
+              <a:xfrm>
+                <a:off x="3807261" y="3255317"/>
+                <a:ext cx="157002" cy="157002"/>
+              </a:xfrm>
+              <a:prstGeom prst="ellipse">
+                <a:avLst/>
+              </a:prstGeom>
+              <a:solidFill>
+                <a:schemeClr val="accent1"/>
+              </a:solidFill>
+            </p:spPr>
+            <p:style>
+              <a:lnRef idx="2">
+                <a:schemeClr val="accent1">
+                  <a:shade val="50000"/>
+                </a:schemeClr>
+              </a:lnRef>
+              <a:fillRef idx="1">
+                <a:schemeClr val="accent1"/>
+              </a:fillRef>
+              <a:effectRef idx="0">
+                <a:schemeClr val="accent1"/>
+              </a:effectRef>
+              <a:fontRef idx="minor">
+                <a:schemeClr val="lt1"/>
+              </a:fontRef>
+            </p:style>
+            <p:txBody>
+              <a:bodyPr rtlCol="0" anchor="ctr"/>
+              <a:lstStyle/>
+              <a:p>
+                <a:pPr algn="ctr"/>
+                <a:endParaRPr lang="zh-CN" altLang="en-US" spc="300" dirty="0"/>
+              </a:p>
+            </p:txBody>
+          </p:sp>
+          <p:sp>
+            <p:nvSpPr>
+              <p:cNvPr id="156" name="文本框 155"/>
+              <p:cNvSpPr txBox="1"/>
+              <p:nvPr/>
+            </p:nvSpPr>
+            <p:spPr>
+              <a:xfrm>
+                <a:off x="3305070" y="3160994"/>
+                <a:ext cx="591670" cy="338554"/>
+              </a:xfrm>
+              <a:prstGeom prst="rect">
+                <a:avLst/>
+              </a:prstGeom>
+              <a:noFill/>
+            </p:spPr>
+            <p:txBody>
+              <a:bodyPr wrap="square" rtlCol="0">
+                <a:spAutoFit/>
+              </a:bodyPr>
+              <a:lstStyle/>
+              <a:p>
+                <a:pPr algn="ctr"/>
+                <a:r>
+                  <a:rPr lang="en-US" altLang="zh-CN" sz="1600" b="1" i="1" dirty="0" smtClean="0"/>
+                  <a:t>v6</a:t>
+                </a:r>
+                <a:endParaRPr lang="zh-CN" altLang="en-US" sz="1600" b="1" i="1" dirty="0"/>
+              </a:p>
+            </p:txBody>
+          </p:sp>
+        </p:grpSp>
+        <p:cxnSp>
+          <p:nvCxnSpPr>
+            <p:cNvPr id="153" name="直接连接符 152"/>
+            <p:cNvCxnSpPr>
+              <a:stCxn id="155" idx="4"/>
+              <a:endCxn id="157" idx="0"/>
+            </p:cNvCxnSpPr>
+            <p:nvPr/>
+          </p:nvCxnSpPr>
+          <p:spPr>
+            <a:xfrm flipH="1">
+              <a:off x="4073330" y="4010196"/>
+              <a:ext cx="11723" cy="733951"/>
+            </a:xfrm>
+            <a:prstGeom prst="line">
+              <a:avLst/>
+            </a:prstGeom>
+            <a:ln w="22225">
+              <a:tailEnd type="none" w="med" len="sm"/>
+            </a:ln>
+          </p:spPr>
+          <p:style>
+            <a:lnRef idx="3">
+              <a:schemeClr val="dk1"/>
+            </a:lnRef>
+            <a:fillRef idx="0">
+              <a:schemeClr val="dk1"/>
+            </a:fillRef>
+            <a:effectRef idx="2">
+              <a:schemeClr val="dk1"/>
+            </a:effectRef>
+            <a:fontRef idx="minor">
+              <a:schemeClr val="tx1"/>
+            </a:fontRef>
+          </p:style>
+        </p:cxnSp>
+        <p:sp>
+          <p:nvSpPr>
+            <p:cNvPr id="154" name="文本框 153"/>
+            <p:cNvSpPr txBox="1"/>
+            <p:nvPr/>
+          </p:nvSpPr>
+          <p:spPr>
+            <a:xfrm>
+              <a:off x="3645040" y="4216070"/>
+              <a:ext cx="591670" cy="338554"/>
+            </a:xfrm>
+            <a:prstGeom prst="rect">
+              <a:avLst/>
+            </a:prstGeom>
+            <a:noFill/>
+          </p:spPr>
+          <p:txBody>
+            <a:bodyPr wrap="square" rtlCol="0">
+              <a:spAutoFit/>
+            </a:bodyPr>
+            <a:lstStyle/>
+            <a:p>
+              <a:pPr algn="ctr"/>
+              <a:r>
+                <a:rPr lang="en-US" altLang="zh-CN" sz="1600" b="1" i="1" dirty="0" smtClean="0"/>
+                <a:t>1</a:t>
+              </a:r>
+              <a:endParaRPr lang="zh-CN" altLang="en-US" sz="1600" b="1" i="1" dirty="0"/>
+            </a:p>
+          </p:txBody>
+        </p:sp>
+      </p:grpSp>
+      <p:grpSp>
+        <p:nvGrpSpPr>
+          <p:cNvPr id="159" name="组合 158"/>
+          <p:cNvGrpSpPr/>
+          <p:nvPr/>
+        </p:nvGrpSpPr>
+        <p:grpSpPr>
+          <a:xfrm>
+            <a:off x="6575807" y="3864379"/>
+            <a:ext cx="814411" cy="1229507"/>
+            <a:chOff x="3422299" y="3758871"/>
+            <a:chExt cx="814411" cy="1229507"/>
+          </a:xfrm>
+        </p:grpSpPr>
+        <p:grpSp>
+          <p:nvGrpSpPr>
+            <p:cNvPr id="160" name="组合 159"/>
+            <p:cNvGrpSpPr/>
+            <p:nvPr/>
+          </p:nvGrpSpPr>
+          <p:grpSpPr>
+            <a:xfrm>
+              <a:off x="3422299" y="4649824"/>
+              <a:ext cx="729532" cy="338554"/>
+              <a:chOff x="3234731" y="3160994"/>
+              <a:chExt cx="729532" cy="338554"/>
+            </a:xfrm>
+          </p:grpSpPr>
+          <p:sp>
+            <p:nvSpPr>
+              <p:cNvPr id="166" name="椭圆 165"/>
+              <p:cNvSpPr/>
+              <p:nvPr/>
+            </p:nvSpPr>
+            <p:spPr>
+              <a:xfrm>
+                <a:off x="3807261" y="3255317"/>
+                <a:ext cx="157002" cy="157002"/>
+              </a:xfrm>
+              <a:prstGeom prst="ellipse">
+                <a:avLst/>
+              </a:prstGeom>
+              <a:solidFill>
+                <a:schemeClr val="accent1"/>
+              </a:solidFill>
+            </p:spPr>
+            <p:style>
+              <a:lnRef idx="2">
+                <a:schemeClr val="accent1">
+                  <a:shade val="50000"/>
+                </a:schemeClr>
+              </a:lnRef>
+              <a:fillRef idx="1">
+                <a:schemeClr val="accent1"/>
+              </a:fillRef>
+              <a:effectRef idx="0">
+                <a:schemeClr val="accent1"/>
+              </a:effectRef>
+              <a:fontRef idx="minor">
+                <a:schemeClr val="lt1"/>
+              </a:fontRef>
+            </p:style>
+            <p:txBody>
+              <a:bodyPr rtlCol="0" anchor="ctr"/>
+              <a:lstStyle/>
+              <a:p>
+                <a:pPr algn="ctr"/>
+                <a:endParaRPr lang="zh-CN" altLang="en-US" spc="300" dirty="0"/>
+              </a:p>
+            </p:txBody>
+          </p:sp>
+          <p:sp>
+            <p:nvSpPr>
+              <p:cNvPr id="167" name="文本框 166"/>
+              <p:cNvSpPr txBox="1"/>
+              <p:nvPr/>
+            </p:nvSpPr>
+            <p:spPr>
+              <a:xfrm>
+                <a:off x="3234731" y="3160994"/>
+                <a:ext cx="591670" cy="338554"/>
+              </a:xfrm>
+              <a:prstGeom prst="rect">
+                <a:avLst/>
+              </a:prstGeom>
+              <a:noFill/>
+            </p:spPr>
+            <p:txBody>
+              <a:bodyPr wrap="square" rtlCol="0">
+                <a:spAutoFit/>
+              </a:bodyPr>
+              <a:lstStyle/>
+              <a:p>
+                <a:pPr algn="ctr"/>
+                <a:r>
+                  <a:rPr lang="en-US" altLang="zh-CN" sz="1600" b="1" i="1" dirty="0" smtClean="0">
+                    <a:solidFill>
+                      <a:srgbClr val="FF0000"/>
+                    </a:solidFill>
+                  </a:rPr>
+                  <a:t>v4</a:t>
+                </a:r>
+                <a:endParaRPr lang="zh-CN" altLang="en-US" sz="1600" b="1" i="1" dirty="0">
+                  <a:solidFill>
+                    <a:srgbClr val="FF0000"/>
+                  </a:solidFill>
+                </a:endParaRPr>
+              </a:p>
+            </p:txBody>
+          </p:sp>
+        </p:grpSp>
+        <p:grpSp>
+          <p:nvGrpSpPr>
+            <p:cNvPr id="161" name="组合 160"/>
+            <p:cNvGrpSpPr/>
+            <p:nvPr/>
+          </p:nvGrpSpPr>
+          <p:grpSpPr>
+            <a:xfrm>
+              <a:off x="3504361" y="3758871"/>
+              <a:ext cx="659193" cy="338554"/>
+              <a:chOff x="3305070" y="3160994"/>
+              <a:chExt cx="659193" cy="338554"/>
+            </a:xfrm>
+          </p:grpSpPr>
+          <p:sp>
+            <p:nvSpPr>
+              <p:cNvPr id="164" name="椭圆 163"/>
+              <p:cNvSpPr/>
+              <p:nvPr/>
+            </p:nvSpPr>
+            <p:spPr>
+              <a:xfrm>
+                <a:off x="3807261" y="3255317"/>
+                <a:ext cx="157002" cy="157002"/>
+              </a:xfrm>
+              <a:prstGeom prst="ellipse">
+                <a:avLst/>
+              </a:prstGeom>
+              <a:solidFill>
+                <a:schemeClr val="accent1"/>
+              </a:solidFill>
+            </p:spPr>
+            <p:style>
+              <a:lnRef idx="2">
+                <a:schemeClr val="accent1">
+                  <a:shade val="50000"/>
+                </a:schemeClr>
+              </a:lnRef>
+              <a:fillRef idx="1">
+                <a:schemeClr val="accent1"/>
+              </a:fillRef>
+              <a:effectRef idx="0">
+                <a:schemeClr val="accent1"/>
+              </a:effectRef>
+              <a:fontRef idx="minor">
+                <a:schemeClr val="lt1"/>
+              </a:fontRef>
+            </p:style>
+            <p:txBody>
+              <a:bodyPr rtlCol="0" anchor="ctr"/>
+              <a:lstStyle/>
+              <a:p>
+                <a:pPr algn="ctr"/>
+                <a:endParaRPr lang="zh-CN" altLang="en-US" spc="300" dirty="0"/>
+              </a:p>
+            </p:txBody>
+          </p:sp>
+          <p:sp>
+            <p:nvSpPr>
+              <p:cNvPr id="165" name="文本框 164"/>
+              <p:cNvSpPr txBox="1"/>
+              <p:nvPr/>
+            </p:nvSpPr>
+            <p:spPr>
+              <a:xfrm>
+                <a:off x="3305070" y="3160994"/>
+                <a:ext cx="591670" cy="338554"/>
+              </a:xfrm>
+              <a:prstGeom prst="rect">
+                <a:avLst/>
+              </a:prstGeom>
+              <a:noFill/>
+            </p:spPr>
+            <p:txBody>
+              <a:bodyPr wrap="square" rtlCol="0">
+                <a:spAutoFit/>
+              </a:bodyPr>
+              <a:lstStyle/>
+              <a:p>
+                <a:pPr algn="ctr"/>
+                <a:r>
+                  <a:rPr lang="en-US" altLang="zh-CN" sz="1600" b="1" i="1" dirty="0" smtClean="0"/>
+                  <a:t>v8</a:t>
+                </a:r>
+                <a:endParaRPr lang="zh-CN" altLang="en-US" sz="1600" b="1" i="1" dirty="0"/>
+              </a:p>
+            </p:txBody>
+          </p:sp>
+        </p:grpSp>
+        <p:cxnSp>
+          <p:nvCxnSpPr>
+            <p:cNvPr id="162" name="直接连接符 161"/>
+            <p:cNvCxnSpPr>
+              <a:stCxn id="164" idx="4"/>
+              <a:endCxn id="166" idx="0"/>
+            </p:cNvCxnSpPr>
+            <p:nvPr/>
+          </p:nvCxnSpPr>
+          <p:spPr>
+            <a:xfrm flipH="1">
+              <a:off x="4073330" y="4010196"/>
+              <a:ext cx="11723" cy="733951"/>
+            </a:xfrm>
+            <a:prstGeom prst="line">
+              <a:avLst/>
+            </a:prstGeom>
+            <a:ln w="22225">
+              <a:tailEnd type="none" w="med" len="sm"/>
+            </a:ln>
+          </p:spPr>
+          <p:style>
+            <a:lnRef idx="3">
+              <a:schemeClr val="dk1"/>
+            </a:lnRef>
+            <a:fillRef idx="0">
+              <a:schemeClr val="dk1"/>
+            </a:fillRef>
+            <a:effectRef idx="2">
+              <a:schemeClr val="dk1"/>
+            </a:effectRef>
+            <a:fontRef idx="minor">
+              <a:schemeClr val="tx1"/>
+            </a:fontRef>
+          </p:style>
+        </p:cxnSp>
+        <p:sp>
+          <p:nvSpPr>
+            <p:cNvPr id="163" name="文本框 162"/>
+            <p:cNvSpPr txBox="1"/>
+            <p:nvPr/>
+          </p:nvSpPr>
+          <p:spPr>
+            <a:xfrm>
+              <a:off x="3645040" y="4216070"/>
+              <a:ext cx="591670" cy="338554"/>
+            </a:xfrm>
+            <a:prstGeom prst="rect">
+              <a:avLst/>
+            </a:prstGeom>
+            <a:noFill/>
+          </p:spPr>
+          <p:txBody>
+            <a:bodyPr wrap="square" rtlCol="0">
+              <a:spAutoFit/>
+            </a:bodyPr>
+            <a:lstStyle/>
+            <a:p>
+              <a:pPr algn="ctr"/>
+              <a:r>
+                <a:rPr lang="en-US" altLang="zh-CN" sz="1600" b="1" i="1" dirty="0" smtClean="0"/>
+                <a:t>4</a:t>
+              </a:r>
+              <a:endParaRPr lang="zh-CN" altLang="en-US" sz="1600" b="1" i="1" dirty="0"/>
+            </a:p>
+          </p:txBody>
+        </p:sp>
+      </p:grpSp>
+      <p:grpSp>
+        <p:nvGrpSpPr>
+          <p:cNvPr id="169" name="组合 168"/>
+          <p:cNvGrpSpPr/>
+          <p:nvPr/>
+        </p:nvGrpSpPr>
+        <p:grpSpPr>
+          <a:xfrm>
+            <a:off x="749439" y="6091764"/>
+            <a:ext cx="717809" cy="338554"/>
+            <a:chOff x="3246454" y="3196163"/>
+            <a:chExt cx="717809" cy="338554"/>
+          </a:xfrm>
+        </p:grpSpPr>
+        <p:sp>
+          <p:nvSpPr>
+            <p:cNvPr id="175" name="椭圆 174"/>
+            <p:cNvSpPr/>
+            <p:nvPr/>
+          </p:nvSpPr>
+          <p:spPr>
+            <a:xfrm>
+              <a:off x="3807261" y="3255317"/>
+              <a:ext cx="157002" cy="157002"/>
+            </a:xfrm>
+            <a:prstGeom prst="ellipse">
+              <a:avLst/>
+            </a:prstGeom>
+            <a:solidFill>
+              <a:schemeClr val="accent1"/>
+            </a:solidFill>
+          </p:spPr>
+          <p:style>
+            <a:lnRef idx="2">
+              <a:schemeClr val="accent1">
+                <a:shade val="50000"/>
+              </a:schemeClr>
+            </a:lnRef>
+            <a:fillRef idx="1">
+              <a:schemeClr val="accent1"/>
+            </a:fillRef>
+            <a:effectRef idx="0">
+              <a:schemeClr val="accent1"/>
+            </a:effectRef>
+            <a:fontRef idx="minor">
+              <a:schemeClr val="lt1"/>
+            </a:fontRef>
+          </p:style>
+          <p:txBody>
+            <a:bodyPr rtlCol="0" anchor="ctr"/>
+            <a:lstStyle/>
+            <a:p>
+              <a:pPr algn="ctr"/>
+              <a:endParaRPr lang="zh-CN" altLang="en-US" spc="300" dirty="0"/>
+            </a:p>
+          </p:txBody>
+        </p:sp>
+        <p:sp>
+          <p:nvSpPr>
+            <p:cNvPr id="176" name="文本框 175"/>
+            <p:cNvSpPr txBox="1"/>
+            <p:nvPr/>
+          </p:nvSpPr>
+          <p:spPr>
+            <a:xfrm>
+              <a:off x="3246454" y="3196163"/>
+              <a:ext cx="591670" cy="338554"/>
+            </a:xfrm>
+            <a:prstGeom prst="rect">
+              <a:avLst/>
+            </a:prstGeom>
+            <a:noFill/>
+          </p:spPr>
+          <p:txBody>
+            <a:bodyPr wrap="square" rtlCol="0">
+              <a:spAutoFit/>
+            </a:bodyPr>
+            <a:lstStyle/>
+            <a:p>
+              <a:pPr algn="ctr"/>
+              <a:r>
+                <a:rPr lang="en-US" altLang="zh-CN" sz="1600" b="1" i="1" dirty="0" smtClean="0">
+                  <a:solidFill>
+                    <a:srgbClr val="FF0000"/>
+                  </a:solidFill>
+                </a:rPr>
+                <a:t>v1</a:t>
+              </a:r>
+              <a:endParaRPr lang="zh-CN" altLang="en-US" sz="1600" b="1" i="1" dirty="0">
+                <a:solidFill>
+                  <a:srgbClr val="FF0000"/>
+                </a:solidFill>
+              </a:endParaRPr>
+            </a:p>
+          </p:txBody>
+        </p:sp>
+      </p:grpSp>
+      <p:grpSp>
+        <p:nvGrpSpPr>
+          <p:cNvPr id="170" name="组合 169"/>
+          <p:cNvGrpSpPr/>
+          <p:nvPr/>
+        </p:nvGrpSpPr>
+        <p:grpSpPr>
+          <a:xfrm>
+            <a:off x="1019070" y="5130471"/>
+            <a:ext cx="706085" cy="338554"/>
+            <a:chOff x="3258178" y="3172717"/>
+            <a:chExt cx="706085" cy="338554"/>
+          </a:xfrm>
+        </p:grpSpPr>
+        <p:sp>
+          <p:nvSpPr>
+            <p:cNvPr id="173" name="椭圆 172"/>
+            <p:cNvSpPr/>
+            <p:nvPr/>
+          </p:nvSpPr>
+          <p:spPr>
+            <a:xfrm>
+              <a:off x="3807261" y="3255317"/>
+              <a:ext cx="157002" cy="157002"/>
+            </a:xfrm>
+            <a:prstGeom prst="ellipse">
+              <a:avLst/>
+            </a:prstGeom>
+            <a:solidFill>
+              <a:schemeClr val="accent1"/>
+            </a:solidFill>
+          </p:spPr>
+          <p:style>
+            <a:lnRef idx="2">
+              <a:schemeClr val="accent1">
+                <a:shade val="50000"/>
+              </a:schemeClr>
+            </a:lnRef>
+            <a:fillRef idx="1">
+              <a:schemeClr val="accent1"/>
+            </a:fillRef>
+            <a:effectRef idx="0">
+              <a:schemeClr val="accent1"/>
+            </a:effectRef>
+            <a:fontRef idx="minor">
+              <a:schemeClr val="lt1"/>
+            </a:fontRef>
+          </p:style>
+          <p:txBody>
+            <a:bodyPr rtlCol="0" anchor="ctr"/>
+            <a:lstStyle/>
+            <a:p>
+              <a:pPr algn="ctr"/>
+              <a:endParaRPr lang="zh-CN" altLang="en-US" spc="300" dirty="0"/>
+            </a:p>
+          </p:txBody>
+        </p:sp>
+        <p:sp>
+          <p:nvSpPr>
+            <p:cNvPr id="174" name="文本框 173"/>
+            <p:cNvSpPr txBox="1"/>
+            <p:nvPr/>
+          </p:nvSpPr>
+          <p:spPr>
+            <a:xfrm>
+              <a:off x="3258178" y="3172717"/>
+              <a:ext cx="591670" cy="338554"/>
+            </a:xfrm>
+            <a:prstGeom prst="rect">
+              <a:avLst/>
+            </a:prstGeom>
+            <a:noFill/>
+          </p:spPr>
+          <p:txBody>
+            <a:bodyPr wrap="square" rtlCol="0">
+              <a:spAutoFit/>
+            </a:bodyPr>
+            <a:lstStyle/>
+            <a:p>
+              <a:pPr algn="ctr"/>
+              <a:r>
+                <a:rPr lang="en-US" altLang="zh-CN" sz="1600" b="1" i="1" dirty="0" smtClean="0"/>
+                <a:t>v5</a:t>
+              </a:r>
+              <a:endParaRPr lang="zh-CN" altLang="en-US" sz="1600" b="1" i="1" dirty="0"/>
+            </a:p>
+          </p:txBody>
+        </p:sp>
+      </p:grpSp>
+      <p:cxnSp>
+        <p:nvCxnSpPr>
+          <p:cNvPr id="171" name="直接连接符 170"/>
+          <p:cNvCxnSpPr>
+            <a:stCxn id="173" idx="4"/>
+            <a:endCxn id="175" idx="0"/>
+          </p:cNvCxnSpPr>
+          <p:nvPr/>
+        </p:nvCxnSpPr>
+        <p:spPr>
+          <a:xfrm flipH="1">
+            <a:off x="1388747" y="5370073"/>
+            <a:ext cx="257907" cy="780845"/>
+          </a:xfrm>
+          <a:prstGeom prst="line">
+            <a:avLst/>
+          </a:prstGeom>
+          <a:ln w="22225">
+            <a:tailEnd type="none" w="med" len="sm"/>
+          </a:ln>
+        </p:spPr>
+        <p:style>
+          <a:lnRef idx="3">
+            <a:schemeClr val="dk1"/>
+          </a:lnRef>
+          <a:fillRef idx="0">
+            <a:schemeClr val="dk1"/>
+          </a:fillRef>
+          <a:effectRef idx="2">
+            <a:schemeClr val="dk1"/>
+          </a:effectRef>
+          <a:fontRef idx="minor">
+            <a:schemeClr val="tx1"/>
+          </a:fontRef>
+        </p:style>
+      </p:cxnSp>
+      <p:sp>
+        <p:nvSpPr>
+          <p:cNvPr id="172" name="文本框 171"/>
+          <p:cNvSpPr txBox="1"/>
+          <p:nvPr/>
+        </p:nvSpPr>
+        <p:spPr>
+          <a:xfrm>
+            <a:off x="983902" y="5599394"/>
+            <a:ext cx="591670" cy="338554"/>
+          </a:xfrm>
+          <a:prstGeom prst="rect">
+            <a:avLst/>
+          </a:prstGeom>
+          <a:noFill/>
+        </p:spPr>
+        <p:txBody>
+          <a:bodyPr wrap="square" rtlCol="0">
+            <a:spAutoFit/>
+          </a:bodyPr>
+          <a:lstStyle/>
+          <a:p>
+            <a:pPr algn="ctr"/>
+            <a:r>
+              <a:rPr lang="en-US" altLang="zh-CN" sz="1600" b="1" i="1" dirty="0" smtClean="0"/>
+              <a:t>1</a:t>
+            </a:r>
+            <a:endParaRPr lang="zh-CN" altLang="en-US" sz="1600" b="1" i="1" dirty="0"/>
+          </a:p>
+        </p:txBody>
+      </p:sp>
+      <p:grpSp>
+        <p:nvGrpSpPr>
+          <p:cNvPr id="177" name="组合 176"/>
+          <p:cNvGrpSpPr/>
+          <p:nvPr/>
+        </p:nvGrpSpPr>
+        <p:grpSpPr>
+          <a:xfrm>
+            <a:off x="1652116" y="6091764"/>
+            <a:ext cx="717809" cy="338554"/>
+            <a:chOff x="3246454" y="3196163"/>
+            <a:chExt cx="717809" cy="338554"/>
+          </a:xfrm>
+        </p:grpSpPr>
+        <p:sp>
+          <p:nvSpPr>
+            <p:cNvPr id="178" name="椭圆 177"/>
+            <p:cNvSpPr/>
+            <p:nvPr/>
+          </p:nvSpPr>
+          <p:spPr>
+            <a:xfrm>
+              <a:off x="3807261" y="3255317"/>
+              <a:ext cx="157002" cy="157002"/>
+            </a:xfrm>
+            <a:prstGeom prst="ellipse">
+              <a:avLst/>
+            </a:prstGeom>
+            <a:solidFill>
+              <a:schemeClr val="accent1"/>
+            </a:solidFill>
+          </p:spPr>
+          <p:style>
+            <a:lnRef idx="2">
+              <a:schemeClr val="accent1">
+                <a:shade val="50000"/>
+              </a:schemeClr>
+            </a:lnRef>
+            <a:fillRef idx="1">
+              <a:schemeClr val="accent1"/>
+            </a:fillRef>
+            <a:effectRef idx="0">
+              <a:schemeClr val="accent1"/>
+            </a:effectRef>
+            <a:fontRef idx="minor">
+              <a:schemeClr val="lt1"/>
+            </a:fontRef>
+          </p:style>
+          <p:txBody>
+            <a:bodyPr rtlCol="0" anchor="ctr"/>
+            <a:lstStyle/>
+            <a:p>
+              <a:pPr algn="ctr"/>
+              <a:endParaRPr lang="zh-CN" altLang="en-US" spc="300" dirty="0"/>
+            </a:p>
+          </p:txBody>
+        </p:sp>
+        <p:sp>
+          <p:nvSpPr>
+            <p:cNvPr id="179" name="文本框 178"/>
+            <p:cNvSpPr txBox="1"/>
+            <p:nvPr/>
+          </p:nvSpPr>
+          <p:spPr>
+            <a:xfrm>
+              <a:off x="3246454" y="3196163"/>
+              <a:ext cx="591670" cy="338554"/>
+            </a:xfrm>
+            <a:prstGeom prst="rect">
+              <a:avLst/>
+            </a:prstGeom>
+            <a:noFill/>
+          </p:spPr>
+          <p:txBody>
+            <a:bodyPr wrap="square" rtlCol="0">
+              <a:spAutoFit/>
+            </a:bodyPr>
+            <a:lstStyle/>
+            <a:p>
+              <a:pPr algn="ctr"/>
+              <a:r>
+                <a:rPr lang="en-US" altLang="zh-CN" sz="1600" b="1" i="1" dirty="0" smtClean="0">
+                  <a:solidFill>
+                    <a:srgbClr val="FF0000"/>
+                  </a:solidFill>
+                </a:rPr>
+                <a:t>v2</a:t>
+              </a:r>
+              <a:endParaRPr lang="zh-CN" altLang="en-US" sz="1600" b="1" i="1" dirty="0">
+                <a:solidFill>
+                  <a:srgbClr val="FF0000"/>
+                </a:solidFill>
+              </a:endParaRPr>
+            </a:p>
+          </p:txBody>
+        </p:sp>
+      </p:grpSp>
+      <p:sp>
+        <p:nvSpPr>
+          <p:cNvPr id="180" name="文本框 179"/>
+          <p:cNvSpPr txBox="1"/>
+          <p:nvPr/>
+        </p:nvSpPr>
+        <p:spPr>
+          <a:xfrm>
+            <a:off x="1863132" y="5564225"/>
+            <a:ext cx="591670" cy="338554"/>
+          </a:xfrm>
+          <a:prstGeom prst="rect">
+            <a:avLst/>
+          </a:prstGeom>
+          <a:noFill/>
+        </p:spPr>
+        <p:txBody>
+          <a:bodyPr wrap="square" rtlCol="0">
+            <a:spAutoFit/>
+          </a:bodyPr>
+          <a:lstStyle/>
+          <a:p>
+            <a:pPr algn="ctr"/>
+            <a:r>
+              <a:rPr lang="en-US" altLang="zh-CN" sz="1600" b="1" i="1" dirty="0" smtClean="0"/>
+              <a:t>4</a:t>
+            </a:r>
+            <a:endParaRPr lang="zh-CN" altLang="en-US" sz="1600" b="1" i="1" dirty="0"/>
+          </a:p>
+        </p:txBody>
+      </p:sp>
+      <p:cxnSp>
+        <p:nvCxnSpPr>
+          <p:cNvPr id="181" name="直接连接符 180"/>
+          <p:cNvCxnSpPr>
+            <a:stCxn id="173" idx="4"/>
+            <a:endCxn id="178" idx="7"/>
+          </p:cNvCxnSpPr>
+          <p:nvPr/>
+        </p:nvCxnSpPr>
+        <p:spPr>
+          <a:xfrm>
+            <a:off x="1646654" y="5370073"/>
+            <a:ext cx="700279" cy="803837"/>
+          </a:xfrm>
+          <a:prstGeom prst="line">
+            <a:avLst/>
+          </a:prstGeom>
+          <a:ln w="22225">
+            <a:tailEnd type="none" w="med" len="sm"/>
+          </a:ln>
+        </p:spPr>
+        <p:style>
+          <a:lnRef idx="3">
+            <a:schemeClr val="dk1"/>
+          </a:lnRef>
+          <a:fillRef idx="0">
+            <a:schemeClr val="dk1"/>
+          </a:fillRef>
+          <a:effectRef idx="2">
+            <a:schemeClr val="dk1"/>
+          </a:effectRef>
+          <a:fontRef idx="minor">
+            <a:schemeClr val="tx1"/>
+          </a:fontRef>
+        </p:style>
+      </p:cxnSp>
+      <p:sp>
+        <p:nvSpPr>
+          <p:cNvPr id="184" name="矩形 183"/>
+          <p:cNvSpPr/>
+          <p:nvPr/>
+        </p:nvSpPr>
+        <p:spPr>
+          <a:xfrm>
+            <a:off x="5099539" y="5391835"/>
+            <a:ext cx="6096000" cy="923330"/>
+          </a:xfrm>
+          <a:prstGeom prst="rect">
+            <a:avLst/>
+          </a:prstGeom>
+        </p:spPr>
+        <p:txBody>
+          <a:bodyPr>
+            <a:spAutoFit/>
+          </a:bodyPr>
+          <a:lstStyle/>
+          <a:p>
+            <a:r>
+              <a:rPr lang="zh-CN" altLang="en-US" dirty="0"/>
+              <a:t>缺</a:t>
+            </a:r>
+            <a:r>
+              <a:rPr lang="zh-CN" altLang="en-US" dirty="0" smtClean="0"/>
+              <a:t>点：First</a:t>
+            </a:r>
+            <a:r>
+              <a:rPr lang="zh-CN" altLang="en-US" dirty="0"/>
+              <a:t>, the </a:t>
+            </a:r>
+            <a:r>
+              <a:rPr lang="zh-CN" altLang="en-US" dirty="0" smtClean="0"/>
+              <a:t>time complexity</a:t>
+            </a:r>
+            <a:endParaRPr lang="en-US" altLang="zh-CN" dirty="0" smtClean="0"/>
+          </a:p>
+          <a:p>
+            <a:r>
+              <a:rPr lang="en-US" altLang="zh-CN" dirty="0" smtClean="0"/>
+              <a:t>Second,the </a:t>
+            </a:r>
+            <a:r>
+              <a:rPr lang="en-US" altLang="zh-CN" dirty="0"/>
+              <a:t>algorithm only generates a solution</a:t>
+            </a:r>
+            <a:r>
+              <a:rPr lang="zh-CN" altLang="en-US" dirty="0" smtClean="0"/>
+              <a:t> </a:t>
+            </a:r>
+            <a:r>
+              <a:rPr lang="en-US" altLang="zh-CN" dirty="0"/>
+              <a:t>when </a:t>
+            </a:r>
+            <a:r>
+              <a:rPr lang="en-US" altLang="zh-CN" dirty="0" smtClean="0"/>
+              <a:t>it terminates</a:t>
+            </a:r>
+            <a:endParaRPr lang="zh-CN" altLang="en-US" dirty="0"/>
+          </a:p>
+        </p:txBody>
+      </p:sp>
     </p:spTree>
     <p:extLst>
       <p:ext uri="{BB962C8B-B14F-4D97-AF65-F5344CB8AC3E}">
@@ -12372,6 +15191,3055 @@
           <a:chExt cx="0" cy="0"/>
         </a:xfrm>
       </p:grpSpPr>
+      <p:sp>
+        <p:nvSpPr>
+          <p:cNvPr id="3" name="矩形 2"/>
+          <p:cNvSpPr/>
+          <p:nvPr/>
+        </p:nvSpPr>
+        <p:spPr>
+          <a:xfrm>
+            <a:off x="517666" y="571472"/>
+            <a:ext cx="2364750" cy="369332"/>
+          </a:xfrm>
+          <a:prstGeom prst="rect">
+            <a:avLst/>
+          </a:prstGeom>
+        </p:spPr>
+        <p:txBody>
+          <a:bodyPr wrap="none">
+            <a:spAutoFit/>
+          </a:bodyPr>
+          <a:lstStyle/>
+          <a:p>
+            <a:r>
+              <a:rPr lang="zh-CN" altLang="en-US" dirty="0">
+                <a:latin typeface="+mj-ea"/>
+                <a:ea typeface="+mj-ea"/>
+              </a:rPr>
+              <a:t>The Basic algorithm</a:t>
+            </a:r>
+          </a:p>
+        </p:txBody>
+      </p:sp>
+      <p:sp>
+        <p:nvSpPr>
+          <p:cNvPr id="4" name="矩形 3"/>
+          <p:cNvSpPr/>
+          <p:nvPr/>
+        </p:nvSpPr>
+        <p:spPr>
+          <a:xfrm>
+            <a:off x="531263" y="1474150"/>
+            <a:ext cx="1659429" cy="369332"/>
+          </a:xfrm>
+          <a:prstGeom prst="rect">
+            <a:avLst/>
+          </a:prstGeom>
+        </p:spPr>
+        <p:txBody>
+          <a:bodyPr wrap="none">
+            <a:spAutoFit/>
+          </a:bodyPr>
+          <a:lstStyle/>
+          <a:p>
+            <a:r>
+              <a:rPr lang="en-US" altLang="zh-CN" dirty="0" smtClean="0"/>
+              <a:t>P</a:t>
+            </a:r>
+            <a:r>
+              <a:rPr lang="zh-CN" altLang="en-US" dirty="0" smtClean="0"/>
+              <a:t>reprocessing</a:t>
+            </a:r>
+            <a:endParaRPr lang="zh-CN" altLang="en-US" dirty="0"/>
+          </a:p>
+        </p:txBody>
+      </p:sp>
+      <mc:AlternateContent xmlns:mc="http://schemas.openxmlformats.org/markup-compatibility/2006">
+        <mc:Choice xmlns:a14="http://schemas.microsoft.com/office/drawing/2010/main" Requires="a14">
+          <p:sp>
+            <p:nvSpPr>
+              <p:cNvPr id="5" name="矩形 4"/>
+              <p:cNvSpPr/>
+              <p:nvPr/>
+            </p:nvSpPr>
+            <p:spPr>
+              <a:xfrm>
+                <a:off x="257907" y="2087268"/>
+                <a:ext cx="6459415" cy="1232902"/>
+              </a:xfrm>
+              <a:prstGeom prst="rect">
+                <a:avLst/>
+              </a:prstGeom>
+            </p:spPr>
+            <p:txBody>
+              <a:bodyPr wrap="square">
+                <a:spAutoFit/>
+              </a:bodyPr>
+              <a:lstStyle/>
+              <a:p>
+                <a:r>
+                  <a:rPr lang="zh-CN" altLang="en-US" dirty="0" smtClean="0"/>
+                  <a:t> for a label p ∈ P , we create a </a:t>
+                </a:r>
+                <a:r>
+                  <a:rPr lang="zh-CN" altLang="en-US" dirty="0"/>
+                  <a:t>virtual </a:t>
+                </a:r>
+                <a:r>
+                  <a:rPr lang="zh-CN" altLang="en-US" dirty="0" smtClean="0"/>
+                  <a:t>node </a:t>
+                </a:r>
+                <a14:m>
+                  <m:oMath xmlns:m="http://schemas.openxmlformats.org/officeDocument/2006/math">
+                    <m:acc>
+                      <m:accPr>
+                        <m:chr m:val="̃"/>
+                        <m:ctrlPr>
+                          <a:rPr lang="zh-CN" altLang="en-US" i="1" smtClean="0">
+                            <a:latin typeface="Cambria Math" panose="02040503050406030204" pitchFamily="18" charset="0"/>
+                          </a:rPr>
+                        </m:ctrlPr>
+                      </m:accPr>
+                      <m:e>
+                        <m:r>
+                          <a:rPr lang="en-US" altLang="zh-CN" b="0" i="1" spc="-150" smtClean="0">
+                            <a:latin typeface="Cambria Math" panose="02040503050406030204" pitchFamily="18" charset="0"/>
+                          </a:rPr>
+                          <m:t>𝑉</m:t>
+                        </m:r>
+                        <m:r>
+                          <a:rPr lang="en-US" altLang="zh-CN" b="0" i="1" spc="-150" baseline="-25000" smtClean="0">
+                            <a:latin typeface="Cambria Math" panose="02040503050406030204" pitchFamily="18" charset="0"/>
+                          </a:rPr>
+                          <m:t>𝑝</m:t>
+                        </m:r>
+                      </m:e>
+                    </m:acc>
+                  </m:oMath>
+                </a14:m>
+                <a:r>
+                  <a:rPr lang="zh-CN" altLang="en-US" dirty="0" smtClean="0"/>
+                  <a:t>, </a:t>
+                </a:r>
+                <a:r>
+                  <a:rPr lang="zh-CN" altLang="en-US" dirty="0"/>
+                  <a:t>and create an undirected </a:t>
+                </a:r>
+                <a:r>
+                  <a:rPr lang="zh-CN" altLang="en-US" dirty="0" smtClean="0"/>
+                  <a:t>edge</a:t>
+                </a:r>
+                <a:r>
+                  <a:rPr lang="en-US" altLang="zh-CN" dirty="0" smtClean="0"/>
+                  <a:t>(</a:t>
+                </a:r>
+                <a:r>
+                  <a:rPr lang="zh-CN" altLang="en-US" dirty="0" smtClean="0"/>
+                  <a:t> </a:t>
+                </a:r>
+                <a14:m>
+                  <m:oMath xmlns:m="http://schemas.openxmlformats.org/officeDocument/2006/math">
+                    <m:acc>
+                      <m:accPr>
+                        <m:chr m:val="̃"/>
+                        <m:ctrlPr>
+                          <a:rPr lang="zh-CN" altLang="en-US" i="1">
+                            <a:latin typeface="Cambria Math" panose="02040503050406030204" pitchFamily="18" charset="0"/>
+                          </a:rPr>
+                        </m:ctrlPr>
+                      </m:accPr>
+                      <m:e>
+                        <m:r>
+                          <a:rPr lang="en-US" altLang="zh-CN" i="1" spc="-150">
+                            <a:latin typeface="Cambria Math" panose="02040503050406030204" pitchFamily="18" charset="0"/>
+                          </a:rPr>
+                          <m:t>𝑉</m:t>
+                        </m:r>
+                        <m:r>
+                          <a:rPr lang="en-US" altLang="zh-CN" i="1" spc="-150" baseline="-25000">
+                            <a:latin typeface="Cambria Math" panose="02040503050406030204" pitchFamily="18" charset="0"/>
+                          </a:rPr>
+                          <m:t>𝑝</m:t>
+                        </m:r>
+                      </m:e>
+                    </m:acc>
+                    <m:r>
+                      <a:rPr lang="en-US" altLang="zh-CN" b="0" i="0" spc="-150" baseline="-25000">
+                        <a:latin typeface="Cambria Math" panose="02040503050406030204" pitchFamily="18" charset="0"/>
+                      </a:rPr>
+                      <m:t> </m:t>
+                    </m:r>
+                  </m:oMath>
+                </a14:m>
+                <a:r>
+                  <a:rPr lang="zh-CN" altLang="en-US" dirty="0"/>
+                  <a:t> </a:t>
+                </a:r>
+                <a:r>
+                  <a:rPr lang="en-US" altLang="zh-CN" dirty="0" smtClean="0"/>
+                  <a:t>,</a:t>
+                </a:r>
+                <a:r>
+                  <a:rPr lang="zh-CN" altLang="en-US" dirty="0" smtClean="0"/>
+                  <a:t> </a:t>
+                </a:r>
+                <a:r>
+                  <a:rPr lang="zh-CN" altLang="en-US" dirty="0"/>
+                  <a:t>v ) with </a:t>
+                </a:r>
+                <a:r>
+                  <a:rPr lang="zh-CN" altLang="en-US" dirty="0" smtClean="0"/>
+                  <a:t>zero weight </a:t>
+                </a:r>
+                <a:r>
+                  <a:rPr lang="zh-CN" altLang="en-US" dirty="0"/>
+                  <a:t>for each v ∈ V that includes a label p. Then, we </a:t>
+                </a:r>
+                <a:r>
+                  <a:rPr lang="zh-CN" altLang="en-US" dirty="0" smtClean="0"/>
+                  <a:t>compute the </a:t>
+                </a:r>
+                <a:r>
+                  <a:rPr lang="zh-CN" altLang="en-US" dirty="0"/>
+                  <a:t>single-source shortest path from </a:t>
+                </a:r>
+                <a14:m>
+                  <m:oMath xmlns:m="http://schemas.openxmlformats.org/officeDocument/2006/math">
+                    <m:acc>
+                      <m:accPr>
+                        <m:chr m:val="̃"/>
+                        <m:ctrlPr>
+                          <a:rPr lang="zh-CN" altLang="en-US" i="1">
+                            <a:latin typeface="Cambria Math" panose="02040503050406030204" pitchFamily="18" charset="0"/>
+                          </a:rPr>
+                        </m:ctrlPr>
+                      </m:accPr>
+                      <m:e>
+                        <m:r>
+                          <a:rPr lang="en-US" altLang="zh-CN" i="1" spc="-150">
+                            <a:latin typeface="Cambria Math" panose="02040503050406030204" pitchFamily="18" charset="0"/>
+                          </a:rPr>
+                          <m:t>𝑉</m:t>
+                        </m:r>
+                        <m:r>
+                          <a:rPr lang="en-US" altLang="zh-CN" i="1" spc="-150" baseline="-25000">
+                            <a:latin typeface="Cambria Math" panose="02040503050406030204" pitchFamily="18" charset="0"/>
+                          </a:rPr>
+                          <m:t>𝑝</m:t>
+                        </m:r>
+                      </m:e>
+                    </m:acc>
+                  </m:oMath>
+                </a14:m>
+                <a:r>
+                  <a:rPr lang="zh-CN" altLang="en-US" dirty="0"/>
+                  <a:t> to all the other nodes in </a:t>
+                </a:r>
+                <a:r>
+                  <a:rPr lang="zh-CN" altLang="en-US" dirty="0" smtClean="0"/>
+                  <a:t>the graph </a:t>
+                </a:r>
+                <a:r>
+                  <a:rPr lang="zh-CN" altLang="en-US" dirty="0"/>
+                  <a:t>G. </a:t>
+                </a:r>
+              </a:p>
+            </p:txBody>
+          </p:sp>
+        </mc:Choice>
+        <mc:Fallback>
+          <p:sp>
+            <p:nvSpPr>
+              <p:cNvPr id="5" name="矩形 4"/>
+              <p:cNvSpPr>
+                <a:spLocks noRot="1" noChangeAspect="1" noMove="1" noResize="1" noEditPoints="1" noAdjustHandles="1" noChangeArrowheads="1" noChangeShapeType="1" noTextEdit="1"/>
+              </p:cNvSpPr>
+              <p:nvPr/>
+            </p:nvSpPr>
+            <p:spPr>
+              <a:xfrm>
+                <a:off x="257907" y="2087268"/>
+                <a:ext cx="6459415" cy="1232902"/>
+              </a:xfrm>
+              <a:prstGeom prst="rect">
+                <a:avLst/>
+              </a:prstGeom>
+              <a:blipFill rotWithShape="0">
+                <a:blip r:embed="rId2"/>
+                <a:stretch>
+                  <a:fillRect l="-755" t="-2463" r="-94" b="-5911"/>
+                </a:stretch>
+              </a:blipFill>
+            </p:spPr>
+            <p:txBody>
+              <a:bodyPr/>
+              <a:lstStyle/>
+              <a:p>
+                <a:r>
+                  <a:rPr lang="zh-CN" altLang="en-US">
+                    <a:noFill/>
+                  </a:rPr>
+                  <a:t> </a:t>
+                </a:r>
+              </a:p>
+            </p:txBody>
+          </p:sp>
+        </mc:Fallback>
+      </mc:AlternateContent>
+      <p:grpSp>
+        <p:nvGrpSpPr>
+          <p:cNvPr id="6" name="组合 5"/>
+          <p:cNvGrpSpPr/>
+          <p:nvPr/>
+        </p:nvGrpSpPr>
+        <p:grpSpPr>
+          <a:xfrm>
+            <a:off x="7612069" y="220523"/>
+            <a:ext cx="4074459" cy="3403587"/>
+            <a:chOff x="7893423" y="642554"/>
+            <a:chExt cx="4074459" cy="3403587"/>
+          </a:xfrm>
+        </p:grpSpPr>
+        <p:sp>
+          <p:nvSpPr>
+            <p:cNvPr id="7" name="椭圆 6"/>
+            <p:cNvSpPr/>
+            <p:nvPr/>
+          </p:nvSpPr>
+          <p:spPr>
+            <a:xfrm>
+              <a:off x="8908859" y="1674343"/>
+              <a:ext cx="157002" cy="157002"/>
+            </a:xfrm>
+            <a:prstGeom prst="ellipse">
+              <a:avLst/>
+            </a:prstGeom>
+            <a:solidFill>
+              <a:schemeClr val="accent1"/>
+            </a:solidFill>
+          </p:spPr>
+          <p:style>
+            <a:lnRef idx="2">
+              <a:schemeClr val="accent1">
+                <a:shade val="50000"/>
+              </a:schemeClr>
+            </a:lnRef>
+            <a:fillRef idx="1">
+              <a:schemeClr val="accent1"/>
+            </a:fillRef>
+            <a:effectRef idx="0">
+              <a:schemeClr val="accent1"/>
+            </a:effectRef>
+            <a:fontRef idx="minor">
+              <a:schemeClr val="lt1"/>
+            </a:fontRef>
+          </p:style>
+          <p:txBody>
+            <a:bodyPr rtlCol="0" anchor="ctr"/>
+            <a:lstStyle/>
+            <a:p>
+              <a:pPr algn="ctr"/>
+              <a:endParaRPr lang="zh-CN" altLang="en-US" spc="-300"/>
+            </a:p>
+          </p:txBody>
+        </p:sp>
+        <p:sp>
+          <p:nvSpPr>
+            <p:cNvPr id="8" name="椭圆 7"/>
+            <p:cNvSpPr/>
+            <p:nvPr/>
+          </p:nvSpPr>
+          <p:spPr>
+            <a:xfrm>
+              <a:off x="8906315" y="2763916"/>
+              <a:ext cx="157002" cy="157002"/>
+            </a:xfrm>
+            <a:prstGeom prst="ellipse">
+              <a:avLst/>
+            </a:prstGeom>
+            <a:solidFill>
+              <a:schemeClr val="accent1"/>
+            </a:solidFill>
+          </p:spPr>
+          <p:style>
+            <a:lnRef idx="2">
+              <a:schemeClr val="accent1">
+                <a:shade val="50000"/>
+              </a:schemeClr>
+            </a:lnRef>
+            <a:fillRef idx="1">
+              <a:schemeClr val="accent1"/>
+            </a:fillRef>
+            <a:effectRef idx="0">
+              <a:schemeClr val="accent1"/>
+            </a:effectRef>
+            <a:fontRef idx="minor">
+              <a:schemeClr val="lt1"/>
+            </a:fontRef>
+          </p:style>
+          <p:txBody>
+            <a:bodyPr rtlCol="0" anchor="ctr"/>
+            <a:lstStyle/>
+            <a:p>
+              <a:pPr algn="ctr"/>
+              <a:endParaRPr lang="zh-CN" altLang="en-US" spc="-300"/>
+            </a:p>
+          </p:txBody>
+        </p:sp>
+        <p:sp>
+          <p:nvSpPr>
+            <p:cNvPr id="9" name="椭圆 8"/>
+            <p:cNvSpPr/>
+            <p:nvPr/>
+          </p:nvSpPr>
+          <p:spPr>
+            <a:xfrm>
+              <a:off x="10995698" y="2763916"/>
+              <a:ext cx="157002" cy="157002"/>
+            </a:xfrm>
+            <a:prstGeom prst="ellipse">
+              <a:avLst/>
+            </a:prstGeom>
+            <a:solidFill>
+              <a:schemeClr val="accent1"/>
+            </a:solidFill>
+          </p:spPr>
+          <p:style>
+            <a:lnRef idx="2">
+              <a:schemeClr val="accent1">
+                <a:shade val="50000"/>
+              </a:schemeClr>
+            </a:lnRef>
+            <a:fillRef idx="1">
+              <a:schemeClr val="accent1"/>
+            </a:fillRef>
+            <a:effectRef idx="0">
+              <a:schemeClr val="accent1"/>
+            </a:effectRef>
+            <a:fontRef idx="minor">
+              <a:schemeClr val="lt1"/>
+            </a:fontRef>
+          </p:style>
+          <p:txBody>
+            <a:bodyPr rtlCol="0" anchor="ctr"/>
+            <a:lstStyle/>
+            <a:p>
+              <a:pPr algn="ctr"/>
+              <a:endParaRPr lang="zh-CN" altLang="en-US" spc="-300"/>
+            </a:p>
+          </p:txBody>
+        </p:sp>
+        <p:sp>
+          <p:nvSpPr>
+            <p:cNvPr id="10" name="椭圆 9"/>
+            <p:cNvSpPr/>
+            <p:nvPr/>
+          </p:nvSpPr>
+          <p:spPr>
+            <a:xfrm>
+              <a:off x="9425663" y="3524948"/>
+              <a:ext cx="157002" cy="157002"/>
+            </a:xfrm>
+            <a:prstGeom prst="ellipse">
+              <a:avLst/>
+            </a:prstGeom>
+            <a:solidFill>
+              <a:schemeClr val="accent1"/>
+            </a:solidFill>
+          </p:spPr>
+          <p:style>
+            <a:lnRef idx="2">
+              <a:schemeClr val="accent1">
+                <a:shade val="50000"/>
+              </a:schemeClr>
+            </a:lnRef>
+            <a:fillRef idx="1">
+              <a:schemeClr val="accent1"/>
+            </a:fillRef>
+            <a:effectRef idx="0">
+              <a:schemeClr val="accent1"/>
+            </a:effectRef>
+            <a:fontRef idx="minor">
+              <a:schemeClr val="lt1"/>
+            </a:fontRef>
+          </p:style>
+          <p:txBody>
+            <a:bodyPr rtlCol="0" anchor="ctr"/>
+            <a:lstStyle/>
+            <a:p>
+              <a:pPr algn="ctr"/>
+              <a:endParaRPr lang="zh-CN" altLang="en-US" spc="-300"/>
+            </a:p>
+          </p:txBody>
+        </p:sp>
+        <p:sp>
+          <p:nvSpPr>
+            <p:cNvPr id="11" name="椭圆 10"/>
+            <p:cNvSpPr/>
+            <p:nvPr/>
+          </p:nvSpPr>
+          <p:spPr>
+            <a:xfrm>
+              <a:off x="10967349" y="1674343"/>
+              <a:ext cx="157002" cy="157002"/>
+            </a:xfrm>
+            <a:prstGeom prst="ellipse">
+              <a:avLst/>
+            </a:prstGeom>
+            <a:solidFill>
+              <a:schemeClr val="accent1"/>
+            </a:solidFill>
+          </p:spPr>
+          <p:style>
+            <a:lnRef idx="2">
+              <a:schemeClr val="accent1">
+                <a:shade val="50000"/>
+              </a:schemeClr>
+            </a:lnRef>
+            <a:fillRef idx="1">
+              <a:schemeClr val="accent1"/>
+            </a:fillRef>
+            <a:effectRef idx="0">
+              <a:schemeClr val="accent1"/>
+            </a:effectRef>
+            <a:fontRef idx="minor">
+              <a:schemeClr val="lt1"/>
+            </a:fontRef>
+          </p:style>
+          <p:txBody>
+            <a:bodyPr rtlCol="0" anchor="ctr"/>
+            <a:lstStyle/>
+            <a:p>
+              <a:pPr algn="ctr"/>
+              <a:endParaRPr lang="zh-CN" altLang="en-US" spc="-300"/>
+            </a:p>
+          </p:txBody>
+        </p:sp>
+        <p:sp>
+          <p:nvSpPr>
+            <p:cNvPr id="12" name="椭圆 11"/>
+            <p:cNvSpPr/>
+            <p:nvPr/>
+          </p:nvSpPr>
+          <p:spPr>
+            <a:xfrm>
+              <a:off x="10408024" y="3524948"/>
+              <a:ext cx="157002" cy="157002"/>
+            </a:xfrm>
+            <a:prstGeom prst="ellipse">
+              <a:avLst/>
+            </a:prstGeom>
+            <a:solidFill>
+              <a:schemeClr val="accent1"/>
+            </a:solidFill>
+          </p:spPr>
+          <p:style>
+            <a:lnRef idx="2">
+              <a:schemeClr val="accent1">
+                <a:shade val="50000"/>
+              </a:schemeClr>
+            </a:lnRef>
+            <a:fillRef idx="1">
+              <a:schemeClr val="accent1"/>
+            </a:fillRef>
+            <a:effectRef idx="0">
+              <a:schemeClr val="accent1"/>
+            </a:effectRef>
+            <a:fontRef idx="minor">
+              <a:schemeClr val="lt1"/>
+            </a:fontRef>
+          </p:style>
+          <p:txBody>
+            <a:bodyPr rtlCol="0" anchor="ctr"/>
+            <a:lstStyle/>
+            <a:p>
+              <a:pPr algn="ctr"/>
+              <a:endParaRPr lang="zh-CN" altLang="en-US" spc="300"/>
+            </a:p>
+          </p:txBody>
+        </p:sp>
+        <p:sp>
+          <p:nvSpPr>
+            <p:cNvPr id="13" name="椭圆 12"/>
+            <p:cNvSpPr/>
+            <p:nvPr/>
+          </p:nvSpPr>
+          <p:spPr>
+            <a:xfrm>
+              <a:off x="9954461" y="642554"/>
+              <a:ext cx="157002" cy="157002"/>
+            </a:xfrm>
+            <a:prstGeom prst="ellipse">
+              <a:avLst/>
+            </a:prstGeom>
+            <a:solidFill>
+              <a:schemeClr val="accent1"/>
+            </a:solidFill>
+          </p:spPr>
+          <p:style>
+            <a:lnRef idx="2">
+              <a:schemeClr val="accent1">
+                <a:shade val="50000"/>
+              </a:schemeClr>
+            </a:lnRef>
+            <a:fillRef idx="1">
+              <a:schemeClr val="accent1"/>
+            </a:fillRef>
+            <a:effectRef idx="0">
+              <a:schemeClr val="accent1"/>
+            </a:effectRef>
+            <a:fontRef idx="minor">
+              <a:schemeClr val="lt1"/>
+            </a:fontRef>
+          </p:style>
+          <p:txBody>
+            <a:bodyPr rtlCol="0" anchor="ctr"/>
+            <a:lstStyle/>
+            <a:p>
+              <a:pPr algn="ctr"/>
+              <a:endParaRPr lang="zh-CN" altLang="en-US" spc="-300"/>
+            </a:p>
+          </p:txBody>
+        </p:sp>
+        <p:sp>
+          <p:nvSpPr>
+            <p:cNvPr id="14" name="椭圆 13"/>
+            <p:cNvSpPr/>
+            <p:nvPr/>
+          </p:nvSpPr>
+          <p:spPr>
+            <a:xfrm>
+              <a:off x="8297200" y="3524948"/>
+              <a:ext cx="157002" cy="157002"/>
+            </a:xfrm>
+            <a:prstGeom prst="ellipse">
+              <a:avLst/>
+            </a:prstGeom>
+            <a:solidFill>
+              <a:schemeClr val="accent1"/>
+            </a:solidFill>
+          </p:spPr>
+          <p:style>
+            <a:lnRef idx="2">
+              <a:schemeClr val="accent1">
+                <a:shade val="50000"/>
+              </a:schemeClr>
+            </a:lnRef>
+            <a:fillRef idx="1">
+              <a:schemeClr val="accent1"/>
+            </a:fillRef>
+            <a:effectRef idx="0">
+              <a:schemeClr val="accent1"/>
+            </a:effectRef>
+            <a:fontRef idx="minor">
+              <a:schemeClr val="lt1"/>
+            </a:fontRef>
+          </p:style>
+          <p:txBody>
+            <a:bodyPr rtlCol="0" anchor="ctr"/>
+            <a:lstStyle/>
+            <a:p>
+              <a:pPr algn="ctr"/>
+              <a:endParaRPr lang="zh-CN" altLang="en-US" spc="300" dirty="0"/>
+            </a:p>
+          </p:txBody>
+        </p:sp>
+        <p:cxnSp>
+          <p:nvCxnSpPr>
+            <p:cNvPr id="15" name="直接连接符 14"/>
+            <p:cNvCxnSpPr>
+              <a:stCxn id="13" idx="4"/>
+              <a:endCxn id="7" idx="0"/>
+            </p:cNvCxnSpPr>
+            <p:nvPr/>
+          </p:nvCxnSpPr>
+          <p:spPr>
+            <a:xfrm flipH="1">
+              <a:off x="8987360" y="799556"/>
+              <a:ext cx="1045602" cy="874787"/>
+            </a:xfrm>
+            <a:prstGeom prst="line">
+              <a:avLst/>
+            </a:prstGeom>
+            <a:ln w="22225">
+              <a:tailEnd type="none" w="med" len="sm"/>
+            </a:ln>
+          </p:spPr>
+          <p:style>
+            <a:lnRef idx="3">
+              <a:schemeClr val="dk1"/>
+            </a:lnRef>
+            <a:fillRef idx="0">
+              <a:schemeClr val="dk1"/>
+            </a:fillRef>
+            <a:effectRef idx="2">
+              <a:schemeClr val="dk1"/>
+            </a:effectRef>
+            <a:fontRef idx="minor">
+              <a:schemeClr val="tx1"/>
+            </a:fontRef>
+          </p:style>
+        </p:cxnSp>
+        <p:cxnSp>
+          <p:nvCxnSpPr>
+            <p:cNvPr id="16" name="直接连接符 15"/>
+            <p:cNvCxnSpPr>
+              <a:stCxn id="13" idx="4"/>
+              <a:endCxn id="11" idx="0"/>
+            </p:cNvCxnSpPr>
+            <p:nvPr/>
+          </p:nvCxnSpPr>
+          <p:spPr>
+            <a:xfrm>
+              <a:off x="10032962" y="799556"/>
+              <a:ext cx="1012888" cy="874787"/>
+            </a:xfrm>
+            <a:prstGeom prst="line">
+              <a:avLst/>
+            </a:prstGeom>
+            <a:ln w="22225">
+              <a:tailEnd type="none" w="med" len="sm"/>
+            </a:ln>
+          </p:spPr>
+          <p:style>
+            <a:lnRef idx="3">
+              <a:schemeClr val="dk1"/>
+            </a:lnRef>
+            <a:fillRef idx="0">
+              <a:schemeClr val="dk1"/>
+            </a:fillRef>
+            <a:effectRef idx="2">
+              <a:schemeClr val="dk1"/>
+            </a:effectRef>
+            <a:fontRef idx="minor">
+              <a:schemeClr val="tx1"/>
+            </a:fontRef>
+          </p:style>
+        </p:cxnSp>
+        <p:sp>
+          <p:nvSpPr>
+            <p:cNvPr id="17" name="椭圆 16"/>
+            <p:cNvSpPr/>
+            <p:nvPr/>
+          </p:nvSpPr>
+          <p:spPr>
+            <a:xfrm>
+              <a:off x="11483789" y="3524948"/>
+              <a:ext cx="157002" cy="157002"/>
+            </a:xfrm>
+            <a:prstGeom prst="ellipse">
+              <a:avLst/>
+            </a:prstGeom>
+            <a:solidFill>
+              <a:schemeClr val="accent1"/>
+            </a:solidFill>
+          </p:spPr>
+          <p:style>
+            <a:lnRef idx="2">
+              <a:schemeClr val="accent1">
+                <a:shade val="50000"/>
+              </a:schemeClr>
+            </a:lnRef>
+            <a:fillRef idx="1">
+              <a:schemeClr val="accent1"/>
+            </a:fillRef>
+            <a:effectRef idx="0">
+              <a:schemeClr val="accent1"/>
+            </a:effectRef>
+            <a:fontRef idx="minor">
+              <a:schemeClr val="lt1"/>
+            </a:fontRef>
+          </p:style>
+          <p:txBody>
+            <a:bodyPr rtlCol="0" anchor="ctr"/>
+            <a:lstStyle/>
+            <a:p>
+              <a:pPr algn="ctr"/>
+              <a:endParaRPr lang="zh-CN" altLang="en-US" spc="300"/>
+            </a:p>
+          </p:txBody>
+        </p:sp>
+        <p:cxnSp>
+          <p:nvCxnSpPr>
+            <p:cNvPr id="18" name="直接连接符 17"/>
+            <p:cNvCxnSpPr>
+              <a:stCxn id="7" idx="4"/>
+              <a:endCxn id="8" idx="0"/>
+            </p:cNvCxnSpPr>
+            <p:nvPr/>
+          </p:nvCxnSpPr>
+          <p:spPr>
+            <a:xfrm flipH="1">
+              <a:off x="8984816" y="1831345"/>
+              <a:ext cx="2544" cy="932571"/>
+            </a:xfrm>
+            <a:prstGeom prst="line">
+              <a:avLst/>
+            </a:prstGeom>
+            <a:ln w="25400">
+              <a:tailEnd type="none" w="med" len="sm"/>
+            </a:ln>
+          </p:spPr>
+          <p:style>
+            <a:lnRef idx="3">
+              <a:schemeClr val="dk1"/>
+            </a:lnRef>
+            <a:fillRef idx="0">
+              <a:schemeClr val="dk1"/>
+            </a:fillRef>
+            <a:effectRef idx="2">
+              <a:schemeClr val="dk1"/>
+            </a:effectRef>
+            <a:fontRef idx="minor">
+              <a:schemeClr val="tx1"/>
+            </a:fontRef>
+          </p:style>
+        </p:cxnSp>
+        <p:cxnSp>
+          <p:nvCxnSpPr>
+            <p:cNvPr id="19" name="直接连接符 18"/>
+            <p:cNvCxnSpPr>
+              <a:stCxn id="8" idx="4"/>
+              <a:endCxn id="14" idx="7"/>
+            </p:cNvCxnSpPr>
+            <p:nvPr/>
+          </p:nvCxnSpPr>
+          <p:spPr>
+            <a:xfrm flipH="1">
+              <a:off x="8431210" y="2920918"/>
+              <a:ext cx="553606" cy="627022"/>
+            </a:xfrm>
+            <a:prstGeom prst="line">
+              <a:avLst/>
+            </a:prstGeom>
+            <a:ln w="22225">
+              <a:tailEnd type="none" w="med" len="sm"/>
+            </a:ln>
+          </p:spPr>
+          <p:style>
+            <a:lnRef idx="3">
+              <a:schemeClr val="dk1"/>
+            </a:lnRef>
+            <a:fillRef idx="0">
+              <a:schemeClr val="dk1"/>
+            </a:fillRef>
+            <a:effectRef idx="2">
+              <a:schemeClr val="dk1"/>
+            </a:effectRef>
+            <a:fontRef idx="minor">
+              <a:schemeClr val="tx1"/>
+            </a:fontRef>
+          </p:style>
+        </p:cxnSp>
+        <p:cxnSp>
+          <p:nvCxnSpPr>
+            <p:cNvPr id="20" name="直接连接符 19"/>
+            <p:cNvCxnSpPr>
+              <a:stCxn id="8" idx="4"/>
+              <a:endCxn id="10" idx="1"/>
+            </p:cNvCxnSpPr>
+            <p:nvPr/>
+          </p:nvCxnSpPr>
+          <p:spPr>
+            <a:xfrm>
+              <a:off x="8984816" y="2920918"/>
+              <a:ext cx="463839" cy="627022"/>
+            </a:xfrm>
+            <a:prstGeom prst="line">
+              <a:avLst/>
+            </a:prstGeom>
+            <a:ln w="22225">
+              <a:tailEnd type="none" w="med" len="sm"/>
+            </a:ln>
+          </p:spPr>
+          <p:style>
+            <a:lnRef idx="3">
+              <a:schemeClr val="dk1"/>
+            </a:lnRef>
+            <a:fillRef idx="0">
+              <a:schemeClr val="dk1"/>
+            </a:fillRef>
+            <a:effectRef idx="2">
+              <a:schemeClr val="dk1"/>
+            </a:effectRef>
+            <a:fontRef idx="minor">
+              <a:schemeClr val="tx1"/>
+            </a:fontRef>
+          </p:style>
+        </p:cxnSp>
+        <p:cxnSp>
+          <p:nvCxnSpPr>
+            <p:cNvPr id="21" name="直接连接符 20"/>
+            <p:cNvCxnSpPr>
+              <a:stCxn id="11" idx="4"/>
+              <a:endCxn id="9" idx="0"/>
+            </p:cNvCxnSpPr>
+            <p:nvPr/>
+          </p:nvCxnSpPr>
+          <p:spPr>
+            <a:xfrm>
+              <a:off x="11045850" y="1831345"/>
+              <a:ext cx="28349" cy="932571"/>
+            </a:xfrm>
+            <a:prstGeom prst="line">
+              <a:avLst/>
+            </a:prstGeom>
+            <a:ln w="22225">
+              <a:tailEnd type="none" w="med" len="sm"/>
+            </a:ln>
+          </p:spPr>
+          <p:style>
+            <a:lnRef idx="3">
+              <a:schemeClr val="dk1"/>
+            </a:lnRef>
+            <a:fillRef idx="0">
+              <a:schemeClr val="dk1"/>
+            </a:fillRef>
+            <a:effectRef idx="2">
+              <a:schemeClr val="dk1"/>
+            </a:effectRef>
+            <a:fontRef idx="minor">
+              <a:schemeClr val="tx1"/>
+            </a:fontRef>
+          </p:style>
+        </p:cxnSp>
+        <p:cxnSp>
+          <p:nvCxnSpPr>
+            <p:cNvPr id="22" name="直接连接符 21"/>
+            <p:cNvCxnSpPr>
+              <a:stCxn id="9" idx="3"/>
+              <a:endCxn id="12" idx="7"/>
+            </p:cNvCxnSpPr>
+            <p:nvPr/>
+          </p:nvCxnSpPr>
+          <p:spPr>
+            <a:xfrm flipH="1">
+              <a:off x="10542034" y="2897926"/>
+              <a:ext cx="476656" cy="650014"/>
+            </a:xfrm>
+            <a:prstGeom prst="line">
+              <a:avLst/>
+            </a:prstGeom>
+            <a:ln w="22225">
+              <a:tailEnd type="none" w="med" len="sm"/>
+            </a:ln>
+          </p:spPr>
+          <p:style>
+            <a:lnRef idx="3">
+              <a:schemeClr val="dk1"/>
+            </a:lnRef>
+            <a:fillRef idx="0">
+              <a:schemeClr val="dk1"/>
+            </a:fillRef>
+            <a:effectRef idx="2">
+              <a:schemeClr val="dk1"/>
+            </a:effectRef>
+            <a:fontRef idx="minor">
+              <a:schemeClr val="tx1"/>
+            </a:fontRef>
+          </p:style>
+        </p:cxnSp>
+        <p:cxnSp>
+          <p:nvCxnSpPr>
+            <p:cNvPr id="23" name="直接连接符 22"/>
+            <p:cNvCxnSpPr>
+              <a:stCxn id="9" idx="5"/>
+              <a:endCxn id="17" idx="1"/>
+            </p:cNvCxnSpPr>
+            <p:nvPr/>
+          </p:nvCxnSpPr>
+          <p:spPr>
+            <a:xfrm>
+              <a:off x="11129708" y="2897926"/>
+              <a:ext cx="377073" cy="650014"/>
+            </a:xfrm>
+            <a:prstGeom prst="line">
+              <a:avLst/>
+            </a:prstGeom>
+            <a:ln w="22225">
+              <a:tailEnd type="none" w="med" len="sm"/>
+            </a:ln>
+          </p:spPr>
+          <p:style>
+            <a:lnRef idx="3">
+              <a:schemeClr val="dk1"/>
+            </a:lnRef>
+            <a:fillRef idx="0">
+              <a:schemeClr val="dk1"/>
+            </a:fillRef>
+            <a:effectRef idx="2">
+              <a:schemeClr val="dk1"/>
+            </a:effectRef>
+            <a:fontRef idx="minor">
+              <a:schemeClr val="tx1"/>
+            </a:fontRef>
+          </p:style>
+        </p:cxnSp>
+        <p:cxnSp>
+          <p:nvCxnSpPr>
+            <p:cNvPr id="24" name="直接连接符 43"/>
+            <p:cNvCxnSpPr>
+              <a:stCxn id="7" idx="2"/>
+              <a:endCxn id="14" idx="1"/>
+            </p:cNvCxnSpPr>
+            <p:nvPr/>
+          </p:nvCxnSpPr>
+          <p:spPr>
+            <a:xfrm rot="10800000" flipV="1">
+              <a:off x="8320193" y="1752844"/>
+              <a:ext cx="588667" cy="1795096"/>
+            </a:xfrm>
+            <a:prstGeom prst="curvedConnector2">
+              <a:avLst/>
+            </a:prstGeom>
+            <a:ln w="22225">
+              <a:tailEnd type="none" w="med" len="sm"/>
+            </a:ln>
+          </p:spPr>
+          <p:style>
+            <a:lnRef idx="3">
+              <a:schemeClr val="dk1"/>
+            </a:lnRef>
+            <a:fillRef idx="0">
+              <a:schemeClr val="dk1"/>
+            </a:fillRef>
+            <a:effectRef idx="2">
+              <a:schemeClr val="dk1"/>
+            </a:effectRef>
+            <a:fontRef idx="minor">
+              <a:schemeClr val="tx1"/>
+            </a:fontRef>
+          </p:style>
+        </p:cxnSp>
+        <p:cxnSp>
+          <p:nvCxnSpPr>
+            <p:cNvPr id="25" name="直接连接符 49"/>
+            <p:cNvCxnSpPr>
+              <a:stCxn id="7" idx="6"/>
+              <a:endCxn id="10" idx="7"/>
+            </p:cNvCxnSpPr>
+            <p:nvPr/>
+          </p:nvCxnSpPr>
+          <p:spPr>
+            <a:xfrm>
+              <a:off x="9065861" y="1752844"/>
+              <a:ext cx="493812" cy="1795096"/>
+            </a:xfrm>
+            <a:prstGeom prst="curvedConnector2">
+              <a:avLst/>
+            </a:prstGeom>
+            <a:ln w="22225">
+              <a:tailEnd type="none" w="med" len="sm"/>
+            </a:ln>
+          </p:spPr>
+          <p:style>
+            <a:lnRef idx="3">
+              <a:schemeClr val="dk1"/>
+            </a:lnRef>
+            <a:fillRef idx="0">
+              <a:schemeClr val="dk1"/>
+            </a:fillRef>
+            <a:effectRef idx="2">
+              <a:schemeClr val="dk1"/>
+            </a:effectRef>
+            <a:fontRef idx="minor">
+              <a:schemeClr val="tx1"/>
+            </a:fontRef>
+          </p:style>
+        </p:cxnSp>
+        <p:cxnSp>
+          <p:nvCxnSpPr>
+            <p:cNvPr id="26" name="直接连接符 58"/>
+            <p:cNvCxnSpPr>
+              <a:stCxn id="11" idx="2"/>
+              <a:endCxn id="12" idx="1"/>
+            </p:cNvCxnSpPr>
+            <p:nvPr/>
+          </p:nvCxnSpPr>
+          <p:spPr>
+            <a:xfrm rot="10800000" flipV="1">
+              <a:off x="10431017" y="1752844"/>
+              <a:ext cx="536333" cy="1795096"/>
+            </a:xfrm>
+            <a:prstGeom prst="curvedConnector2">
+              <a:avLst/>
+            </a:prstGeom>
+            <a:ln w="22225">
+              <a:tailEnd type="none" w="med" len="sm"/>
+            </a:ln>
+          </p:spPr>
+          <p:style>
+            <a:lnRef idx="3">
+              <a:schemeClr val="dk1"/>
+            </a:lnRef>
+            <a:fillRef idx="0">
+              <a:schemeClr val="dk1"/>
+            </a:fillRef>
+            <a:effectRef idx="2">
+              <a:schemeClr val="dk1"/>
+            </a:effectRef>
+            <a:fontRef idx="minor">
+              <a:schemeClr val="tx1"/>
+            </a:fontRef>
+          </p:style>
+        </p:cxnSp>
+        <p:cxnSp>
+          <p:nvCxnSpPr>
+            <p:cNvPr id="27" name="直接连接符 61"/>
+            <p:cNvCxnSpPr>
+              <a:stCxn id="11" idx="6"/>
+              <a:endCxn id="17" idx="7"/>
+            </p:cNvCxnSpPr>
+            <p:nvPr/>
+          </p:nvCxnSpPr>
+          <p:spPr>
+            <a:xfrm>
+              <a:off x="11124351" y="1752844"/>
+              <a:ext cx="493448" cy="1795096"/>
+            </a:xfrm>
+            <a:prstGeom prst="curvedConnector2">
+              <a:avLst/>
+            </a:prstGeom>
+            <a:ln w="22225">
+              <a:tailEnd type="none" w="med" len="sm"/>
+            </a:ln>
+          </p:spPr>
+          <p:style>
+            <a:lnRef idx="3">
+              <a:schemeClr val="dk1"/>
+            </a:lnRef>
+            <a:fillRef idx="0">
+              <a:schemeClr val="dk1"/>
+            </a:fillRef>
+            <a:effectRef idx="2">
+              <a:schemeClr val="dk1"/>
+            </a:effectRef>
+            <a:fontRef idx="minor">
+              <a:schemeClr val="tx1"/>
+            </a:fontRef>
+          </p:style>
+        </p:cxnSp>
+        <p:sp>
+          <p:nvSpPr>
+            <p:cNvPr id="28" name="文本框 27"/>
+            <p:cNvSpPr txBox="1"/>
+            <p:nvPr/>
+          </p:nvSpPr>
+          <p:spPr>
+            <a:xfrm>
+              <a:off x="8088086" y="3676809"/>
+              <a:ext cx="591670" cy="369332"/>
+            </a:xfrm>
+            <a:prstGeom prst="rect">
+              <a:avLst/>
+            </a:prstGeom>
+            <a:noFill/>
+          </p:spPr>
+          <p:txBody>
+            <a:bodyPr wrap="square" rtlCol="0">
+              <a:spAutoFit/>
+            </a:bodyPr>
+            <a:lstStyle/>
+            <a:p>
+              <a:pPr algn="ctr"/>
+              <a:r>
+                <a:rPr lang="en-US" altLang="zh-CN" b="1" i="1" spc="300" dirty="0" smtClean="0">
+                  <a:solidFill>
+                    <a:srgbClr val="FF0000"/>
+                  </a:solidFill>
+                </a:rPr>
+                <a:t>v1</a:t>
+              </a:r>
+              <a:endParaRPr lang="zh-CN" altLang="en-US" b="1" i="1" spc="300" dirty="0">
+                <a:solidFill>
+                  <a:srgbClr val="FF0000"/>
+                </a:solidFill>
+              </a:endParaRPr>
+            </a:p>
+          </p:txBody>
+        </p:sp>
+        <p:sp>
+          <p:nvSpPr>
+            <p:cNvPr id="29" name="文本框 28"/>
+            <p:cNvSpPr txBox="1"/>
+            <p:nvPr/>
+          </p:nvSpPr>
+          <p:spPr>
+            <a:xfrm>
+              <a:off x="9225323" y="3676809"/>
+              <a:ext cx="591670" cy="369332"/>
+            </a:xfrm>
+            <a:prstGeom prst="rect">
+              <a:avLst/>
+            </a:prstGeom>
+            <a:noFill/>
+          </p:spPr>
+          <p:txBody>
+            <a:bodyPr wrap="square" rtlCol="0">
+              <a:spAutoFit/>
+            </a:bodyPr>
+            <a:lstStyle/>
+            <a:p>
+              <a:pPr algn="ctr"/>
+              <a:r>
+                <a:rPr lang="en-US" altLang="zh-CN" b="1" i="1" spc="300" dirty="0" smtClean="0">
+                  <a:solidFill>
+                    <a:srgbClr val="FF0000"/>
+                  </a:solidFill>
+                </a:rPr>
+                <a:t>v2</a:t>
+              </a:r>
+              <a:endParaRPr lang="zh-CN" altLang="en-US" b="1" i="1" spc="300" dirty="0">
+                <a:solidFill>
+                  <a:srgbClr val="FF0000"/>
+                </a:solidFill>
+              </a:endParaRPr>
+            </a:p>
+          </p:txBody>
+        </p:sp>
+        <p:sp>
+          <p:nvSpPr>
+            <p:cNvPr id="30" name="文本框 29"/>
+            <p:cNvSpPr txBox="1"/>
+            <p:nvPr/>
+          </p:nvSpPr>
+          <p:spPr>
+            <a:xfrm>
+              <a:off x="10260747" y="3676809"/>
+              <a:ext cx="591670" cy="369332"/>
+            </a:xfrm>
+            <a:prstGeom prst="rect">
+              <a:avLst/>
+            </a:prstGeom>
+            <a:noFill/>
+          </p:spPr>
+          <p:txBody>
+            <a:bodyPr wrap="square" rtlCol="0">
+              <a:spAutoFit/>
+            </a:bodyPr>
+            <a:lstStyle/>
+            <a:p>
+              <a:pPr algn="ctr"/>
+              <a:r>
+                <a:rPr lang="en-US" altLang="zh-CN" b="1" i="1" spc="300" dirty="0" smtClean="0">
+                  <a:solidFill>
+                    <a:srgbClr val="FF0000"/>
+                  </a:solidFill>
+                </a:rPr>
+                <a:t>v3</a:t>
+              </a:r>
+              <a:endParaRPr lang="zh-CN" altLang="en-US" b="1" i="1" spc="300" dirty="0">
+                <a:solidFill>
+                  <a:srgbClr val="FF0000"/>
+                </a:solidFill>
+              </a:endParaRPr>
+            </a:p>
+          </p:txBody>
+        </p:sp>
+        <p:sp>
+          <p:nvSpPr>
+            <p:cNvPr id="31" name="文本框 30"/>
+            <p:cNvSpPr txBox="1"/>
+            <p:nvPr/>
+          </p:nvSpPr>
+          <p:spPr>
+            <a:xfrm>
+              <a:off x="11309617" y="3676809"/>
+              <a:ext cx="591670" cy="369332"/>
+            </a:xfrm>
+            <a:prstGeom prst="rect">
+              <a:avLst/>
+            </a:prstGeom>
+            <a:noFill/>
+          </p:spPr>
+          <p:txBody>
+            <a:bodyPr wrap="square" rtlCol="0">
+              <a:spAutoFit/>
+            </a:bodyPr>
+            <a:lstStyle/>
+            <a:p>
+              <a:pPr algn="ctr"/>
+              <a:r>
+                <a:rPr lang="en-US" altLang="zh-CN" b="1" i="1" spc="300" dirty="0" smtClean="0">
+                  <a:solidFill>
+                    <a:srgbClr val="FF0000"/>
+                  </a:solidFill>
+                </a:rPr>
+                <a:t>v4</a:t>
+              </a:r>
+              <a:endParaRPr lang="zh-CN" altLang="en-US" b="1" i="1" spc="300" dirty="0">
+                <a:solidFill>
+                  <a:srgbClr val="FF0000"/>
+                </a:solidFill>
+              </a:endParaRPr>
+            </a:p>
+          </p:txBody>
+        </p:sp>
+        <p:sp>
+          <p:nvSpPr>
+            <p:cNvPr id="32" name="文本框 31"/>
+            <p:cNvSpPr txBox="1"/>
+            <p:nvPr/>
+          </p:nvSpPr>
+          <p:spPr>
+            <a:xfrm>
+              <a:off x="9063318" y="900954"/>
+              <a:ext cx="591670" cy="369332"/>
+            </a:xfrm>
+            <a:prstGeom prst="rect">
+              <a:avLst/>
+            </a:prstGeom>
+            <a:noFill/>
+          </p:spPr>
+          <p:txBody>
+            <a:bodyPr wrap="square" rtlCol="0">
+              <a:spAutoFit/>
+            </a:bodyPr>
+            <a:lstStyle/>
+            <a:p>
+              <a:pPr algn="ctr"/>
+              <a:r>
+                <a:rPr lang="en-US" altLang="zh-CN" b="1" i="1" spc="300" dirty="0" smtClean="0"/>
+                <a:t>1</a:t>
+              </a:r>
+              <a:endParaRPr lang="zh-CN" altLang="en-US" b="1" i="1" spc="300" dirty="0"/>
+            </a:p>
+          </p:txBody>
+        </p:sp>
+        <p:sp>
+          <p:nvSpPr>
+            <p:cNvPr id="33" name="文本框 32"/>
+            <p:cNvSpPr txBox="1"/>
+            <p:nvPr/>
+          </p:nvSpPr>
+          <p:spPr>
+            <a:xfrm>
+              <a:off x="10354235" y="847166"/>
+              <a:ext cx="591670" cy="369332"/>
+            </a:xfrm>
+            <a:prstGeom prst="rect">
+              <a:avLst/>
+            </a:prstGeom>
+            <a:noFill/>
+          </p:spPr>
+          <p:txBody>
+            <a:bodyPr wrap="square" rtlCol="0">
+              <a:spAutoFit/>
+            </a:bodyPr>
+            <a:lstStyle/>
+            <a:p>
+              <a:pPr algn="ctr"/>
+              <a:r>
+                <a:rPr lang="en-US" altLang="zh-CN" b="1" i="1" spc="300" dirty="0" smtClean="0"/>
+                <a:t>1</a:t>
+              </a:r>
+              <a:endParaRPr lang="zh-CN" altLang="en-US" b="1" i="1" spc="300" dirty="0"/>
+            </a:p>
+          </p:txBody>
+        </p:sp>
+        <p:sp>
+          <p:nvSpPr>
+            <p:cNvPr id="34" name="文本框 33"/>
+            <p:cNvSpPr txBox="1"/>
+            <p:nvPr/>
+          </p:nvSpPr>
+          <p:spPr>
+            <a:xfrm>
+              <a:off x="7893423" y="2218763"/>
+              <a:ext cx="591670" cy="369332"/>
+            </a:xfrm>
+            <a:prstGeom prst="rect">
+              <a:avLst/>
+            </a:prstGeom>
+            <a:noFill/>
+          </p:spPr>
+          <p:txBody>
+            <a:bodyPr wrap="square" rtlCol="0">
+              <a:spAutoFit/>
+            </a:bodyPr>
+            <a:lstStyle/>
+            <a:p>
+              <a:pPr algn="ctr"/>
+              <a:r>
+                <a:rPr lang="en-US" altLang="zh-CN" b="1" i="1" spc="300" dirty="0" smtClean="0"/>
+                <a:t>4</a:t>
+              </a:r>
+              <a:endParaRPr lang="zh-CN" altLang="en-US" b="1" i="1" spc="300" dirty="0"/>
+            </a:p>
+          </p:txBody>
+        </p:sp>
+        <p:sp>
+          <p:nvSpPr>
+            <p:cNvPr id="35" name="文本框 34"/>
+            <p:cNvSpPr txBox="1"/>
+            <p:nvPr/>
+          </p:nvSpPr>
+          <p:spPr>
+            <a:xfrm>
+              <a:off x="8796789" y="2113255"/>
+              <a:ext cx="591670" cy="369332"/>
+            </a:xfrm>
+            <a:prstGeom prst="rect">
+              <a:avLst/>
+            </a:prstGeom>
+            <a:noFill/>
+          </p:spPr>
+          <p:txBody>
+            <a:bodyPr wrap="square" rtlCol="0">
+              <a:spAutoFit/>
+            </a:bodyPr>
+            <a:lstStyle/>
+            <a:p>
+              <a:pPr algn="ctr"/>
+              <a:r>
+                <a:rPr lang="en-US" altLang="zh-CN" b="1" i="1" spc="300" dirty="0" smtClean="0"/>
+                <a:t>4</a:t>
+              </a:r>
+              <a:endParaRPr lang="zh-CN" altLang="en-US" b="1" i="1" spc="300" dirty="0"/>
+            </a:p>
+          </p:txBody>
+        </p:sp>
+        <p:sp>
+          <p:nvSpPr>
+            <p:cNvPr id="36" name="文本框 35"/>
+            <p:cNvSpPr txBox="1"/>
+            <p:nvPr/>
+          </p:nvSpPr>
+          <p:spPr>
+            <a:xfrm>
+              <a:off x="9305365" y="2218763"/>
+              <a:ext cx="591670" cy="369332"/>
+            </a:xfrm>
+            <a:prstGeom prst="rect">
+              <a:avLst/>
+            </a:prstGeom>
+            <a:noFill/>
+          </p:spPr>
+          <p:txBody>
+            <a:bodyPr wrap="square" rtlCol="0">
+              <a:spAutoFit/>
+            </a:bodyPr>
+            <a:lstStyle/>
+            <a:p>
+              <a:pPr algn="ctr"/>
+              <a:r>
+                <a:rPr lang="en-US" altLang="zh-CN" b="1" i="1" spc="300" dirty="0" smtClean="0"/>
+                <a:t>4</a:t>
+              </a:r>
+              <a:endParaRPr lang="zh-CN" altLang="en-US" b="1" i="1" spc="300" dirty="0"/>
+            </a:p>
+          </p:txBody>
+        </p:sp>
+        <p:sp>
+          <p:nvSpPr>
+            <p:cNvPr id="37" name="文本框 36"/>
+            <p:cNvSpPr txBox="1"/>
+            <p:nvPr/>
+          </p:nvSpPr>
+          <p:spPr>
+            <a:xfrm>
+              <a:off x="10125635" y="2218763"/>
+              <a:ext cx="591670" cy="369332"/>
+            </a:xfrm>
+            <a:prstGeom prst="rect">
+              <a:avLst/>
+            </a:prstGeom>
+            <a:noFill/>
+          </p:spPr>
+          <p:txBody>
+            <a:bodyPr wrap="square" rtlCol="0">
+              <a:spAutoFit/>
+            </a:bodyPr>
+            <a:lstStyle/>
+            <a:p>
+              <a:pPr algn="ctr"/>
+              <a:r>
+                <a:rPr lang="en-US" altLang="zh-CN" b="1" i="1" spc="300" dirty="0" smtClean="0"/>
+                <a:t>4</a:t>
+              </a:r>
+              <a:endParaRPr lang="zh-CN" altLang="en-US" b="1" i="1" spc="300" dirty="0"/>
+            </a:p>
+          </p:txBody>
+        </p:sp>
+        <p:sp>
+          <p:nvSpPr>
+            <p:cNvPr id="38" name="文本框 37"/>
+            <p:cNvSpPr txBox="1"/>
+            <p:nvPr/>
+          </p:nvSpPr>
+          <p:spPr>
+            <a:xfrm>
+              <a:off x="10623176" y="2218763"/>
+              <a:ext cx="591670" cy="369332"/>
+            </a:xfrm>
+            <a:prstGeom prst="rect">
+              <a:avLst/>
+            </a:prstGeom>
+            <a:noFill/>
+          </p:spPr>
+          <p:txBody>
+            <a:bodyPr wrap="square" rtlCol="0">
+              <a:spAutoFit/>
+            </a:bodyPr>
+            <a:lstStyle/>
+            <a:p>
+              <a:pPr algn="ctr"/>
+              <a:r>
+                <a:rPr lang="en-US" altLang="zh-CN" b="1" i="1" spc="300" dirty="0" smtClean="0"/>
+                <a:t>4</a:t>
+              </a:r>
+              <a:endParaRPr lang="zh-CN" altLang="en-US" b="1" i="1" spc="300" dirty="0"/>
+            </a:p>
+          </p:txBody>
+        </p:sp>
+        <p:sp>
+          <p:nvSpPr>
+            <p:cNvPr id="39" name="文本框 38"/>
+            <p:cNvSpPr txBox="1"/>
+            <p:nvPr/>
+          </p:nvSpPr>
+          <p:spPr>
+            <a:xfrm>
+              <a:off x="11376212" y="2218763"/>
+              <a:ext cx="591670" cy="369332"/>
+            </a:xfrm>
+            <a:prstGeom prst="rect">
+              <a:avLst/>
+            </a:prstGeom>
+            <a:noFill/>
+          </p:spPr>
+          <p:txBody>
+            <a:bodyPr wrap="square" rtlCol="0">
+              <a:spAutoFit/>
+            </a:bodyPr>
+            <a:lstStyle/>
+            <a:p>
+              <a:pPr algn="ctr"/>
+              <a:r>
+                <a:rPr lang="en-US" altLang="zh-CN" b="1" i="1" spc="300" dirty="0" smtClean="0"/>
+                <a:t>4</a:t>
+              </a:r>
+              <a:endParaRPr lang="zh-CN" altLang="en-US" b="1" i="1" spc="300" dirty="0"/>
+            </a:p>
+          </p:txBody>
+        </p:sp>
+        <p:sp>
+          <p:nvSpPr>
+            <p:cNvPr id="40" name="文本框 39"/>
+            <p:cNvSpPr txBox="1"/>
+            <p:nvPr/>
+          </p:nvSpPr>
+          <p:spPr>
+            <a:xfrm>
+              <a:off x="8296835" y="2877669"/>
+              <a:ext cx="591670" cy="369332"/>
+            </a:xfrm>
+            <a:prstGeom prst="rect">
+              <a:avLst/>
+            </a:prstGeom>
+            <a:noFill/>
+          </p:spPr>
+          <p:txBody>
+            <a:bodyPr wrap="square" rtlCol="0">
+              <a:spAutoFit/>
+            </a:bodyPr>
+            <a:lstStyle/>
+            <a:p>
+              <a:pPr algn="ctr"/>
+              <a:r>
+                <a:rPr lang="en-US" altLang="zh-CN" b="1" i="1" spc="300" dirty="0" smtClean="0"/>
+                <a:t>1</a:t>
+              </a:r>
+              <a:endParaRPr lang="zh-CN" altLang="en-US" b="1" i="1" spc="300" dirty="0"/>
+            </a:p>
+          </p:txBody>
+        </p:sp>
+        <p:sp>
+          <p:nvSpPr>
+            <p:cNvPr id="41" name="文本框 40"/>
+            <p:cNvSpPr txBox="1"/>
+            <p:nvPr/>
+          </p:nvSpPr>
+          <p:spPr>
+            <a:xfrm>
+              <a:off x="9049871" y="2877669"/>
+              <a:ext cx="591670" cy="369332"/>
+            </a:xfrm>
+            <a:prstGeom prst="rect">
+              <a:avLst/>
+            </a:prstGeom>
+            <a:noFill/>
+          </p:spPr>
+          <p:txBody>
+            <a:bodyPr wrap="square" rtlCol="0">
+              <a:spAutoFit/>
+            </a:bodyPr>
+            <a:lstStyle/>
+            <a:p>
+              <a:pPr algn="ctr"/>
+              <a:r>
+                <a:rPr lang="en-US" altLang="zh-CN" b="1" i="1" spc="300" dirty="0" smtClean="0"/>
+                <a:t>1</a:t>
+              </a:r>
+              <a:endParaRPr lang="zh-CN" altLang="en-US" b="1" i="1" spc="300" dirty="0"/>
+            </a:p>
+          </p:txBody>
+        </p:sp>
+        <p:sp>
+          <p:nvSpPr>
+            <p:cNvPr id="42" name="文本框 41"/>
+            <p:cNvSpPr txBox="1"/>
+            <p:nvPr/>
+          </p:nvSpPr>
+          <p:spPr>
+            <a:xfrm>
+              <a:off x="10448365" y="2877669"/>
+              <a:ext cx="591670" cy="369332"/>
+            </a:xfrm>
+            <a:prstGeom prst="rect">
+              <a:avLst/>
+            </a:prstGeom>
+            <a:noFill/>
+          </p:spPr>
+          <p:txBody>
+            <a:bodyPr wrap="square" rtlCol="0">
+              <a:spAutoFit/>
+            </a:bodyPr>
+            <a:lstStyle/>
+            <a:p>
+              <a:pPr algn="ctr"/>
+              <a:r>
+                <a:rPr lang="en-US" altLang="zh-CN" b="1" i="1" spc="300" dirty="0" smtClean="0"/>
+                <a:t>1</a:t>
+              </a:r>
+              <a:endParaRPr lang="zh-CN" altLang="en-US" b="1" i="1" spc="300" dirty="0"/>
+            </a:p>
+          </p:txBody>
+        </p:sp>
+        <p:sp>
+          <p:nvSpPr>
+            <p:cNvPr id="43" name="文本框 42"/>
+            <p:cNvSpPr txBox="1"/>
+            <p:nvPr/>
+          </p:nvSpPr>
+          <p:spPr>
+            <a:xfrm>
+              <a:off x="11134165" y="2877669"/>
+              <a:ext cx="591670" cy="369332"/>
+            </a:xfrm>
+            <a:prstGeom prst="rect">
+              <a:avLst/>
+            </a:prstGeom>
+            <a:noFill/>
+          </p:spPr>
+          <p:txBody>
+            <a:bodyPr wrap="square" rtlCol="0">
+              <a:spAutoFit/>
+            </a:bodyPr>
+            <a:lstStyle/>
+            <a:p>
+              <a:pPr algn="ctr"/>
+              <a:r>
+                <a:rPr lang="en-US" altLang="zh-CN" b="1" i="1" spc="300" dirty="0" smtClean="0"/>
+                <a:t>1</a:t>
+              </a:r>
+              <a:endParaRPr lang="zh-CN" altLang="en-US" b="1" i="1" spc="300" dirty="0"/>
+            </a:p>
+          </p:txBody>
+        </p:sp>
+        <p:sp>
+          <p:nvSpPr>
+            <p:cNvPr id="44" name="文本框 43"/>
+            <p:cNvSpPr txBox="1"/>
+            <p:nvPr/>
+          </p:nvSpPr>
+          <p:spPr>
+            <a:xfrm>
+              <a:off x="8486671" y="2621732"/>
+              <a:ext cx="591670" cy="307777"/>
+            </a:xfrm>
+            <a:prstGeom prst="rect">
+              <a:avLst/>
+            </a:prstGeom>
+            <a:noFill/>
+          </p:spPr>
+          <p:txBody>
+            <a:bodyPr wrap="square" rtlCol="0">
+              <a:spAutoFit/>
+            </a:bodyPr>
+            <a:lstStyle/>
+            <a:p>
+              <a:pPr algn="ctr"/>
+              <a:r>
+                <a:rPr lang="en-US" altLang="zh-CN" sz="1400" b="1" i="1" dirty="0" smtClean="0"/>
+                <a:t>v5</a:t>
+              </a:r>
+              <a:endParaRPr lang="zh-CN" altLang="en-US" sz="1400" b="1" i="1" dirty="0"/>
+            </a:p>
+          </p:txBody>
+        </p:sp>
+        <p:sp>
+          <p:nvSpPr>
+            <p:cNvPr id="45" name="文本框 44"/>
+            <p:cNvSpPr txBox="1"/>
+            <p:nvPr/>
+          </p:nvSpPr>
+          <p:spPr>
+            <a:xfrm>
+              <a:off x="10561655" y="2633455"/>
+              <a:ext cx="591670" cy="307777"/>
+            </a:xfrm>
+            <a:prstGeom prst="rect">
+              <a:avLst/>
+            </a:prstGeom>
+            <a:noFill/>
+          </p:spPr>
+          <p:txBody>
+            <a:bodyPr wrap="square" rtlCol="0">
+              <a:spAutoFit/>
+            </a:bodyPr>
+            <a:lstStyle/>
+            <a:p>
+              <a:pPr algn="ctr"/>
+              <a:r>
+                <a:rPr lang="en-US" altLang="zh-CN" sz="1400" b="1" i="1" dirty="0" smtClean="0"/>
+                <a:t>v6</a:t>
+              </a:r>
+              <a:endParaRPr lang="zh-CN" altLang="en-US" sz="1400" b="1" i="1" dirty="0"/>
+            </a:p>
+          </p:txBody>
+        </p:sp>
+        <p:sp>
+          <p:nvSpPr>
+            <p:cNvPr id="46" name="文本框 45"/>
+            <p:cNvSpPr txBox="1"/>
+            <p:nvPr/>
+          </p:nvSpPr>
+          <p:spPr>
+            <a:xfrm>
+              <a:off x="8416332" y="1484594"/>
+              <a:ext cx="591670" cy="307777"/>
+            </a:xfrm>
+            <a:prstGeom prst="rect">
+              <a:avLst/>
+            </a:prstGeom>
+            <a:noFill/>
+          </p:spPr>
+          <p:txBody>
+            <a:bodyPr wrap="square" rtlCol="0">
+              <a:spAutoFit/>
+            </a:bodyPr>
+            <a:lstStyle/>
+            <a:p>
+              <a:pPr algn="ctr"/>
+              <a:r>
+                <a:rPr lang="en-US" altLang="zh-CN" sz="1400" b="1" i="1" dirty="0" smtClean="0"/>
+                <a:t>v7</a:t>
+              </a:r>
+              <a:endParaRPr lang="zh-CN" altLang="en-US" sz="1400" b="1" i="1" dirty="0"/>
+            </a:p>
+          </p:txBody>
+        </p:sp>
+        <p:sp>
+          <p:nvSpPr>
+            <p:cNvPr id="47" name="文本框 46"/>
+            <p:cNvSpPr txBox="1"/>
+            <p:nvPr/>
+          </p:nvSpPr>
+          <p:spPr>
+            <a:xfrm>
+              <a:off x="11018855" y="1449425"/>
+              <a:ext cx="591670" cy="307777"/>
+            </a:xfrm>
+            <a:prstGeom prst="rect">
+              <a:avLst/>
+            </a:prstGeom>
+            <a:noFill/>
+          </p:spPr>
+          <p:txBody>
+            <a:bodyPr wrap="square" rtlCol="0">
+              <a:spAutoFit/>
+            </a:bodyPr>
+            <a:lstStyle/>
+            <a:p>
+              <a:pPr algn="ctr"/>
+              <a:r>
+                <a:rPr lang="en-US" altLang="zh-CN" sz="1400" b="1" i="1" dirty="0" smtClean="0"/>
+                <a:t>v8</a:t>
+              </a:r>
+              <a:endParaRPr lang="zh-CN" altLang="en-US" sz="1400" b="1" i="1" dirty="0"/>
+            </a:p>
+          </p:txBody>
+        </p:sp>
+        <p:sp>
+          <p:nvSpPr>
+            <p:cNvPr id="48" name="文本框 47"/>
+            <p:cNvSpPr txBox="1"/>
+            <p:nvPr/>
+          </p:nvSpPr>
+          <p:spPr>
+            <a:xfrm>
+              <a:off x="9776208" y="945333"/>
+              <a:ext cx="591670" cy="307777"/>
+            </a:xfrm>
+            <a:prstGeom prst="rect">
+              <a:avLst/>
+            </a:prstGeom>
+            <a:noFill/>
+          </p:spPr>
+          <p:txBody>
+            <a:bodyPr wrap="square" rtlCol="0">
+              <a:spAutoFit/>
+            </a:bodyPr>
+            <a:lstStyle/>
+            <a:p>
+              <a:pPr algn="ctr"/>
+              <a:r>
+                <a:rPr lang="en-US" altLang="zh-CN" sz="1400" b="1" i="1" dirty="0" smtClean="0"/>
+                <a:t>v9</a:t>
+              </a:r>
+              <a:endParaRPr lang="zh-CN" altLang="en-US" sz="1400" b="1" i="1" dirty="0"/>
+            </a:p>
+          </p:txBody>
+        </p:sp>
+      </p:grpSp>
+      <p:grpSp>
+        <p:nvGrpSpPr>
+          <p:cNvPr id="51" name="组合 50"/>
+          <p:cNvGrpSpPr/>
+          <p:nvPr/>
+        </p:nvGrpSpPr>
+        <p:grpSpPr>
+          <a:xfrm>
+            <a:off x="6820379" y="3735963"/>
+            <a:ext cx="514500" cy="572796"/>
+            <a:chOff x="6820379" y="3735963"/>
+            <a:chExt cx="514500" cy="572796"/>
+          </a:xfrm>
+        </p:grpSpPr>
+        <mc:AlternateContent xmlns:mc="http://schemas.openxmlformats.org/markup-compatibility/2006">
+          <mc:Choice xmlns:a14="http://schemas.microsoft.com/office/drawing/2010/main" Requires="a14">
+            <p:sp>
+              <p:nvSpPr>
+                <p:cNvPr id="49" name="矩形 48"/>
+                <p:cNvSpPr/>
+                <p:nvPr/>
+              </p:nvSpPr>
+              <p:spPr>
+                <a:xfrm>
+                  <a:off x="6820379" y="3932566"/>
+                  <a:ext cx="514500" cy="376193"/>
+                </a:xfrm>
+                <a:prstGeom prst="rect">
+                  <a:avLst/>
+                </a:prstGeom>
+              </p:spPr>
+              <p:txBody>
+                <a:bodyPr wrap="none">
+                  <a:spAutoFit/>
+                </a:bodyPr>
+                <a:lstStyle/>
+                <a:p>
+                  <a14:m>
+                    <m:oMath xmlns:m="http://schemas.openxmlformats.org/officeDocument/2006/math">
+                      <m:acc>
+                        <m:accPr>
+                          <m:chr m:val="̃"/>
+                          <m:ctrlPr>
+                            <a:rPr lang="zh-CN" altLang="en-US" i="1" smtClean="0">
+                              <a:latin typeface="Cambria Math" panose="02040503050406030204" pitchFamily="18" charset="0"/>
+                            </a:rPr>
+                          </m:ctrlPr>
+                        </m:accPr>
+                        <m:e>
+                          <m:r>
+                            <a:rPr lang="en-US" altLang="zh-CN" i="1" spc="-150" smtClean="0">
+                              <a:latin typeface="Cambria Math" panose="02040503050406030204" pitchFamily="18" charset="0"/>
+                            </a:rPr>
+                            <m:t>𝑉</m:t>
+                          </m:r>
+                          <m:r>
+                            <a:rPr lang="en-US" altLang="zh-CN" i="1" spc="-150" baseline="-25000">
+                              <a:latin typeface="Cambria Math" panose="02040503050406030204" pitchFamily="18" charset="0"/>
+                            </a:rPr>
+                            <m:t>𝑝</m:t>
+                          </m:r>
+                        </m:e>
+                      </m:acc>
+                    </m:oMath>
+                  </a14:m>
+                  <a:r>
+                    <a:rPr lang="en-US" altLang="zh-CN" dirty="0" smtClean="0"/>
+                    <a:t>1</a:t>
+                  </a:r>
+                  <a:endParaRPr lang="zh-CN" altLang="en-US" dirty="0"/>
+                </a:p>
+              </p:txBody>
+            </p:sp>
+          </mc:Choice>
+          <mc:Fallback>
+            <p:sp>
+              <p:nvSpPr>
+                <p:cNvPr id="49" name="矩形 48"/>
+                <p:cNvSpPr>
+                  <a:spLocks noRot="1" noChangeAspect="1" noMove="1" noResize="1" noEditPoints="1" noAdjustHandles="1" noChangeArrowheads="1" noChangeShapeType="1" noTextEdit="1"/>
+                </p:cNvSpPr>
+                <p:nvPr/>
+              </p:nvSpPr>
+              <p:spPr>
+                <a:xfrm>
+                  <a:off x="6820379" y="3932566"/>
+                  <a:ext cx="514500" cy="376193"/>
+                </a:xfrm>
+                <a:prstGeom prst="rect">
+                  <a:avLst/>
+                </a:prstGeom>
+                <a:blipFill rotWithShape="0">
+                  <a:blip r:embed="rId3"/>
+                  <a:stretch>
+                    <a:fillRect t="-6452" r="-9524" b="-25806"/>
+                  </a:stretch>
+                </a:blipFill>
+              </p:spPr>
+              <p:txBody>
+                <a:bodyPr/>
+                <a:lstStyle/>
+                <a:p>
+                  <a:r>
+                    <a:rPr lang="zh-CN" altLang="en-US">
+                      <a:noFill/>
+                    </a:rPr>
+                    <a:t> </a:t>
+                  </a:r>
+                </a:p>
+              </p:txBody>
+            </p:sp>
+          </mc:Fallback>
+        </mc:AlternateContent>
+        <p:sp>
+          <p:nvSpPr>
+            <p:cNvPr id="50" name="椭圆 49"/>
+            <p:cNvSpPr/>
+            <p:nvPr/>
+          </p:nvSpPr>
+          <p:spPr>
+            <a:xfrm>
+              <a:off x="7078000" y="3735963"/>
+              <a:ext cx="157002" cy="157002"/>
+            </a:xfrm>
+            <a:prstGeom prst="ellipse">
+              <a:avLst/>
+            </a:prstGeom>
+            <a:solidFill>
+              <a:schemeClr val="accent1"/>
+            </a:solidFill>
+          </p:spPr>
+          <p:style>
+            <a:lnRef idx="2">
+              <a:schemeClr val="accent1">
+                <a:shade val="50000"/>
+              </a:schemeClr>
+            </a:lnRef>
+            <a:fillRef idx="1">
+              <a:schemeClr val="accent1"/>
+            </a:fillRef>
+            <a:effectRef idx="0">
+              <a:schemeClr val="accent1"/>
+            </a:effectRef>
+            <a:fontRef idx="minor">
+              <a:schemeClr val="lt1"/>
+            </a:fontRef>
+          </p:style>
+          <p:txBody>
+            <a:bodyPr rtlCol="0" anchor="ctr"/>
+            <a:lstStyle/>
+            <a:p>
+              <a:pPr algn="ctr"/>
+              <a:endParaRPr lang="zh-CN" altLang="en-US" spc="300" dirty="0"/>
+            </a:p>
+          </p:txBody>
+        </p:sp>
+      </p:grpSp>
+      <p:grpSp>
+        <p:nvGrpSpPr>
+          <p:cNvPr id="52" name="组合 51"/>
+          <p:cNvGrpSpPr/>
+          <p:nvPr/>
+        </p:nvGrpSpPr>
+        <p:grpSpPr>
+          <a:xfrm>
+            <a:off x="7852010" y="4146271"/>
+            <a:ext cx="514500" cy="572796"/>
+            <a:chOff x="6820379" y="3735963"/>
+            <a:chExt cx="514500" cy="572796"/>
+          </a:xfrm>
+        </p:grpSpPr>
+        <mc:AlternateContent xmlns:mc="http://schemas.openxmlformats.org/markup-compatibility/2006">
+          <mc:Choice xmlns:a14="http://schemas.microsoft.com/office/drawing/2010/main" Requires="a14">
+            <p:sp>
+              <p:nvSpPr>
+                <p:cNvPr id="53" name="矩形 52"/>
+                <p:cNvSpPr/>
+                <p:nvPr/>
+              </p:nvSpPr>
+              <p:spPr>
+                <a:xfrm>
+                  <a:off x="6820379" y="3932566"/>
+                  <a:ext cx="514500" cy="376193"/>
+                </a:xfrm>
+                <a:prstGeom prst="rect">
+                  <a:avLst/>
+                </a:prstGeom>
+              </p:spPr>
+              <p:txBody>
+                <a:bodyPr wrap="none">
+                  <a:spAutoFit/>
+                </a:bodyPr>
+                <a:lstStyle/>
+                <a:p>
+                  <a14:m>
+                    <m:oMath xmlns:m="http://schemas.openxmlformats.org/officeDocument/2006/math">
+                      <m:acc>
+                        <m:accPr>
+                          <m:chr m:val="̃"/>
+                          <m:ctrlPr>
+                            <a:rPr lang="zh-CN" altLang="en-US" i="1" smtClean="0">
+                              <a:latin typeface="Cambria Math" panose="02040503050406030204" pitchFamily="18" charset="0"/>
+                            </a:rPr>
+                          </m:ctrlPr>
+                        </m:accPr>
+                        <m:e>
+                          <m:r>
+                            <a:rPr lang="en-US" altLang="zh-CN" i="1" spc="-150" smtClean="0">
+                              <a:latin typeface="Cambria Math" panose="02040503050406030204" pitchFamily="18" charset="0"/>
+                            </a:rPr>
+                            <m:t>𝑉</m:t>
+                          </m:r>
+                          <m:r>
+                            <a:rPr lang="en-US" altLang="zh-CN" i="1" spc="-150" baseline="-25000">
+                              <a:latin typeface="Cambria Math" panose="02040503050406030204" pitchFamily="18" charset="0"/>
+                            </a:rPr>
+                            <m:t>𝑝</m:t>
+                          </m:r>
+                        </m:e>
+                      </m:acc>
+                    </m:oMath>
+                  </a14:m>
+                  <a:r>
+                    <a:rPr lang="en-US" altLang="zh-CN" dirty="0" smtClean="0"/>
+                    <a:t>2</a:t>
+                  </a:r>
+                  <a:endParaRPr lang="zh-CN" altLang="en-US" dirty="0"/>
+                </a:p>
+              </p:txBody>
+            </p:sp>
+          </mc:Choice>
+          <mc:Fallback>
+            <p:sp>
+              <p:nvSpPr>
+                <p:cNvPr id="53" name="矩形 52"/>
+                <p:cNvSpPr>
+                  <a:spLocks noRot="1" noChangeAspect="1" noMove="1" noResize="1" noEditPoints="1" noAdjustHandles="1" noChangeArrowheads="1" noChangeShapeType="1" noTextEdit="1"/>
+                </p:cNvSpPr>
+                <p:nvPr/>
+              </p:nvSpPr>
+              <p:spPr>
+                <a:xfrm>
+                  <a:off x="6820379" y="3932566"/>
+                  <a:ext cx="514500" cy="376193"/>
+                </a:xfrm>
+                <a:prstGeom prst="rect">
+                  <a:avLst/>
+                </a:prstGeom>
+                <a:blipFill rotWithShape="0">
+                  <a:blip r:embed="rId4"/>
+                  <a:stretch>
+                    <a:fillRect t="-6452" r="-10714" b="-25806"/>
+                  </a:stretch>
+                </a:blipFill>
+              </p:spPr>
+              <p:txBody>
+                <a:bodyPr/>
+                <a:lstStyle/>
+                <a:p>
+                  <a:r>
+                    <a:rPr lang="zh-CN" altLang="en-US">
+                      <a:noFill/>
+                    </a:rPr>
+                    <a:t> </a:t>
+                  </a:r>
+                </a:p>
+              </p:txBody>
+            </p:sp>
+          </mc:Fallback>
+        </mc:AlternateContent>
+        <p:sp>
+          <p:nvSpPr>
+            <p:cNvPr id="54" name="椭圆 53"/>
+            <p:cNvSpPr/>
+            <p:nvPr/>
+          </p:nvSpPr>
+          <p:spPr>
+            <a:xfrm>
+              <a:off x="7078000" y="3735963"/>
+              <a:ext cx="157002" cy="157002"/>
+            </a:xfrm>
+            <a:prstGeom prst="ellipse">
+              <a:avLst/>
+            </a:prstGeom>
+            <a:solidFill>
+              <a:schemeClr val="accent1"/>
+            </a:solidFill>
+          </p:spPr>
+          <p:style>
+            <a:lnRef idx="2">
+              <a:schemeClr val="accent1">
+                <a:shade val="50000"/>
+              </a:schemeClr>
+            </a:lnRef>
+            <a:fillRef idx="1">
+              <a:schemeClr val="accent1"/>
+            </a:fillRef>
+            <a:effectRef idx="0">
+              <a:schemeClr val="accent1"/>
+            </a:effectRef>
+            <a:fontRef idx="minor">
+              <a:schemeClr val="lt1"/>
+            </a:fontRef>
+          </p:style>
+          <p:txBody>
+            <a:bodyPr rtlCol="0" anchor="ctr"/>
+            <a:lstStyle/>
+            <a:p>
+              <a:pPr algn="ctr"/>
+              <a:endParaRPr lang="zh-CN" altLang="en-US" spc="300" dirty="0"/>
+            </a:p>
+          </p:txBody>
+        </p:sp>
+      </p:grpSp>
+      <p:grpSp>
+        <p:nvGrpSpPr>
+          <p:cNvPr id="55" name="组合 54"/>
+          <p:cNvGrpSpPr/>
+          <p:nvPr/>
+        </p:nvGrpSpPr>
+        <p:grpSpPr>
+          <a:xfrm>
+            <a:off x="8918810" y="4228332"/>
+            <a:ext cx="514500" cy="572796"/>
+            <a:chOff x="6820379" y="3735963"/>
+            <a:chExt cx="514500" cy="572796"/>
+          </a:xfrm>
+        </p:grpSpPr>
+        <mc:AlternateContent xmlns:mc="http://schemas.openxmlformats.org/markup-compatibility/2006">
+          <mc:Choice xmlns:a14="http://schemas.microsoft.com/office/drawing/2010/main" Requires="a14">
+            <p:sp>
+              <p:nvSpPr>
+                <p:cNvPr id="56" name="矩形 55"/>
+                <p:cNvSpPr/>
+                <p:nvPr/>
+              </p:nvSpPr>
+              <p:spPr>
+                <a:xfrm>
+                  <a:off x="6820379" y="3932566"/>
+                  <a:ext cx="514500" cy="376193"/>
+                </a:xfrm>
+                <a:prstGeom prst="rect">
+                  <a:avLst/>
+                </a:prstGeom>
+              </p:spPr>
+              <p:txBody>
+                <a:bodyPr wrap="none">
+                  <a:spAutoFit/>
+                </a:bodyPr>
+                <a:lstStyle/>
+                <a:p>
+                  <a14:m>
+                    <m:oMath xmlns:m="http://schemas.openxmlformats.org/officeDocument/2006/math">
+                      <m:acc>
+                        <m:accPr>
+                          <m:chr m:val="̃"/>
+                          <m:ctrlPr>
+                            <a:rPr lang="zh-CN" altLang="en-US" i="1" smtClean="0">
+                              <a:latin typeface="Cambria Math" panose="02040503050406030204" pitchFamily="18" charset="0"/>
+                            </a:rPr>
+                          </m:ctrlPr>
+                        </m:accPr>
+                        <m:e>
+                          <m:r>
+                            <a:rPr lang="en-US" altLang="zh-CN" i="1" spc="-150" smtClean="0">
+                              <a:latin typeface="Cambria Math" panose="02040503050406030204" pitchFamily="18" charset="0"/>
+                            </a:rPr>
+                            <m:t>𝑉</m:t>
+                          </m:r>
+                          <m:r>
+                            <a:rPr lang="en-US" altLang="zh-CN" i="1" spc="-150" baseline="-25000">
+                              <a:latin typeface="Cambria Math" panose="02040503050406030204" pitchFamily="18" charset="0"/>
+                            </a:rPr>
+                            <m:t>𝑝</m:t>
+                          </m:r>
+                        </m:e>
+                      </m:acc>
+                    </m:oMath>
+                  </a14:m>
+                  <a:r>
+                    <a:rPr lang="en-US" altLang="zh-CN" dirty="0" smtClean="0"/>
+                    <a:t>3</a:t>
+                  </a:r>
+                  <a:endParaRPr lang="zh-CN" altLang="en-US" dirty="0"/>
+                </a:p>
+              </p:txBody>
+            </p:sp>
+          </mc:Choice>
+          <mc:Fallback>
+            <p:sp>
+              <p:nvSpPr>
+                <p:cNvPr id="56" name="矩形 55"/>
+                <p:cNvSpPr>
+                  <a:spLocks noRot="1" noChangeAspect="1" noMove="1" noResize="1" noEditPoints="1" noAdjustHandles="1" noChangeArrowheads="1" noChangeShapeType="1" noTextEdit="1"/>
+                </p:cNvSpPr>
+                <p:nvPr/>
+              </p:nvSpPr>
+              <p:spPr>
+                <a:xfrm>
+                  <a:off x="6820379" y="3932566"/>
+                  <a:ext cx="514500" cy="376193"/>
+                </a:xfrm>
+                <a:prstGeom prst="rect">
+                  <a:avLst/>
+                </a:prstGeom>
+                <a:blipFill rotWithShape="0">
+                  <a:blip r:embed="rId5"/>
+                  <a:stretch>
+                    <a:fillRect t="-6452" r="-10714" b="-25806"/>
+                  </a:stretch>
+                </a:blipFill>
+              </p:spPr>
+              <p:txBody>
+                <a:bodyPr/>
+                <a:lstStyle/>
+                <a:p>
+                  <a:r>
+                    <a:rPr lang="zh-CN" altLang="en-US">
+                      <a:noFill/>
+                    </a:rPr>
+                    <a:t> </a:t>
+                  </a:r>
+                </a:p>
+              </p:txBody>
+            </p:sp>
+          </mc:Fallback>
+        </mc:AlternateContent>
+        <p:sp>
+          <p:nvSpPr>
+            <p:cNvPr id="57" name="椭圆 56"/>
+            <p:cNvSpPr/>
+            <p:nvPr/>
+          </p:nvSpPr>
+          <p:spPr>
+            <a:xfrm>
+              <a:off x="7078000" y="3735963"/>
+              <a:ext cx="157002" cy="157002"/>
+            </a:xfrm>
+            <a:prstGeom prst="ellipse">
+              <a:avLst/>
+            </a:prstGeom>
+            <a:solidFill>
+              <a:schemeClr val="accent1"/>
+            </a:solidFill>
+          </p:spPr>
+          <p:style>
+            <a:lnRef idx="2">
+              <a:schemeClr val="accent1">
+                <a:shade val="50000"/>
+              </a:schemeClr>
+            </a:lnRef>
+            <a:fillRef idx="1">
+              <a:schemeClr val="accent1"/>
+            </a:fillRef>
+            <a:effectRef idx="0">
+              <a:schemeClr val="accent1"/>
+            </a:effectRef>
+            <a:fontRef idx="minor">
+              <a:schemeClr val="lt1"/>
+            </a:fontRef>
+          </p:style>
+          <p:txBody>
+            <a:bodyPr rtlCol="0" anchor="ctr"/>
+            <a:lstStyle/>
+            <a:p>
+              <a:pPr algn="ctr"/>
+              <a:endParaRPr lang="zh-CN" altLang="en-US" spc="300" dirty="0"/>
+            </a:p>
+          </p:txBody>
+        </p:sp>
+      </p:grpSp>
+      <p:grpSp>
+        <p:nvGrpSpPr>
+          <p:cNvPr id="58" name="组合 57"/>
+          <p:cNvGrpSpPr/>
+          <p:nvPr/>
+        </p:nvGrpSpPr>
+        <p:grpSpPr>
+          <a:xfrm>
+            <a:off x="10161456" y="4064209"/>
+            <a:ext cx="514500" cy="572796"/>
+            <a:chOff x="6820379" y="3735963"/>
+            <a:chExt cx="514500" cy="572796"/>
+          </a:xfrm>
+        </p:grpSpPr>
+        <mc:AlternateContent xmlns:mc="http://schemas.openxmlformats.org/markup-compatibility/2006">
+          <mc:Choice xmlns:a14="http://schemas.microsoft.com/office/drawing/2010/main" Requires="a14">
+            <p:sp>
+              <p:nvSpPr>
+                <p:cNvPr id="59" name="矩形 58"/>
+                <p:cNvSpPr/>
+                <p:nvPr/>
+              </p:nvSpPr>
+              <p:spPr>
+                <a:xfrm>
+                  <a:off x="6820379" y="3932566"/>
+                  <a:ext cx="514500" cy="376193"/>
+                </a:xfrm>
+                <a:prstGeom prst="rect">
+                  <a:avLst/>
+                </a:prstGeom>
+              </p:spPr>
+              <p:txBody>
+                <a:bodyPr wrap="none">
+                  <a:spAutoFit/>
+                </a:bodyPr>
+                <a:lstStyle/>
+                <a:p>
+                  <a14:m>
+                    <m:oMath xmlns:m="http://schemas.openxmlformats.org/officeDocument/2006/math">
+                      <m:acc>
+                        <m:accPr>
+                          <m:chr m:val="̃"/>
+                          <m:ctrlPr>
+                            <a:rPr lang="zh-CN" altLang="en-US" i="1" smtClean="0">
+                              <a:latin typeface="Cambria Math" panose="02040503050406030204" pitchFamily="18" charset="0"/>
+                            </a:rPr>
+                          </m:ctrlPr>
+                        </m:accPr>
+                        <m:e>
+                          <m:r>
+                            <a:rPr lang="en-US" altLang="zh-CN" i="1" spc="-150" smtClean="0">
+                              <a:latin typeface="Cambria Math" panose="02040503050406030204" pitchFamily="18" charset="0"/>
+                            </a:rPr>
+                            <m:t>𝑉</m:t>
+                          </m:r>
+                          <m:r>
+                            <a:rPr lang="en-US" altLang="zh-CN" i="1" spc="-150" baseline="-25000">
+                              <a:latin typeface="Cambria Math" panose="02040503050406030204" pitchFamily="18" charset="0"/>
+                            </a:rPr>
+                            <m:t>𝑝</m:t>
+                          </m:r>
+                        </m:e>
+                      </m:acc>
+                    </m:oMath>
+                  </a14:m>
+                  <a:r>
+                    <a:rPr lang="en-US" altLang="zh-CN" dirty="0" smtClean="0"/>
+                    <a:t>4</a:t>
+                  </a:r>
+                  <a:endParaRPr lang="zh-CN" altLang="en-US" dirty="0"/>
+                </a:p>
+              </p:txBody>
+            </p:sp>
+          </mc:Choice>
+          <mc:Fallback>
+            <p:sp>
+              <p:nvSpPr>
+                <p:cNvPr id="59" name="矩形 58"/>
+                <p:cNvSpPr>
+                  <a:spLocks noRot="1" noChangeAspect="1" noMove="1" noResize="1" noEditPoints="1" noAdjustHandles="1" noChangeArrowheads="1" noChangeShapeType="1" noTextEdit="1"/>
+                </p:cNvSpPr>
+                <p:nvPr/>
+              </p:nvSpPr>
+              <p:spPr>
+                <a:xfrm>
+                  <a:off x="6820379" y="3932566"/>
+                  <a:ext cx="514500" cy="376193"/>
+                </a:xfrm>
+                <a:prstGeom prst="rect">
+                  <a:avLst/>
+                </a:prstGeom>
+                <a:blipFill rotWithShape="0">
+                  <a:blip r:embed="rId6"/>
+                  <a:stretch>
+                    <a:fillRect t="-6452" r="-9524" b="-25806"/>
+                  </a:stretch>
+                </a:blipFill>
+              </p:spPr>
+              <p:txBody>
+                <a:bodyPr/>
+                <a:lstStyle/>
+                <a:p>
+                  <a:r>
+                    <a:rPr lang="zh-CN" altLang="en-US">
+                      <a:noFill/>
+                    </a:rPr>
+                    <a:t> </a:t>
+                  </a:r>
+                </a:p>
+              </p:txBody>
+            </p:sp>
+          </mc:Fallback>
+        </mc:AlternateContent>
+        <p:sp>
+          <p:nvSpPr>
+            <p:cNvPr id="60" name="椭圆 59"/>
+            <p:cNvSpPr/>
+            <p:nvPr/>
+          </p:nvSpPr>
+          <p:spPr>
+            <a:xfrm>
+              <a:off x="7078000" y="3735963"/>
+              <a:ext cx="157002" cy="157002"/>
+            </a:xfrm>
+            <a:prstGeom prst="ellipse">
+              <a:avLst/>
+            </a:prstGeom>
+            <a:solidFill>
+              <a:schemeClr val="accent1"/>
+            </a:solidFill>
+          </p:spPr>
+          <p:style>
+            <a:lnRef idx="2">
+              <a:schemeClr val="accent1">
+                <a:shade val="50000"/>
+              </a:schemeClr>
+            </a:lnRef>
+            <a:fillRef idx="1">
+              <a:schemeClr val="accent1"/>
+            </a:fillRef>
+            <a:effectRef idx="0">
+              <a:schemeClr val="accent1"/>
+            </a:effectRef>
+            <a:fontRef idx="minor">
+              <a:schemeClr val="lt1"/>
+            </a:fontRef>
+          </p:style>
+          <p:txBody>
+            <a:bodyPr rtlCol="0" anchor="ctr"/>
+            <a:lstStyle/>
+            <a:p>
+              <a:pPr algn="ctr"/>
+              <a:endParaRPr lang="zh-CN" altLang="en-US" spc="300" dirty="0"/>
+            </a:p>
+          </p:txBody>
+        </p:sp>
+      </p:grpSp>
+      <p:cxnSp>
+        <p:nvCxnSpPr>
+          <p:cNvPr id="61" name="直接连接符 60"/>
+          <p:cNvCxnSpPr>
+            <a:stCxn id="14" idx="1"/>
+          </p:cNvCxnSpPr>
+          <p:nvPr/>
+        </p:nvCxnSpPr>
+        <p:spPr>
+          <a:xfrm flipH="1">
+            <a:off x="7188564" y="3125909"/>
+            <a:ext cx="850274" cy="656492"/>
+          </a:xfrm>
+          <a:prstGeom prst="line">
+            <a:avLst/>
+          </a:prstGeom>
+          <a:ln w="22225">
+            <a:prstDash val="dash"/>
+            <a:tailEnd type="none" w="med" len="sm"/>
+          </a:ln>
+        </p:spPr>
+        <p:style>
+          <a:lnRef idx="3">
+            <a:schemeClr val="dk1"/>
+          </a:lnRef>
+          <a:fillRef idx="0">
+            <a:schemeClr val="dk1"/>
+          </a:fillRef>
+          <a:effectRef idx="2">
+            <a:schemeClr val="dk1"/>
+          </a:effectRef>
+          <a:fontRef idx="minor">
+            <a:schemeClr val="tx1"/>
+          </a:fontRef>
+        </p:style>
+      </p:cxnSp>
+      <p:cxnSp>
+        <p:nvCxnSpPr>
+          <p:cNvPr id="69" name="直接连接符 68"/>
+          <p:cNvCxnSpPr>
+            <a:endCxn id="54" idx="7"/>
+          </p:cNvCxnSpPr>
+          <p:nvPr/>
+        </p:nvCxnSpPr>
+        <p:spPr>
+          <a:xfrm flipH="1">
+            <a:off x="8243641" y="3231417"/>
+            <a:ext cx="944059" cy="937846"/>
+          </a:xfrm>
+          <a:prstGeom prst="line">
+            <a:avLst/>
+          </a:prstGeom>
+          <a:ln w="22225">
+            <a:prstDash val="dash"/>
+            <a:tailEnd type="none" w="med" len="sm"/>
+          </a:ln>
+        </p:spPr>
+        <p:style>
+          <a:lnRef idx="3">
+            <a:schemeClr val="dk1"/>
+          </a:lnRef>
+          <a:fillRef idx="0">
+            <a:schemeClr val="dk1"/>
+          </a:fillRef>
+          <a:effectRef idx="2">
+            <a:schemeClr val="dk1"/>
+          </a:effectRef>
+          <a:fontRef idx="minor">
+            <a:schemeClr val="tx1"/>
+          </a:fontRef>
+        </p:style>
+      </p:cxnSp>
+      <p:cxnSp>
+        <p:nvCxnSpPr>
+          <p:cNvPr id="71" name="直接连接符 70"/>
+          <p:cNvCxnSpPr>
+            <a:endCxn id="57" idx="7"/>
+          </p:cNvCxnSpPr>
+          <p:nvPr/>
+        </p:nvCxnSpPr>
+        <p:spPr>
+          <a:xfrm flipH="1">
+            <a:off x="9310441" y="3207971"/>
+            <a:ext cx="861998" cy="1043353"/>
+          </a:xfrm>
+          <a:prstGeom prst="line">
+            <a:avLst/>
+          </a:prstGeom>
+          <a:ln w="22225">
+            <a:prstDash val="dash"/>
+            <a:tailEnd type="none" w="med" len="sm"/>
+          </a:ln>
+        </p:spPr>
+        <p:style>
+          <a:lnRef idx="3">
+            <a:schemeClr val="dk1"/>
+          </a:lnRef>
+          <a:fillRef idx="0">
+            <a:schemeClr val="dk1"/>
+          </a:fillRef>
+          <a:effectRef idx="2">
+            <a:schemeClr val="dk1"/>
+          </a:effectRef>
+          <a:fontRef idx="minor">
+            <a:schemeClr val="tx1"/>
+          </a:fontRef>
+        </p:style>
+      </p:cxnSp>
+      <p:cxnSp>
+        <p:nvCxnSpPr>
+          <p:cNvPr id="73" name="直接连接符 72"/>
+          <p:cNvCxnSpPr>
+            <a:endCxn id="60" idx="7"/>
+          </p:cNvCxnSpPr>
+          <p:nvPr/>
+        </p:nvCxnSpPr>
+        <p:spPr>
+          <a:xfrm flipH="1">
+            <a:off x="10553087" y="3196247"/>
+            <a:ext cx="733044" cy="890954"/>
+          </a:xfrm>
+          <a:prstGeom prst="line">
+            <a:avLst/>
+          </a:prstGeom>
+          <a:ln w="22225">
+            <a:prstDash val="dash"/>
+            <a:tailEnd type="none" w="med" len="sm"/>
+          </a:ln>
+        </p:spPr>
+        <p:style>
+          <a:lnRef idx="3">
+            <a:schemeClr val="dk1"/>
+          </a:lnRef>
+          <a:fillRef idx="0">
+            <a:schemeClr val="dk1"/>
+          </a:fillRef>
+          <a:effectRef idx="2">
+            <a:schemeClr val="dk1"/>
+          </a:effectRef>
+          <a:fontRef idx="minor">
+            <a:schemeClr val="tx1"/>
+          </a:fontRef>
+        </p:style>
+      </p:cxnSp>
+      <mc:AlternateContent xmlns:mc="http://schemas.openxmlformats.org/markup-compatibility/2006">
+        <mc:Choice xmlns:a14="http://schemas.microsoft.com/office/drawing/2010/main" Requires="a14">
+          <p:sp>
+            <p:nvSpPr>
+              <p:cNvPr id="75" name="矩形 74"/>
+              <p:cNvSpPr/>
+              <p:nvPr/>
+            </p:nvSpPr>
+            <p:spPr>
+              <a:xfrm>
+                <a:off x="285079" y="3431903"/>
+                <a:ext cx="5472588" cy="376193"/>
+              </a:xfrm>
+              <a:prstGeom prst="rect">
+                <a:avLst/>
+              </a:prstGeom>
+            </p:spPr>
+            <p:txBody>
+              <a:bodyPr wrap="none">
+                <a:spAutoFit/>
+              </a:bodyPr>
+              <a:lstStyle/>
+              <a:p>
+                <a:r>
+                  <a:rPr lang="zh-CN" altLang="en-US" dirty="0"/>
+                  <a:t>使</a:t>
+                </a:r>
+                <a:r>
+                  <a:rPr lang="zh-CN" altLang="en-US" dirty="0" smtClean="0"/>
+                  <a:t>用 </a:t>
+                </a:r>
+                <a:r>
+                  <a:rPr lang="en-US" altLang="zh-CN" dirty="0" smtClean="0"/>
+                  <a:t>Dijkstra </a:t>
+                </a:r>
+                <a:r>
+                  <a:rPr lang="zh-CN" altLang="en-US" dirty="0" smtClean="0"/>
+                  <a:t>方法求解 </a:t>
+                </a:r>
+                <a14:m>
+                  <m:oMath xmlns:m="http://schemas.openxmlformats.org/officeDocument/2006/math">
+                    <m:acc>
+                      <m:accPr>
+                        <m:chr m:val="̃"/>
+                        <m:ctrlPr>
+                          <a:rPr lang="zh-CN" altLang="en-US" i="1">
+                            <a:latin typeface="Cambria Math" panose="02040503050406030204" pitchFamily="18" charset="0"/>
+                          </a:rPr>
+                        </m:ctrlPr>
+                      </m:accPr>
+                      <m:e>
+                        <m:r>
+                          <a:rPr lang="en-US" altLang="zh-CN" i="1" spc="-150">
+                            <a:latin typeface="Cambria Math" panose="02040503050406030204" pitchFamily="18" charset="0"/>
+                          </a:rPr>
+                          <m:t>𝑉</m:t>
+                        </m:r>
+                        <m:r>
+                          <a:rPr lang="en-US" altLang="zh-CN" i="1" spc="-150" baseline="-25000">
+                            <a:latin typeface="Cambria Math" panose="02040503050406030204" pitchFamily="18" charset="0"/>
+                          </a:rPr>
+                          <m:t>𝑝</m:t>
+                        </m:r>
+                      </m:e>
+                    </m:acc>
+                    <m:r>
+                      <a:rPr lang="en-US" altLang="zh-CN" spc="-150" baseline="-25000">
+                        <a:latin typeface="Cambria Math" panose="02040503050406030204" pitchFamily="18" charset="0"/>
+                      </a:rPr>
+                      <m:t> </m:t>
+                    </m:r>
+                  </m:oMath>
+                </a14:m>
+                <a:r>
+                  <a:rPr lang="zh-CN" altLang="en-US" dirty="0" smtClean="0"/>
+                  <a:t> 到其它 </a:t>
+                </a:r>
+                <a:r>
+                  <a:rPr lang="en-US" altLang="zh-CN" dirty="0" smtClean="0"/>
+                  <a:t>V </a:t>
+                </a:r>
+                <a:r>
+                  <a:rPr lang="zh-CN" altLang="en-US" dirty="0" smtClean="0"/>
+                  <a:t>结点的最短路径 </a:t>
+                </a:r>
+                <a:endParaRPr lang="zh-CN" altLang="en-US" dirty="0"/>
+              </a:p>
+            </p:txBody>
+          </p:sp>
+        </mc:Choice>
+        <mc:Fallback>
+          <p:sp>
+            <p:nvSpPr>
+              <p:cNvPr id="75" name="矩形 74"/>
+              <p:cNvSpPr>
+                <a:spLocks noRot="1" noChangeAspect="1" noMove="1" noResize="1" noEditPoints="1" noAdjustHandles="1" noChangeArrowheads="1" noChangeShapeType="1" noTextEdit="1"/>
+              </p:cNvSpPr>
+              <p:nvPr/>
+            </p:nvSpPr>
+            <p:spPr>
+              <a:xfrm>
+                <a:off x="285079" y="3431903"/>
+                <a:ext cx="5472588" cy="376193"/>
+              </a:xfrm>
+              <a:prstGeom prst="rect">
+                <a:avLst/>
+              </a:prstGeom>
+              <a:blipFill rotWithShape="0">
+                <a:blip r:embed="rId7"/>
+                <a:stretch>
+                  <a:fillRect l="-1003" t="-11290" b="-25806"/>
+                </a:stretch>
+              </a:blipFill>
+            </p:spPr>
+            <p:txBody>
+              <a:bodyPr/>
+              <a:lstStyle/>
+              <a:p>
+                <a:r>
+                  <a:rPr lang="zh-CN" altLang="en-US">
+                    <a:noFill/>
+                  </a:rPr>
+                  <a:t> </a:t>
+                </a:r>
+              </a:p>
+            </p:txBody>
+          </p:sp>
+        </mc:Fallback>
+      </mc:AlternateContent>
+      <mc:AlternateContent xmlns:mc="http://schemas.openxmlformats.org/markup-compatibility/2006">
+        <mc:Choice xmlns:a14="http://schemas.microsoft.com/office/drawing/2010/main" Requires="a14">
+          <p:sp>
+            <p:nvSpPr>
+              <p:cNvPr id="78" name="文本框 77"/>
+              <p:cNvSpPr txBox="1"/>
+              <p:nvPr/>
+            </p:nvSpPr>
+            <p:spPr>
+              <a:xfrm>
+                <a:off x="797169" y="3944816"/>
+                <a:ext cx="948208" cy="276999"/>
+              </a:xfrm>
+              <a:prstGeom prst="rect">
+                <a:avLst/>
+              </a:prstGeom>
+              <a:noFill/>
+            </p:spPr>
+            <p:txBody>
+              <a:bodyPr wrap="none" lIns="0" tIns="0" rIns="0" bIns="0" rtlCol="0">
+                <a:spAutoFit/>
+              </a:bodyPr>
+              <a:lstStyle/>
+              <a:p>
+                <a14:m>
+                  <m:oMathPara xmlns:m="http://schemas.openxmlformats.org/officeDocument/2006/math">
+                    <m:oMathParaPr>
+                      <m:jc m:val="centerGroup"/>
+                    </m:oMathParaPr>
+                    <m:oMath xmlns:m="http://schemas.openxmlformats.org/officeDocument/2006/math">
+                      <m:acc>
+                        <m:accPr>
+                          <m:chr m:val="̅"/>
+                          <m:ctrlPr>
+                            <a:rPr lang="zh-CN" altLang="en-US" i="1" smtClean="0">
+                              <a:latin typeface="Cambria Math" panose="02040503050406030204" pitchFamily="18" charset="0"/>
+                            </a:rPr>
+                          </m:ctrlPr>
+                        </m:accPr>
+                        <m:e>
+                          <m:r>
+                            <a:rPr lang="en-US" altLang="zh-CN" b="0" i="1" smtClean="0">
+                              <a:latin typeface="Cambria Math" panose="02040503050406030204" pitchFamily="18" charset="0"/>
+                            </a:rPr>
+                            <m:t>𝑋</m:t>
+                          </m:r>
+                        </m:e>
+                      </m:acc>
+                      <m:r>
+                        <a:rPr lang="en-US" altLang="zh-CN" b="0" i="1" smtClean="0">
+                          <a:latin typeface="Cambria Math" panose="02040503050406030204" pitchFamily="18" charset="0"/>
+                        </a:rPr>
+                        <m:t>= </m:t>
+                      </m:r>
+                      <m:r>
+                        <m:rPr>
+                          <m:sty m:val="p"/>
+                        </m:rPr>
+                        <a:rPr lang="en-US" altLang="zh-CN" i="1">
+                          <a:latin typeface="Cambria Math" panose="02040503050406030204" pitchFamily="18" charset="0"/>
+                        </a:rPr>
+                        <m:t>P</m:t>
+                      </m:r>
+                      <m:r>
+                        <a:rPr lang="en-US" altLang="zh-CN" i="1">
+                          <a:latin typeface="Cambria Math" panose="02040503050406030204" pitchFamily="18" charset="0"/>
+                        </a:rPr>
+                        <m:t>\</m:t>
+                      </m:r>
+                      <m:r>
+                        <m:rPr>
+                          <m:sty m:val="p"/>
+                        </m:rPr>
+                        <a:rPr lang="en-US" altLang="zh-CN" i="1">
+                          <a:latin typeface="Cambria Math" panose="02040503050406030204" pitchFamily="18" charset="0"/>
+                        </a:rPr>
+                        <m:t>X</m:t>
+                      </m:r>
+                    </m:oMath>
+                  </m:oMathPara>
+                </a14:m>
+                <a:endParaRPr lang="zh-CN" altLang="en-US" dirty="0" smtClean="0"/>
+              </a:p>
+            </p:txBody>
+          </p:sp>
+        </mc:Choice>
+        <mc:Fallback>
+          <p:sp>
+            <p:nvSpPr>
+              <p:cNvPr id="78" name="文本框 77"/>
+              <p:cNvSpPr txBox="1">
+                <a:spLocks noRot="1" noChangeAspect="1" noMove="1" noResize="1" noEditPoints="1" noAdjustHandles="1" noChangeArrowheads="1" noChangeShapeType="1" noTextEdit="1"/>
+              </p:cNvSpPr>
+              <p:nvPr/>
+            </p:nvSpPr>
+            <p:spPr>
+              <a:xfrm>
+                <a:off x="797169" y="3944816"/>
+                <a:ext cx="948208" cy="276999"/>
+              </a:xfrm>
+              <a:prstGeom prst="rect">
+                <a:avLst/>
+              </a:prstGeom>
+              <a:blipFill rotWithShape="0">
+                <a:blip r:embed="rId8"/>
+                <a:stretch>
+                  <a:fillRect l="-5161" t="-2174" r="-5806" b="-34783"/>
+                </a:stretch>
+              </a:blipFill>
+            </p:spPr>
+            <p:txBody>
+              <a:bodyPr/>
+              <a:lstStyle/>
+              <a:p>
+                <a:r>
+                  <a:rPr lang="zh-CN" altLang="en-US">
+                    <a:noFill/>
+                  </a:rPr>
+                  <a:t> </a:t>
+                </a:r>
+              </a:p>
+            </p:txBody>
+          </p:sp>
+        </mc:Fallback>
+      </mc:AlternateContent>
+      <mc:AlternateContent xmlns:mc="http://schemas.openxmlformats.org/markup-compatibility/2006">
+        <mc:Choice xmlns:a14="http://schemas.microsoft.com/office/drawing/2010/main" Requires="a14">
+          <p:sp>
+            <p:nvSpPr>
+              <p:cNvPr id="79" name="矩形 78"/>
+              <p:cNvSpPr/>
+              <p:nvPr/>
+            </p:nvSpPr>
+            <p:spPr>
+              <a:xfrm>
+                <a:off x="249909" y="4451810"/>
+                <a:ext cx="5494399" cy="1754326"/>
+              </a:xfrm>
+              <a:prstGeom prst="rect">
+                <a:avLst/>
+              </a:prstGeom>
+            </p:spPr>
+            <p:txBody>
+              <a:bodyPr wrap="square">
+                <a:spAutoFit/>
+              </a:bodyPr>
+              <a:lstStyle/>
+              <a:p>
+                <a:r>
+                  <a:rPr lang="en-US" altLang="zh-CN" dirty="0" smtClean="0"/>
+                  <a:t>T’ ( v , </a:t>
+                </a:r>
+                <a14:m>
+                  <m:oMath xmlns:m="http://schemas.openxmlformats.org/officeDocument/2006/math">
+                    <m:acc>
+                      <m:accPr>
+                        <m:chr m:val="̅"/>
+                        <m:ctrlPr>
+                          <a:rPr lang="zh-CN" altLang="en-US" i="1">
+                            <a:latin typeface="Cambria Math" panose="02040503050406030204" pitchFamily="18" charset="0"/>
+                          </a:rPr>
+                        </m:ctrlPr>
+                      </m:accPr>
+                      <m:e>
+                        <m:r>
+                          <a:rPr lang="en-US" altLang="zh-CN" i="1">
+                            <a:latin typeface="Cambria Math" panose="02040503050406030204" pitchFamily="18" charset="0"/>
+                          </a:rPr>
+                          <m:t>𝑋</m:t>
+                        </m:r>
+                      </m:e>
+                    </m:acc>
+                  </m:oMath>
+                </a14:m>
+                <a:r>
+                  <a:rPr lang="en-US" altLang="zh-CN" dirty="0" smtClean="0"/>
+                  <a:t>) </a:t>
+                </a:r>
+                <a:r>
+                  <a:rPr lang="zh-CN" altLang="en-US" dirty="0" smtClean="0"/>
+                  <a:t>将</a:t>
+                </a:r>
+                <a:r>
+                  <a:rPr lang="en-US" altLang="zh-CN" dirty="0" smtClean="0"/>
+                  <a:t>v </a:t>
+                </a:r>
+                <a:r>
+                  <a:rPr lang="zh-CN" altLang="en-US" dirty="0" smtClean="0"/>
+                  <a:t>到</a:t>
+                </a:r>
+                <a14:m>
+                  <m:oMath xmlns:m="http://schemas.openxmlformats.org/officeDocument/2006/math">
+                    <m:acc>
+                      <m:accPr>
+                        <m:chr m:val="̅"/>
+                        <m:ctrlPr>
+                          <a:rPr lang="zh-CN" altLang="en-US" i="1">
+                            <a:latin typeface="Cambria Math" panose="02040503050406030204" pitchFamily="18" charset="0"/>
+                          </a:rPr>
+                        </m:ctrlPr>
+                      </m:accPr>
+                      <m:e>
+                        <m:r>
+                          <a:rPr lang="en-US" altLang="zh-CN" i="1">
+                            <a:latin typeface="Cambria Math" panose="02040503050406030204" pitchFamily="18" charset="0"/>
+                          </a:rPr>
+                          <m:t>𝑋</m:t>
+                        </m:r>
+                      </m:e>
+                    </m:acc>
+                  </m:oMath>
+                </a14:m>
+                <a:r>
+                  <a:rPr lang="en-US" altLang="zh-CN" dirty="0" smtClean="0"/>
+                  <a:t> </a:t>
+                </a:r>
+                <a:r>
+                  <a:rPr lang="zh-CN" altLang="en-US" dirty="0" smtClean="0"/>
+                  <a:t>虚拟结点的最短路径进行合并构成一棵树</a:t>
+                </a:r>
+                <a:endParaRPr lang="en-US" altLang="zh-CN" dirty="0" smtClean="0"/>
+              </a:p>
+              <a:p>
+                <a:endParaRPr lang="en-US" altLang="zh-CN" dirty="0"/>
+              </a:p>
+              <a:p>
+                <a:r>
+                  <a:rPr lang="zh-CN" altLang="en-US" dirty="0" smtClean="0"/>
+                  <a:t>然后将 </a:t>
+                </a:r>
+                <a:r>
+                  <a:rPr lang="en-US" altLang="zh-CN" dirty="0" smtClean="0"/>
+                  <a:t>T(v, X)</a:t>
+                </a:r>
+                <a:r>
+                  <a:rPr lang="zh-CN" altLang="en-US" dirty="0" smtClean="0"/>
+                  <a:t>与 </a:t>
+                </a:r>
+                <a:r>
+                  <a:rPr lang="en-US" altLang="zh-CN" dirty="0"/>
+                  <a:t>T’ ( v , </a:t>
+                </a:r>
+                <a14:m>
+                  <m:oMath xmlns:m="http://schemas.openxmlformats.org/officeDocument/2006/math">
+                    <m:acc>
+                      <m:accPr>
+                        <m:chr m:val="̅"/>
+                        <m:ctrlPr>
+                          <a:rPr lang="zh-CN" altLang="en-US" i="1">
+                            <a:latin typeface="Cambria Math" panose="02040503050406030204" pitchFamily="18" charset="0"/>
+                          </a:rPr>
+                        </m:ctrlPr>
+                      </m:accPr>
+                      <m:e>
+                        <m:r>
+                          <a:rPr lang="en-US" altLang="zh-CN" i="1">
+                            <a:latin typeface="Cambria Math" panose="02040503050406030204" pitchFamily="18" charset="0"/>
+                          </a:rPr>
+                          <m:t>𝑋</m:t>
+                        </m:r>
+                      </m:e>
+                    </m:acc>
+                  </m:oMath>
+                </a14:m>
+                <a:r>
+                  <a:rPr lang="en-US" altLang="zh-CN" dirty="0"/>
+                  <a:t>) </a:t>
+                </a:r>
+                <a:r>
+                  <a:rPr lang="zh-CN" altLang="en-US" dirty="0" smtClean="0"/>
+                  <a:t>进行合并形成的最小生成树（</a:t>
+                </a:r>
+                <a:r>
+                  <a:rPr lang="en-US" altLang="zh-CN" dirty="0" smtClean="0"/>
+                  <a:t>MST</a:t>
+                </a:r>
+                <a:r>
+                  <a:rPr lang="zh-CN" altLang="en-US" dirty="0" smtClean="0"/>
+                  <a:t>）</a:t>
+                </a:r>
+                <a:endParaRPr lang="en-US" altLang="zh-CN" dirty="0" smtClean="0"/>
+              </a:p>
+              <a:p>
+                <a:r>
+                  <a:rPr lang="zh-CN" altLang="en-US" dirty="0"/>
+                  <a:t>这</a:t>
+                </a:r>
+                <a:r>
+                  <a:rPr lang="zh-CN" altLang="en-US" dirty="0" smtClean="0"/>
+                  <a:t>样获得一个可行解</a:t>
+                </a:r>
+                <a:endParaRPr lang="zh-CN" altLang="en-US" dirty="0"/>
+              </a:p>
+            </p:txBody>
+          </p:sp>
+        </mc:Choice>
+        <mc:Fallback>
+          <p:sp>
+            <p:nvSpPr>
+              <p:cNvPr id="79" name="矩形 78"/>
+              <p:cNvSpPr>
+                <a:spLocks noRot="1" noChangeAspect="1" noMove="1" noResize="1" noEditPoints="1" noAdjustHandles="1" noChangeArrowheads="1" noChangeShapeType="1" noTextEdit="1"/>
+              </p:cNvSpPr>
+              <p:nvPr/>
+            </p:nvSpPr>
+            <p:spPr>
+              <a:xfrm>
+                <a:off x="249909" y="4451810"/>
+                <a:ext cx="5494399" cy="1754326"/>
+              </a:xfrm>
+              <a:prstGeom prst="rect">
+                <a:avLst/>
+              </a:prstGeom>
+              <a:blipFill rotWithShape="0">
+                <a:blip r:embed="rId9"/>
+                <a:stretch>
+                  <a:fillRect l="-999" t="-2431" r="-333" b="-3819"/>
+                </a:stretch>
+              </a:blipFill>
+            </p:spPr>
+            <p:txBody>
+              <a:bodyPr/>
+              <a:lstStyle/>
+              <a:p>
+                <a:r>
+                  <a:rPr lang="zh-CN" altLang="en-US">
+                    <a:noFill/>
+                  </a:rPr>
+                  <a:t> </a:t>
+                </a:r>
+              </a:p>
+            </p:txBody>
+          </p:sp>
+        </mc:Fallback>
+      </mc:AlternateContent>
     </p:spTree>
     <p:extLst>
       <p:ext uri="{BB962C8B-B14F-4D97-AF65-F5344CB8AC3E}">
